--- a/images/theory_analysis/Kubernetes_OpenStack_Cinder_CSI_Plugin/Kubernetes_OpenStack_Cinder_CSI_Plugin.pptx
+++ b/images/theory_analysis/Kubernetes_OpenStack_Cinder_CSI_Plugin/Kubernetes_OpenStack_Cinder_CSI_Plugin.pptx
@@ -3660,6 +3660,13 @@
             </a:avLst>
           </a:prstGeom>
           <a:noFill/>
+          <a:ln>
+            <a:solidFill>
+              <a:schemeClr val="accent3">
+                <a:lumMod val="50000"/>
+              </a:schemeClr>
+            </a:solidFill>
+          </a:ln>
         </p:spPr>
         <p:style>
           <a:lnRef idx="2">
@@ -3710,6 +3717,13 @@
             </a:avLst>
           </a:prstGeom>
           <a:noFill/>
+          <a:ln>
+            <a:solidFill>
+              <a:schemeClr val="accent3">
+                <a:lumMod val="50000"/>
+              </a:schemeClr>
+            </a:solidFill>
+          </a:ln>
         </p:spPr>
         <p:style>
           <a:lnRef idx="2">
@@ -3760,6 +3774,13 @@
             </a:avLst>
           </a:prstGeom>
           <a:noFill/>
+          <a:ln>
+            <a:solidFill>
+              <a:schemeClr val="accent3">
+                <a:lumMod val="50000"/>
+              </a:schemeClr>
+            </a:solidFill>
+          </a:ln>
         </p:spPr>
         <p:style>
           <a:lnRef idx="2">
@@ -3810,6 +3831,13 @@
             </a:avLst>
           </a:prstGeom>
           <a:noFill/>
+          <a:ln>
+            <a:solidFill>
+              <a:schemeClr val="accent3">
+                <a:lumMod val="50000"/>
+              </a:schemeClr>
+            </a:solidFill>
+          </a:ln>
         </p:spPr>
         <p:style>
           <a:lnRef idx="2">
@@ -3860,6 +3888,13 @@
             </a:avLst>
           </a:prstGeom>
           <a:noFill/>
+          <a:ln>
+            <a:solidFill>
+              <a:schemeClr val="accent6">
+                <a:lumMod val="50000"/>
+              </a:schemeClr>
+            </a:solidFill>
+          </a:ln>
         </p:spPr>
         <p:style>
           <a:lnRef idx="2">
@@ -3901,7 +3936,7 @@
         </p:nvSpPr>
         <p:spPr>
           <a:xfrm>
-            <a:off x="4932040" y="759317"/>
+            <a:off x="4860032" y="759317"/>
             <a:ext cx="2153490" cy="804916"/>
           </a:xfrm>
           <a:prstGeom prst="roundRect">
@@ -3952,7 +3987,7 @@
         </p:nvSpPr>
         <p:spPr>
           <a:xfrm>
-            <a:off x="5040856" y="1094045"/>
+            <a:off x="4968848" y="1094045"/>
             <a:ext cx="908074" cy="361808"/>
           </a:xfrm>
           <a:prstGeom prst="roundRect">
@@ -4010,7 +4045,7 @@
         </p:nvSpPr>
         <p:spPr>
           <a:xfrm>
-            <a:off x="6067325" y="1094045"/>
+            <a:off x="5995317" y="1094045"/>
             <a:ext cx="908074" cy="361808"/>
           </a:xfrm>
           <a:prstGeom prst="roundRect">
@@ -4605,7 +4640,7 @@
         <p:spPr>
           <a:xfrm flipV="1">
             <a:off x="5634027" y="1564233"/>
-            <a:ext cx="374758" cy="947414"/>
+            <a:ext cx="302750" cy="947414"/>
           </a:xfrm>
           <a:prstGeom prst="straightConnector1">
             <a:avLst/>
@@ -4656,6 +4691,13 @@
             </a:avLst>
           </a:prstGeom>
           <a:noFill/>
+          <a:ln>
+            <a:solidFill>
+              <a:schemeClr val="accent6">
+                <a:lumMod val="50000"/>
+              </a:schemeClr>
+            </a:solidFill>
+          </a:ln>
         </p:spPr>
         <p:style>
           <a:lnRef idx="2">
@@ -4706,6 +4748,13 @@
             </a:avLst>
           </a:prstGeom>
           <a:noFill/>
+          <a:ln>
+            <a:solidFill>
+              <a:schemeClr val="accent3">
+                <a:lumMod val="50000"/>
+              </a:schemeClr>
+            </a:solidFill>
+          </a:ln>
         </p:spPr>
         <p:style>
           <a:lnRef idx="2">
@@ -4808,8 +4857,8 @@
         </p:nvCxnSpPr>
         <p:spPr>
           <a:xfrm flipH="1" flipV="1">
-            <a:off x="6008785" y="1564233"/>
-            <a:ext cx="1023068" cy="947414"/>
+            <a:off x="5936777" y="1564233"/>
+            <a:ext cx="1095076" cy="947414"/>
           </a:xfrm>
           <a:prstGeom prst="straightConnector1">
             <a:avLst/>
@@ -5515,7 +5564,7 @@
         </p:nvCxnSpPr>
         <p:spPr>
           <a:xfrm>
-            <a:off x="107504" y="1464995"/>
+            <a:off x="107504" y="1486113"/>
             <a:ext cx="367044" cy="1"/>
           </a:xfrm>
           <a:prstGeom prst="straightConnector1">
@@ -5559,7 +5608,7 @@
         </p:nvSpPr>
         <p:spPr>
           <a:xfrm>
-            <a:off x="474548" y="1326496"/>
+            <a:off x="474548" y="1347614"/>
             <a:ext cx="1512036" cy="276999"/>
           </a:xfrm>
           <a:prstGeom prst="rect">
@@ -5578,6 +5627,186 @@
               <a:t>Mount</a:t>
             </a:r>
             <a:endParaRPr lang="ko-KR" altLang="en-US" sz="1200" b="1"/>
+          </a:p>
+        </p:txBody>
+      </p:sp>
+      <p:sp>
+        <p:nvSpPr>
+          <p:cNvPr id="47" name="TextBox 46">
+            <a:extLst>
+              <a:ext uri="{FF2B5EF4-FFF2-40B4-BE49-F238E27FC236}">
+                <a16:creationId xmlns:a16="http://schemas.microsoft.com/office/drawing/2014/main" id="{02EAC406-6C28-4494-BD84-131E579CA770}"/>
+              </a:ext>
+            </a:extLst>
+          </p:cNvPr>
+          <p:cNvSpPr txBox="1"/>
+          <p:nvPr/>
+        </p:nvSpPr>
+        <p:spPr>
+          <a:xfrm>
+            <a:off x="7897513" y="881751"/>
+            <a:ext cx="1066975" cy="276999"/>
+          </a:xfrm>
+          <a:prstGeom prst="rect">
+            <a:avLst/>
+          </a:prstGeom>
+          <a:noFill/>
+        </p:spPr>
+        <p:txBody>
+          <a:bodyPr wrap="square" rtlCol="0" anchor="ctr">
+            <a:spAutoFit/>
+          </a:bodyPr>
+          <a:lstStyle/>
+          <a:p>
+            <a:r>
+              <a:rPr lang="en-US" altLang="ko-KR" sz="1200" b="1"/>
+              <a:t>K8s Project</a:t>
+            </a:r>
+            <a:endParaRPr lang="ko-KR" altLang="en-US" sz="1200" b="1"/>
+          </a:p>
+        </p:txBody>
+      </p:sp>
+      <p:sp>
+        <p:nvSpPr>
+          <p:cNvPr id="52" name="모서리가 둥근 직사각형 47">
+            <a:extLst>
+              <a:ext uri="{FF2B5EF4-FFF2-40B4-BE49-F238E27FC236}">
+                <a16:creationId xmlns:a16="http://schemas.microsoft.com/office/drawing/2014/main" id="{C56275C2-EFC3-4F59-91C2-84EACEB49538}"/>
+              </a:ext>
+            </a:extLst>
+          </p:cNvPr>
+          <p:cNvSpPr/>
+          <p:nvPr/>
+        </p:nvSpPr>
+        <p:spPr>
+          <a:xfrm>
+            <a:off x="7380902" y="889238"/>
+            <a:ext cx="516611" cy="270400"/>
+          </a:xfrm>
+          <a:prstGeom prst="roundRect">
+            <a:avLst>
+              <a:gd name="adj" fmla="val 4508"/>
+            </a:avLst>
+          </a:prstGeom>
+          <a:noFill/>
+          <a:ln>
+            <a:solidFill>
+              <a:schemeClr val="accent3">
+                <a:lumMod val="50000"/>
+              </a:schemeClr>
+            </a:solidFill>
+          </a:ln>
+        </p:spPr>
+        <p:style>
+          <a:lnRef idx="2">
+            <a:schemeClr val="dk1"/>
+          </a:lnRef>
+          <a:fillRef idx="1">
+            <a:schemeClr val="lt1"/>
+          </a:fillRef>
+          <a:effectRef idx="0">
+            <a:schemeClr val="dk1"/>
+          </a:effectRef>
+          <a:fontRef idx="minor">
+            <a:schemeClr val="dk1"/>
+          </a:fontRef>
+        </p:style>
+        <p:txBody>
+          <a:bodyPr rtlCol="0" anchor="ctr"/>
+          <a:lstStyle/>
+          <a:p>
+            <a:pPr algn="ctr"/>
+            <a:endParaRPr lang="en-US" altLang="ko-KR" sz="1200" b="1"/>
+          </a:p>
+        </p:txBody>
+      </p:sp>
+      <p:sp>
+        <p:nvSpPr>
+          <p:cNvPr id="54" name="TextBox 53">
+            <a:extLst>
+              <a:ext uri="{FF2B5EF4-FFF2-40B4-BE49-F238E27FC236}">
+                <a16:creationId xmlns:a16="http://schemas.microsoft.com/office/drawing/2014/main" id="{3A342B56-2D0C-422B-B8C6-C37E672F7684}"/>
+              </a:ext>
+            </a:extLst>
+          </p:cNvPr>
+          <p:cNvSpPr txBox="1"/>
+          <p:nvPr/>
+        </p:nvSpPr>
+        <p:spPr>
+          <a:xfrm>
+            <a:off x="7897513" y="1173981"/>
+            <a:ext cx="1066975" cy="461665"/>
+          </a:xfrm>
+          <a:prstGeom prst="rect">
+            <a:avLst/>
+          </a:prstGeom>
+          <a:noFill/>
+        </p:spPr>
+        <p:txBody>
+          <a:bodyPr wrap="square" rtlCol="0" anchor="ctr">
+            <a:spAutoFit/>
+          </a:bodyPr>
+          <a:lstStyle/>
+          <a:p>
+            <a:r>
+              <a:rPr lang="en-US" altLang="ko-KR" sz="1200" b="1"/>
+              <a:t>OpenStack Project</a:t>
+            </a:r>
+            <a:endParaRPr lang="ko-KR" altLang="en-US" sz="1200" b="1"/>
+          </a:p>
+        </p:txBody>
+      </p:sp>
+      <p:sp>
+        <p:nvSpPr>
+          <p:cNvPr id="55" name="모서리가 둥근 직사각형 47">
+            <a:extLst>
+              <a:ext uri="{FF2B5EF4-FFF2-40B4-BE49-F238E27FC236}">
+                <a16:creationId xmlns:a16="http://schemas.microsoft.com/office/drawing/2014/main" id="{33D960B2-CE8B-43EF-B1F1-8D1F2EA0116E}"/>
+              </a:ext>
+            </a:extLst>
+          </p:cNvPr>
+          <p:cNvSpPr/>
+          <p:nvPr/>
+        </p:nvSpPr>
+        <p:spPr>
+          <a:xfrm>
+            <a:off x="7380902" y="1273801"/>
+            <a:ext cx="516611" cy="270400"/>
+          </a:xfrm>
+          <a:prstGeom prst="roundRect">
+            <a:avLst>
+              <a:gd name="adj" fmla="val 4508"/>
+            </a:avLst>
+          </a:prstGeom>
+          <a:noFill/>
+          <a:ln>
+            <a:solidFill>
+              <a:schemeClr val="accent6">
+                <a:lumMod val="50000"/>
+              </a:schemeClr>
+            </a:solidFill>
+          </a:ln>
+        </p:spPr>
+        <p:style>
+          <a:lnRef idx="2">
+            <a:schemeClr val="dk1"/>
+          </a:lnRef>
+          <a:fillRef idx="1">
+            <a:schemeClr val="lt1"/>
+          </a:fillRef>
+          <a:effectRef idx="0">
+            <a:schemeClr val="dk1"/>
+          </a:effectRef>
+          <a:fontRef idx="minor">
+            <a:schemeClr val="dk1"/>
+          </a:fontRef>
+        </p:style>
+        <p:txBody>
+          <a:bodyPr rtlCol="0" anchor="ctr"/>
+          <a:lstStyle/>
+          <a:p>
+            <a:pPr algn="ctr"/>
+            <a:endParaRPr lang="en-US" altLang="ko-KR" sz="1200" b="1"/>
           </a:p>
         </p:txBody>
       </p:sp>

--- a/images/theory_analysis/Kubernetes_OpenStack_Cinder_CSI_Plugin/Kubernetes_OpenStack_Cinder_CSI_Plugin.pptx
+++ b/images/theory_analysis/Kubernetes_OpenStack_Cinder_CSI_Plugin/Kubernetes_OpenStack_Cinder_CSI_Plugin.pptx
@@ -4950,7 +4950,7 @@
         </p:nvCxnSpPr>
         <p:spPr>
           <a:xfrm>
-            <a:off x="107504" y="942286"/>
+            <a:off x="244648" y="942286"/>
             <a:ext cx="367044" cy="1"/>
           </a:xfrm>
           <a:prstGeom prst="straightConnector1">
@@ -4993,7 +4993,7 @@
         </p:nvSpPr>
         <p:spPr>
           <a:xfrm>
-            <a:off x="474548" y="803787"/>
+            <a:off x="611692" y="803787"/>
             <a:ext cx="1512036" cy="276999"/>
           </a:xfrm>
           <a:prstGeom prst="rect">
@@ -5032,7 +5032,7 @@
         </p:nvCxnSpPr>
         <p:spPr>
           <a:xfrm>
-            <a:off x="107504" y="1215900"/>
+            <a:off x="244648" y="1215900"/>
             <a:ext cx="367044" cy="1"/>
           </a:xfrm>
           <a:prstGeom prst="straightConnector1">
@@ -5075,7 +5075,7 @@
         </p:nvSpPr>
         <p:spPr>
           <a:xfrm>
-            <a:off x="474548" y="1077401"/>
+            <a:off x="611692" y="1077401"/>
             <a:ext cx="1512036" cy="276999"/>
           </a:xfrm>
           <a:prstGeom prst="rect">
@@ -5564,7 +5564,7 @@
         </p:nvCxnSpPr>
         <p:spPr>
           <a:xfrm>
-            <a:off x="107504" y="1486113"/>
+            <a:off x="244648" y="1486113"/>
             <a:ext cx="367044" cy="1"/>
           </a:xfrm>
           <a:prstGeom prst="straightConnector1">
@@ -5608,7 +5608,7 @@
         </p:nvSpPr>
         <p:spPr>
           <a:xfrm>
-            <a:off x="474548" y="1347614"/>
+            <a:off x="611692" y="1347614"/>
             <a:ext cx="1512036" cy="276999"/>
           </a:xfrm>
           <a:prstGeom prst="rect">
@@ -5644,8 +5644,8 @@
         </p:nvSpPr>
         <p:spPr>
           <a:xfrm>
-            <a:off x="7897513" y="881751"/>
-            <a:ext cx="1066975" cy="276999"/>
+            <a:off x="7752907" y="889445"/>
+            <a:ext cx="1246487" cy="261610"/>
           </a:xfrm>
           <a:prstGeom prst="rect">
             <a:avLst/>
@@ -5659,10 +5659,10 @@
           <a:lstStyle/>
           <a:p>
             <a:r>
-              <a:rPr lang="en-US" altLang="ko-KR" sz="1200" b="1"/>
-              <a:t>K8s Project</a:t>
-            </a:r>
-            <a:endParaRPr lang="ko-KR" altLang="en-US" sz="1200" b="1"/>
+              <a:rPr lang="en-US" altLang="ko-KR" sz="1100" b="1"/>
+              <a:t>K8s CSI Project</a:t>
+            </a:r>
+            <a:endParaRPr lang="ko-KR" altLang="en-US" sz="1100" b="1"/>
           </a:p>
         </p:txBody>
       </p:sp>
@@ -5680,7 +5680,7 @@
         </p:nvSpPr>
         <p:spPr>
           <a:xfrm>
-            <a:off x="7380902" y="889238"/>
+            <a:off x="7236296" y="889238"/>
             <a:ext cx="516611" cy="270400"/>
           </a:xfrm>
           <a:prstGeom prst="roundRect">
@@ -5734,8 +5734,8 @@
         </p:nvSpPr>
         <p:spPr>
           <a:xfrm>
-            <a:off x="7897513" y="1173981"/>
-            <a:ext cx="1066975" cy="461665"/>
+            <a:off x="7752907" y="1189370"/>
+            <a:ext cx="1368367" cy="430887"/>
           </a:xfrm>
           <a:prstGeom prst="rect">
             <a:avLst/>
@@ -5749,10 +5749,16 @@
           <a:lstStyle/>
           <a:p>
             <a:r>
-              <a:rPr lang="en-US" altLang="ko-KR" sz="1200" b="1"/>
-              <a:t>OpenStack Project</a:t>
-            </a:r>
-            <a:endParaRPr lang="ko-KR" altLang="en-US" sz="1200" b="1"/>
+              <a:rPr lang="en-US" altLang="ko-KR" sz="1100" b="1"/>
+              <a:t>OpenStack</a:t>
+            </a:r>
+          </a:p>
+          <a:p>
+            <a:r>
+              <a:rPr lang="en-US" altLang="ko-KR" sz="1100" b="1"/>
+              <a:t>Provider Project</a:t>
+            </a:r>
+            <a:endParaRPr lang="ko-KR" altLang="en-US" sz="1100" b="1"/>
           </a:p>
         </p:txBody>
       </p:sp>
@@ -5770,7 +5776,7 @@
         </p:nvSpPr>
         <p:spPr>
           <a:xfrm>
-            <a:off x="7380902" y="1273801"/>
+            <a:off x="7236296" y="1273801"/>
             <a:ext cx="516611" cy="270400"/>
           </a:xfrm>
           <a:prstGeom prst="roundRect">

--- a/images/theory_analysis/Kubernetes_OpenStack_Cinder_CSI_Plugin/Kubernetes_OpenStack_Cinder_CSI_Plugin.pptx
+++ b/images/theory_analysis/Kubernetes_OpenStack_Cinder_CSI_Plugin/Kubernetes_OpenStack_Cinder_CSI_Plugin.pptx
@@ -5,10 +5,12 @@
     <p:sldMasterId id="2147483648" r:id="rId1"/>
   </p:sldMasterIdLst>
   <p:notesMasterIdLst>
-    <p:notesMasterId r:id="rId3"/>
+    <p:notesMasterId r:id="rId5"/>
   </p:notesMasterIdLst>
   <p:sldIdLst>
     <p:sldId id="398" r:id="rId2"/>
+    <p:sldId id="400" r:id="rId3"/>
+    <p:sldId id="399" r:id="rId4"/>
   </p:sldIdLst>
   <p:sldSz cx="9144000" cy="5143500" type="screen16x9"/>
   <p:notesSz cx="6858000" cy="9144000"/>
@@ -213,7 +215,7 @@
           <a:p>
             <a:fld id="{6CD5550B-26C4-49A9-A5BA-636EF7BE6CE9}" type="datetimeFigureOut">
               <a:rPr lang="ko-KR" altLang="en-US" smtClean="0"/>
-              <a:t>2019-10-27</a:t>
+              <a:t>2019-10-28</a:t>
             </a:fld>
             <a:endParaRPr lang="ko-KR" altLang="en-US"/>
           </a:p>
@@ -659,7 +661,7 @@
           <a:p>
             <a:fld id="{FB30EDBD-1C2D-4C1E-B459-B60219FAB484}" type="datetimeFigureOut">
               <a:rPr lang="ko-KR" altLang="en-US" smtClean="0"/>
-              <a:t>2019-10-27</a:t>
+              <a:t>2019-10-28</a:t>
             </a:fld>
             <a:endParaRPr lang="ko-KR" altLang="en-US"/>
           </a:p>
@@ -822,7 +824,7 @@
           <a:p>
             <a:fld id="{FB30EDBD-1C2D-4C1E-B459-B60219FAB484}" type="datetimeFigureOut">
               <a:rPr lang="ko-KR" altLang="en-US" smtClean="0"/>
-              <a:t>2019-10-27</a:t>
+              <a:t>2019-10-28</a:t>
             </a:fld>
             <a:endParaRPr lang="ko-KR" altLang="en-US"/>
           </a:p>
@@ -995,7 +997,7 @@
           <a:p>
             <a:fld id="{FB30EDBD-1C2D-4C1E-B459-B60219FAB484}" type="datetimeFigureOut">
               <a:rPr lang="ko-KR" altLang="en-US" smtClean="0"/>
-              <a:t>2019-10-27</a:t>
+              <a:t>2019-10-28</a:t>
             </a:fld>
             <a:endParaRPr lang="ko-KR" altLang="en-US"/>
           </a:p>
@@ -1158,7 +1160,7 @@
           <a:p>
             <a:fld id="{FB30EDBD-1C2D-4C1E-B459-B60219FAB484}" type="datetimeFigureOut">
               <a:rPr lang="ko-KR" altLang="en-US" smtClean="0"/>
-              <a:t>2019-10-27</a:t>
+              <a:t>2019-10-28</a:t>
             </a:fld>
             <a:endParaRPr lang="ko-KR" altLang="en-US"/>
           </a:p>
@@ -1398,7 +1400,7 @@
           <a:p>
             <a:fld id="{FB30EDBD-1C2D-4C1E-B459-B60219FAB484}" type="datetimeFigureOut">
               <a:rPr lang="ko-KR" altLang="en-US" smtClean="0"/>
-              <a:t>2019-10-27</a:t>
+              <a:t>2019-10-28</a:t>
             </a:fld>
             <a:endParaRPr lang="ko-KR" altLang="en-US"/>
           </a:p>
@@ -1678,7 +1680,7 @@
           <a:p>
             <a:fld id="{FB30EDBD-1C2D-4C1E-B459-B60219FAB484}" type="datetimeFigureOut">
               <a:rPr lang="ko-KR" altLang="en-US" smtClean="0"/>
-              <a:t>2019-10-27</a:t>
+              <a:t>2019-10-28</a:t>
             </a:fld>
             <a:endParaRPr lang="ko-KR" altLang="en-US"/>
           </a:p>
@@ -2092,7 +2094,7 @@
           <a:p>
             <a:fld id="{FB30EDBD-1C2D-4C1E-B459-B60219FAB484}" type="datetimeFigureOut">
               <a:rPr lang="ko-KR" altLang="en-US" smtClean="0"/>
-              <a:t>2019-10-27</a:t>
+              <a:t>2019-10-28</a:t>
             </a:fld>
             <a:endParaRPr lang="ko-KR" altLang="en-US"/>
           </a:p>
@@ -2204,7 +2206,7 @@
           <a:p>
             <a:fld id="{FB30EDBD-1C2D-4C1E-B459-B60219FAB484}" type="datetimeFigureOut">
               <a:rPr lang="ko-KR" altLang="en-US" smtClean="0"/>
-              <a:t>2019-10-27</a:t>
+              <a:t>2019-10-28</a:t>
             </a:fld>
             <a:endParaRPr lang="ko-KR" altLang="en-US"/>
           </a:p>
@@ -2294,7 +2296,7 @@
           <a:p>
             <a:fld id="{FB30EDBD-1C2D-4C1E-B459-B60219FAB484}" type="datetimeFigureOut">
               <a:rPr lang="ko-KR" altLang="en-US" smtClean="0"/>
-              <a:t>2019-10-27</a:t>
+              <a:t>2019-10-28</a:t>
             </a:fld>
             <a:endParaRPr lang="ko-KR" altLang="en-US"/>
           </a:p>
@@ -2564,7 +2566,7 @@
           <a:p>
             <a:fld id="{FB30EDBD-1C2D-4C1E-B459-B60219FAB484}" type="datetimeFigureOut">
               <a:rPr lang="ko-KR" altLang="en-US" smtClean="0"/>
-              <a:t>2019-10-27</a:t>
+              <a:t>2019-10-28</a:t>
             </a:fld>
             <a:endParaRPr lang="ko-KR" altLang="en-US"/>
           </a:p>
@@ -2811,7 +2813,7 @@
           <a:p>
             <a:fld id="{FB30EDBD-1C2D-4C1E-B459-B60219FAB484}" type="datetimeFigureOut">
               <a:rPr lang="ko-KR" altLang="en-US" smtClean="0"/>
-              <a:t>2019-10-27</a:t>
+              <a:t>2019-10-28</a:t>
             </a:fld>
             <a:endParaRPr lang="ko-KR" altLang="en-US"/>
           </a:p>
@@ -3017,7 +3019,7 @@
           <a:p>
             <a:fld id="{FB30EDBD-1C2D-4C1E-B459-B60219FAB484}" type="datetimeFigureOut">
               <a:rPr lang="ko-KR" altLang="en-US" smtClean="0"/>
-              <a:t>2019-10-27</a:t>
+              <a:t>2019-10-28</a:t>
             </a:fld>
             <a:endParaRPr lang="ko-KR" altLang="en-US"/>
           </a:p>
@@ -3405,7 +3407,7 @@
         </p:nvSpPr>
         <p:spPr>
           <a:xfrm>
-            <a:off x="457200" y="-164554"/>
+            <a:off x="457200" y="-380578"/>
             <a:ext cx="8229600" cy="857250"/>
           </a:xfrm>
         </p:spPr>
@@ -3421,12 +3423,142 @@
           </a:p>
         </p:txBody>
       </p:sp>
-      <p:sp>
-        <p:nvSpPr>
-          <p:cNvPr id="3" name="모서리가 둥근 직사각형 47">
+      <p:grpSp>
+        <p:nvGrpSpPr>
+          <p:cNvPr id="110" name="그룹 109">
             <a:extLst>
               <a:ext uri="{FF2B5EF4-FFF2-40B4-BE49-F238E27FC236}">
-                <a16:creationId xmlns:a16="http://schemas.microsoft.com/office/drawing/2014/main" id="{3671A6F6-BFFD-4BD5-921D-F8B3B95F3D7B}"/>
+                <a16:creationId xmlns:a16="http://schemas.microsoft.com/office/drawing/2014/main" id="{26EDD6F9-984F-4B0D-BDAD-D4A2D7316C8C}"/>
+              </a:ext>
+            </a:extLst>
+          </p:cNvPr>
+          <p:cNvGrpSpPr/>
+          <p:nvPr/>
+        </p:nvGrpSpPr>
+        <p:grpSpPr>
+          <a:xfrm>
+            <a:off x="2339752" y="935271"/>
+            <a:ext cx="1289776" cy="804916"/>
+            <a:chOff x="2274112" y="759317"/>
+            <a:chExt cx="1289776" cy="804916"/>
+          </a:xfrm>
+        </p:grpSpPr>
+        <p:sp>
+          <p:nvSpPr>
+            <p:cNvPr id="3" name="모서리가 둥근 직사각형 47">
+              <a:extLst>
+                <a:ext uri="{FF2B5EF4-FFF2-40B4-BE49-F238E27FC236}">
+                  <a16:creationId xmlns:a16="http://schemas.microsoft.com/office/drawing/2014/main" id="{3671A6F6-BFFD-4BD5-921D-F8B3B95F3D7B}"/>
+                </a:ext>
+              </a:extLst>
+            </p:cNvPr>
+            <p:cNvSpPr/>
+            <p:nvPr/>
+          </p:nvSpPr>
+          <p:spPr>
+            <a:xfrm>
+              <a:off x="2274112" y="759317"/>
+              <a:ext cx="1289776" cy="804916"/>
+            </a:xfrm>
+            <a:prstGeom prst="roundRect">
+              <a:avLst>
+                <a:gd name="adj" fmla="val 7625"/>
+              </a:avLst>
+            </a:prstGeom>
+            <a:noFill/>
+          </p:spPr>
+          <p:style>
+            <a:lnRef idx="2">
+              <a:schemeClr val="dk1"/>
+            </a:lnRef>
+            <a:fillRef idx="1">
+              <a:schemeClr val="lt1"/>
+            </a:fillRef>
+            <a:effectRef idx="0">
+              <a:schemeClr val="dk1"/>
+            </a:effectRef>
+            <a:fontRef idx="minor">
+              <a:schemeClr val="dk1"/>
+            </a:fontRef>
+          </p:style>
+          <p:txBody>
+            <a:bodyPr rtlCol="0" anchor="t"/>
+            <a:lstStyle/>
+            <a:p>
+              <a:pPr algn="ctr"/>
+              <a:r>
+                <a:rPr lang="en-US" altLang="ko-KR" sz="1200"/>
+                <a:t>K8s Master VM</a:t>
+              </a:r>
+              <a:endParaRPr lang="en-US" altLang="ko-KR" sz="1200" dirty="0"/>
+            </a:p>
+          </p:txBody>
+        </p:sp>
+        <p:sp>
+          <p:nvSpPr>
+            <p:cNvPr id="5" name="모서리가 둥근 직사각형 18">
+              <a:extLst>
+                <a:ext uri="{FF2B5EF4-FFF2-40B4-BE49-F238E27FC236}">
+                  <a16:creationId xmlns:a16="http://schemas.microsoft.com/office/drawing/2014/main" id="{490598AE-8A34-4781-B7CD-7B5EAA09C307}"/>
+                </a:ext>
+              </a:extLst>
+            </p:cNvPr>
+            <p:cNvSpPr/>
+            <p:nvPr/>
+          </p:nvSpPr>
+          <p:spPr>
+            <a:xfrm>
+              <a:off x="2372208" y="1094045"/>
+              <a:ext cx="1093581" cy="361808"/>
+            </a:xfrm>
+            <a:prstGeom prst="roundRect">
+              <a:avLst>
+                <a:gd name="adj" fmla="val 11578"/>
+              </a:avLst>
+            </a:prstGeom>
+            <a:noFill/>
+          </p:spPr>
+          <p:style>
+            <a:lnRef idx="2">
+              <a:schemeClr val="dk1"/>
+            </a:lnRef>
+            <a:fillRef idx="1">
+              <a:schemeClr val="lt1"/>
+            </a:fillRef>
+            <a:effectRef idx="0">
+              <a:schemeClr val="dk1"/>
+            </a:effectRef>
+            <a:fontRef idx="minor">
+              <a:schemeClr val="dk1"/>
+            </a:fontRef>
+          </p:style>
+          <p:txBody>
+            <a:bodyPr rtlCol="0" anchor="ctr"/>
+            <a:lstStyle/>
+            <a:p>
+              <a:pPr algn="ctr"/>
+              <a:r>
+                <a:rPr lang="en-US" altLang="ko-KR" sz="1100"/>
+                <a:t>K8s API</a:t>
+              </a:r>
+            </a:p>
+            <a:p>
+              <a:pPr algn="ctr"/>
+              <a:r>
+                <a:rPr lang="en-US" altLang="ko-KR" sz="1100"/>
+                <a:t>Server</a:t>
+              </a:r>
+              <a:endParaRPr lang="en-US" altLang="ko-KR" sz="1100" dirty="0"/>
+            </a:p>
+          </p:txBody>
+        </p:sp>
+      </p:grpSp>
+      <p:sp>
+        <p:nvSpPr>
+          <p:cNvPr id="6" name="모서리가 둥근 직사각형 47">
+            <a:extLst>
+              <a:ext uri="{FF2B5EF4-FFF2-40B4-BE49-F238E27FC236}">
+                <a16:creationId xmlns:a16="http://schemas.microsoft.com/office/drawing/2014/main" id="{D32E7FC6-95F8-4160-81B2-9617D4B9D0A3}"/>
               </a:ext>
             </a:extLst>
           </p:cNvPr>
@@ -3435,12 +3567,12 @@
         </p:nvSpPr>
         <p:spPr>
           <a:xfrm>
-            <a:off x="2274112" y="759317"/>
-            <a:ext cx="1289776" cy="804916"/>
+            <a:off x="85725" y="1903672"/>
+            <a:ext cx="8937626" cy="1978008"/>
           </a:xfrm>
           <a:prstGeom prst="roundRect">
             <a:avLst>
-              <a:gd name="adj" fmla="val 7625"/>
+              <a:gd name="adj" fmla="val 4508"/>
             </a:avLst>
           </a:prstGeom>
           <a:noFill/>
@@ -3460,628 +3592,199 @@
           </a:fontRef>
         </p:style>
         <p:txBody>
-          <a:bodyPr rtlCol="0" anchor="t"/>
+          <a:bodyPr rtlCol="0" anchor="b"/>
           <a:lstStyle/>
           <a:p>
             <a:pPr algn="ctr"/>
             <a:r>
               <a:rPr lang="en-US" altLang="ko-KR" sz="1200"/>
-              <a:t>K8s Master VM</a:t>
+              <a:t>K8s Worker VM</a:t>
             </a:r>
             <a:endParaRPr lang="en-US" altLang="ko-KR" sz="1200" dirty="0"/>
           </a:p>
         </p:txBody>
       </p:sp>
-      <p:sp>
-        <p:nvSpPr>
-          <p:cNvPr id="5" name="모서리가 둥근 직사각형 18">
+      <p:grpSp>
+        <p:nvGrpSpPr>
+          <p:cNvPr id="111" name="그룹 110">
             <a:extLst>
               <a:ext uri="{FF2B5EF4-FFF2-40B4-BE49-F238E27FC236}">
-                <a16:creationId xmlns:a16="http://schemas.microsoft.com/office/drawing/2014/main" id="{490598AE-8A34-4781-B7CD-7B5EAA09C307}"/>
+                <a16:creationId xmlns:a16="http://schemas.microsoft.com/office/drawing/2014/main" id="{D1356C83-C847-4112-B470-BAAF08EA4F8F}"/>
               </a:ext>
             </a:extLst>
           </p:cNvPr>
-          <p:cNvSpPr/>
+          <p:cNvGrpSpPr/>
           <p:nvPr/>
-        </p:nvSpPr>
-        <p:spPr>
+        </p:nvGrpSpPr>
+        <p:grpSpPr>
           <a:xfrm>
-            <a:off x="2372208" y="1094045"/>
-            <a:ext cx="1093581" cy="361808"/>
-          </a:xfrm>
-          <a:prstGeom prst="roundRect">
-            <a:avLst>
-              <a:gd name="adj" fmla="val 11578"/>
-            </a:avLst>
-          </a:prstGeom>
-          <a:noFill/>
-        </p:spPr>
-        <p:style>
-          <a:lnRef idx="2">
-            <a:schemeClr val="dk1"/>
-          </a:lnRef>
-          <a:fillRef idx="1">
-            <a:schemeClr val="lt1"/>
-          </a:fillRef>
-          <a:effectRef idx="0">
-            <a:schemeClr val="dk1"/>
-          </a:effectRef>
-          <a:fontRef idx="minor">
-            <a:schemeClr val="dk1"/>
-          </a:fontRef>
-        </p:style>
-        <p:txBody>
-          <a:bodyPr rtlCol="0" anchor="ctr"/>
-          <a:lstStyle/>
-          <a:p>
-            <a:pPr algn="ctr"/>
-            <a:r>
-              <a:rPr lang="en-US" altLang="ko-KR" sz="1100"/>
-              <a:t>K8s API</a:t>
-            </a:r>
-          </a:p>
-          <a:p>
-            <a:pPr algn="ctr"/>
-            <a:r>
-              <a:rPr lang="en-US" altLang="ko-KR" sz="1100"/>
-              <a:t>Server</a:t>
-            </a:r>
-            <a:endParaRPr lang="en-US" altLang="ko-KR" sz="1100" dirty="0"/>
-          </a:p>
-        </p:txBody>
-      </p:sp>
-      <p:sp>
-        <p:nvSpPr>
-          <p:cNvPr id="6" name="모서리가 둥근 직사각형 47">
-            <a:extLst>
-              <a:ext uri="{FF2B5EF4-FFF2-40B4-BE49-F238E27FC236}">
-                <a16:creationId xmlns:a16="http://schemas.microsoft.com/office/drawing/2014/main" id="{D32E7FC6-95F8-4160-81B2-9617D4B9D0A3}"/>
-              </a:ext>
-            </a:extLst>
-          </p:cNvPr>
-          <p:cNvSpPr/>
-          <p:nvPr/>
-        </p:nvSpPr>
-        <p:spPr>
-          <a:xfrm>
-            <a:off x="85725" y="1727718"/>
-            <a:ext cx="8937626" cy="2572224"/>
-          </a:xfrm>
-          <a:prstGeom prst="roundRect">
-            <a:avLst>
-              <a:gd name="adj" fmla="val 4508"/>
-            </a:avLst>
-          </a:prstGeom>
-          <a:noFill/>
-        </p:spPr>
-        <p:style>
-          <a:lnRef idx="2">
-            <a:schemeClr val="dk1"/>
-          </a:lnRef>
-          <a:fillRef idx="1">
-            <a:schemeClr val="lt1"/>
-          </a:fillRef>
-          <a:effectRef idx="0">
-            <a:schemeClr val="dk1"/>
-          </a:effectRef>
-          <a:fontRef idx="minor">
-            <a:schemeClr val="dk1"/>
-          </a:fontRef>
-        </p:style>
-        <p:txBody>
-          <a:bodyPr rtlCol="0" anchor="b"/>
-          <a:lstStyle/>
-          <a:p>
-            <a:pPr algn="ctr"/>
-            <a:r>
-              <a:rPr lang="en-US" altLang="ko-KR" sz="1200"/>
-              <a:t>K8s Worker VM</a:t>
-            </a:r>
-            <a:endParaRPr lang="en-US" altLang="ko-KR" sz="1200" dirty="0"/>
-          </a:p>
-        </p:txBody>
-      </p:sp>
-      <p:sp>
-        <p:nvSpPr>
-          <p:cNvPr id="7" name="모서리가 둥근 직사각형 47">
-            <a:extLst>
-              <a:ext uri="{FF2B5EF4-FFF2-40B4-BE49-F238E27FC236}">
-                <a16:creationId xmlns:a16="http://schemas.microsoft.com/office/drawing/2014/main" id="{0CCCFC66-58A3-4B49-8DEC-335D8F1DD19F}"/>
-              </a:ext>
-            </a:extLst>
-          </p:cNvPr>
-          <p:cNvSpPr/>
-          <p:nvPr/>
-        </p:nvSpPr>
-        <p:spPr>
-          <a:xfrm>
-            <a:off x="191619" y="2395583"/>
-            <a:ext cx="6100228" cy="1166737"/>
-          </a:xfrm>
-          <a:prstGeom prst="roundRect">
-            <a:avLst>
-              <a:gd name="adj" fmla="val 4508"/>
-            </a:avLst>
-          </a:prstGeom>
-          <a:noFill/>
-        </p:spPr>
-        <p:style>
-          <a:lnRef idx="2">
-            <a:schemeClr val="dk1"/>
-          </a:lnRef>
-          <a:fillRef idx="1">
-            <a:schemeClr val="lt1"/>
-          </a:fillRef>
-          <a:effectRef idx="0">
-            <a:schemeClr val="dk1"/>
-          </a:effectRef>
-          <a:fontRef idx="minor">
-            <a:schemeClr val="dk1"/>
-          </a:fontRef>
-        </p:style>
-        <p:txBody>
-          <a:bodyPr rtlCol="0" anchor="b"/>
-          <a:lstStyle/>
-          <a:p>
-            <a:r>
-              <a:rPr lang="en-US" altLang="ko-KR" sz="1200" b="1"/>
-              <a:t>Controller Plugin Pod</a:t>
-            </a:r>
-          </a:p>
-          <a:p>
-            <a:r>
-              <a:rPr lang="en-US" altLang="ko-KR" sz="1200"/>
-              <a:t>(Deployment / Statefulset)</a:t>
-            </a:r>
-            <a:endParaRPr lang="en-US" altLang="ko-KR" sz="1200" dirty="0"/>
-          </a:p>
-        </p:txBody>
-      </p:sp>
-      <p:sp>
-        <p:nvSpPr>
-          <p:cNvPr id="8" name="모서리가 둥근 직사각형 47">
-            <a:extLst>
-              <a:ext uri="{FF2B5EF4-FFF2-40B4-BE49-F238E27FC236}">
-                <a16:creationId xmlns:a16="http://schemas.microsoft.com/office/drawing/2014/main" id="{EE3CEA4D-725C-484C-B395-DACDA7F74C6B}"/>
-              </a:ext>
-            </a:extLst>
-          </p:cNvPr>
-          <p:cNvSpPr/>
-          <p:nvPr/>
-        </p:nvSpPr>
-        <p:spPr>
-          <a:xfrm>
-            <a:off x="307320" y="2511647"/>
-            <a:ext cx="1058207" cy="525336"/>
-          </a:xfrm>
-          <a:prstGeom prst="roundRect">
-            <a:avLst>
-              <a:gd name="adj" fmla="val 4508"/>
-            </a:avLst>
-          </a:prstGeom>
-          <a:noFill/>
-          <a:ln>
-            <a:solidFill>
-              <a:schemeClr val="accent3">
-                <a:lumMod val="50000"/>
-              </a:schemeClr>
-            </a:solidFill>
-          </a:ln>
-        </p:spPr>
-        <p:style>
-          <a:lnRef idx="2">
-            <a:schemeClr val="dk1"/>
-          </a:lnRef>
-          <a:fillRef idx="1">
-            <a:schemeClr val="lt1"/>
-          </a:fillRef>
-          <a:effectRef idx="0">
-            <a:schemeClr val="dk1"/>
-          </a:effectRef>
-          <a:fontRef idx="minor">
-            <a:schemeClr val="dk1"/>
-          </a:fontRef>
-        </p:style>
-        <p:txBody>
-          <a:bodyPr rtlCol="0" anchor="ctr"/>
-          <a:lstStyle/>
-          <a:p>
-            <a:pPr algn="ctr"/>
-            <a:r>
-              <a:rPr lang="en-US" altLang="ko-KR" sz="1200" b="1"/>
-              <a:t>csi-attacher</a:t>
-            </a:r>
-          </a:p>
-        </p:txBody>
-      </p:sp>
-      <p:sp>
-        <p:nvSpPr>
-          <p:cNvPr id="9" name="모서리가 둥근 직사각형 47">
-            <a:extLst>
-              <a:ext uri="{FF2B5EF4-FFF2-40B4-BE49-F238E27FC236}">
-                <a16:creationId xmlns:a16="http://schemas.microsoft.com/office/drawing/2014/main" id="{2909749D-C2F7-4118-A37A-FD65C4126131}"/>
-              </a:ext>
-            </a:extLst>
-          </p:cNvPr>
-          <p:cNvSpPr/>
-          <p:nvPr/>
-        </p:nvSpPr>
-        <p:spPr>
-          <a:xfrm>
-            <a:off x="1502479" y="2511647"/>
-            <a:ext cx="1058207" cy="525336"/>
-          </a:xfrm>
-          <a:prstGeom prst="roundRect">
-            <a:avLst>
-              <a:gd name="adj" fmla="val 4508"/>
-            </a:avLst>
-          </a:prstGeom>
-          <a:noFill/>
-          <a:ln>
-            <a:solidFill>
-              <a:schemeClr val="accent3">
-                <a:lumMod val="50000"/>
-              </a:schemeClr>
-            </a:solidFill>
-          </a:ln>
-        </p:spPr>
-        <p:style>
-          <a:lnRef idx="2">
-            <a:schemeClr val="dk1"/>
-          </a:lnRef>
-          <a:fillRef idx="1">
-            <a:schemeClr val="lt1"/>
-          </a:fillRef>
-          <a:effectRef idx="0">
-            <a:schemeClr val="dk1"/>
-          </a:effectRef>
-          <a:fontRef idx="minor">
-            <a:schemeClr val="dk1"/>
-          </a:fontRef>
-        </p:style>
-        <p:txBody>
-          <a:bodyPr rtlCol="0" anchor="ctr"/>
-          <a:lstStyle/>
-          <a:p>
-            <a:pPr algn="ctr"/>
-            <a:r>
-              <a:rPr lang="en-US" altLang="ko-KR" sz="1200" b="1"/>
-              <a:t>csi-provisioner</a:t>
-            </a:r>
-          </a:p>
-        </p:txBody>
-      </p:sp>
-      <p:sp>
-        <p:nvSpPr>
-          <p:cNvPr id="10" name="모서리가 둥근 직사각형 47">
-            <a:extLst>
-              <a:ext uri="{FF2B5EF4-FFF2-40B4-BE49-F238E27FC236}">
-                <a16:creationId xmlns:a16="http://schemas.microsoft.com/office/drawing/2014/main" id="{7EA8F380-969D-46B6-854D-6296069CBA0A}"/>
-              </a:ext>
-            </a:extLst>
-          </p:cNvPr>
-          <p:cNvSpPr/>
-          <p:nvPr/>
-        </p:nvSpPr>
-        <p:spPr>
-          <a:xfrm>
-            <a:off x="2703294" y="2511647"/>
-            <a:ext cx="1058207" cy="525336"/>
-          </a:xfrm>
-          <a:prstGeom prst="roundRect">
-            <a:avLst>
-              <a:gd name="adj" fmla="val 4508"/>
-            </a:avLst>
-          </a:prstGeom>
-          <a:noFill/>
-          <a:ln>
-            <a:solidFill>
-              <a:schemeClr val="accent3">
-                <a:lumMod val="50000"/>
-              </a:schemeClr>
-            </a:solidFill>
-          </a:ln>
-        </p:spPr>
-        <p:style>
-          <a:lnRef idx="2">
-            <a:schemeClr val="dk1"/>
-          </a:lnRef>
-          <a:fillRef idx="1">
-            <a:schemeClr val="lt1"/>
-          </a:fillRef>
-          <a:effectRef idx="0">
-            <a:schemeClr val="dk1"/>
-          </a:effectRef>
-          <a:fontRef idx="minor">
-            <a:schemeClr val="dk1"/>
-          </a:fontRef>
-        </p:style>
-        <p:txBody>
-          <a:bodyPr rtlCol="0" anchor="ctr"/>
-          <a:lstStyle/>
-          <a:p>
-            <a:pPr algn="ctr"/>
-            <a:r>
-              <a:rPr lang="en-US" altLang="ko-KR" sz="1200" b="1"/>
-              <a:t>csi-snapshotter</a:t>
-            </a:r>
-          </a:p>
-        </p:txBody>
-      </p:sp>
-      <p:sp>
-        <p:nvSpPr>
-          <p:cNvPr id="11" name="모서리가 둥근 직사각형 47">
-            <a:extLst>
-              <a:ext uri="{FF2B5EF4-FFF2-40B4-BE49-F238E27FC236}">
-                <a16:creationId xmlns:a16="http://schemas.microsoft.com/office/drawing/2014/main" id="{485A21D8-CD95-4DE0-8594-B18C82382778}"/>
-              </a:ext>
-            </a:extLst>
-          </p:cNvPr>
-          <p:cNvSpPr/>
-          <p:nvPr/>
-        </p:nvSpPr>
-        <p:spPr>
-          <a:xfrm>
-            <a:off x="3904108" y="2511647"/>
-            <a:ext cx="1058207" cy="525336"/>
-          </a:xfrm>
-          <a:prstGeom prst="roundRect">
-            <a:avLst>
-              <a:gd name="adj" fmla="val 4508"/>
-            </a:avLst>
-          </a:prstGeom>
-          <a:noFill/>
-          <a:ln>
-            <a:solidFill>
-              <a:schemeClr val="accent3">
-                <a:lumMod val="50000"/>
-              </a:schemeClr>
-            </a:solidFill>
-          </a:ln>
-        </p:spPr>
-        <p:style>
-          <a:lnRef idx="2">
-            <a:schemeClr val="dk1"/>
-          </a:lnRef>
-          <a:fillRef idx="1">
-            <a:schemeClr val="lt1"/>
-          </a:fillRef>
-          <a:effectRef idx="0">
-            <a:schemeClr val="dk1"/>
-          </a:effectRef>
-          <a:fontRef idx="minor">
-            <a:schemeClr val="dk1"/>
-          </a:fontRef>
-        </p:style>
-        <p:txBody>
-          <a:bodyPr rtlCol="0" anchor="ctr"/>
-          <a:lstStyle/>
-          <a:p>
-            <a:pPr algn="ctr"/>
-            <a:r>
-              <a:rPr lang="en-US" altLang="ko-KR" sz="1200" b="1"/>
-              <a:t>csi-resizer</a:t>
-            </a:r>
-          </a:p>
-        </p:txBody>
-      </p:sp>
-      <p:sp>
-        <p:nvSpPr>
-          <p:cNvPr id="12" name="모서리가 둥근 직사각형 47">
-            <a:extLst>
-              <a:ext uri="{FF2B5EF4-FFF2-40B4-BE49-F238E27FC236}">
-                <a16:creationId xmlns:a16="http://schemas.microsoft.com/office/drawing/2014/main" id="{4AC08C1A-3615-4CEE-9C8D-7C3AB88D420F}"/>
-              </a:ext>
-            </a:extLst>
-          </p:cNvPr>
-          <p:cNvSpPr/>
-          <p:nvPr/>
-        </p:nvSpPr>
-        <p:spPr>
-          <a:xfrm>
-            <a:off x="5104923" y="2511647"/>
-            <a:ext cx="1058207" cy="525336"/>
-          </a:xfrm>
-          <a:prstGeom prst="roundRect">
-            <a:avLst>
-              <a:gd name="adj" fmla="val 4508"/>
-            </a:avLst>
-          </a:prstGeom>
-          <a:noFill/>
-          <a:ln>
-            <a:solidFill>
-              <a:schemeClr val="accent6">
-                <a:lumMod val="50000"/>
-              </a:schemeClr>
-            </a:solidFill>
-          </a:ln>
-        </p:spPr>
-        <p:style>
-          <a:lnRef idx="2">
-            <a:schemeClr val="dk1"/>
-          </a:lnRef>
-          <a:fillRef idx="1">
-            <a:schemeClr val="lt1"/>
-          </a:fillRef>
-          <a:effectRef idx="0">
-            <a:schemeClr val="dk1"/>
-          </a:effectRef>
-          <a:fontRef idx="minor">
-            <a:schemeClr val="dk1"/>
-          </a:fontRef>
-        </p:style>
-        <p:txBody>
-          <a:bodyPr rtlCol="0" anchor="ctr"/>
-          <a:lstStyle/>
-          <a:p>
-            <a:pPr algn="ctr"/>
-            <a:r>
-              <a:rPr lang="en-US" altLang="ko-KR" sz="1200" b="1"/>
-              <a:t>cinder-csi-plugin</a:t>
-            </a:r>
-          </a:p>
-        </p:txBody>
-      </p:sp>
-      <p:sp>
-        <p:nvSpPr>
-          <p:cNvPr id="13" name="모서리가 둥근 직사각형 47">
-            <a:extLst>
-              <a:ext uri="{FF2B5EF4-FFF2-40B4-BE49-F238E27FC236}">
-                <a16:creationId xmlns:a16="http://schemas.microsoft.com/office/drawing/2014/main" id="{0D9C56C5-C853-40C7-852A-8CD94EC8C0B7}"/>
-              </a:ext>
-            </a:extLst>
-          </p:cNvPr>
-          <p:cNvSpPr/>
-          <p:nvPr/>
-        </p:nvSpPr>
-        <p:spPr>
-          <a:xfrm>
-            <a:off x="4860032" y="759317"/>
+            <a:off x="4716016" y="935271"/>
             <a:ext cx="2153490" cy="804916"/>
-          </a:xfrm>
-          <a:prstGeom prst="roundRect">
-            <a:avLst>
-              <a:gd name="adj" fmla="val 7625"/>
-            </a:avLst>
-          </a:prstGeom>
-          <a:noFill/>
-        </p:spPr>
-        <p:style>
-          <a:lnRef idx="2">
-            <a:schemeClr val="dk1"/>
-          </a:lnRef>
-          <a:fillRef idx="1">
-            <a:schemeClr val="lt1"/>
-          </a:fillRef>
-          <a:effectRef idx="0">
-            <a:schemeClr val="dk1"/>
-          </a:effectRef>
-          <a:fontRef idx="minor">
-            <a:schemeClr val="dk1"/>
-          </a:fontRef>
-        </p:style>
-        <p:txBody>
-          <a:bodyPr rtlCol="0" anchor="t"/>
-          <a:lstStyle/>
-          <a:p>
-            <a:pPr algn="ctr"/>
-            <a:r>
-              <a:rPr lang="en-US" altLang="ko-KR" sz="1200"/>
-              <a:t>OpenStack Controller Node</a:t>
-            </a:r>
-            <a:endParaRPr lang="en-US" altLang="ko-KR" sz="1200" dirty="0"/>
-          </a:p>
-        </p:txBody>
-      </p:sp>
-      <p:sp>
-        <p:nvSpPr>
-          <p:cNvPr id="14" name="모서리가 둥근 직사각형 18">
-            <a:extLst>
-              <a:ext uri="{FF2B5EF4-FFF2-40B4-BE49-F238E27FC236}">
-                <a16:creationId xmlns:a16="http://schemas.microsoft.com/office/drawing/2014/main" id="{18661FEE-5340-4960-B4D3-276A5C1DDC2C}"/>
-              </a:ext>
-            </a:extLst>
-          </p:cNvPr>
-          <p:cNvSpPr/>
-          <p:nvPr/>
-        </p:nvSpPr>
-        <p:spPr>
-          <a:xfrm>
-            <a:off x="4968848" y="1094045"/>
-            <a:ext cx="908074" cy="361808"/>
-          </a:xfrm>
-          <a:prstGeom prst="roundRect">
-            <a:avLst>
-              <a:gd name="adj" fmla="val 11578"/>
-            </a:avLst>
-          </a:prstGeom>
-          <a:noFill/>
-        </p:spPr>
-        <p:style>
-          <a:lnRef idx="2">
-            <a:schemeClr val="dk1"/>
-          </a:lnRef>
-          <a:fillRef idx="1">
-            <a:schemeClr val="lt1"/>
-          </a:fillRef>
-          <a:effectRef idx="0">
-            <a:schemeClr val="dk1"/>
-          </a:effectRef>
-          <a:fontRef idx="minor">
-            <a:schemeClr val="dk1"/>
-          </a:fontRef>
-        </p:style>
-        <p:txBody>
-          <a:bodyPr rtlCol="0" anchor="ctr"/>
-          <a:lstStyle/>
-          <a:p>
-            <a:pPr algn="ctr"/>
-            <a:r>
-              <a:rPr lang="en-US" altLang="ko-KR" sz="1100"/>
-              <a:t>Cinder </a:t>
-            </a:r>
-          </a:p>
-          <a:p>
-            <a:pPr algn="ctr"/>
-            <a:r>
-              <a:rPr lang="en-US" altLang="ko-KR" sz="1100"/>
-              <a:t>API Server</a:t>
-            </a:r>
-            <a:endParaRPr lang="en-US" altLang="ko-KR" sz="1100" dirty="0"/>
-          </a:p>
-        </p:txBody>
-      </p:sp>
-      <p:sp>
-        <p:nvSpPr>
-          <p:cNvPr id="15" name="모서리가 둥근 직사각형 18">
-            <a:extLst>
-              <a:ext uri="{FF2B5EF4-FFF2-40B4-BE49-F238E27FC236}">
-                <a16:creationId xmlns:a16="http://schemas.microsoft.com/office/drawing/2014/main" id="{9D8288CC-25D7-480C-8CA0-B97546AADD8F}"/>
-              </a:ext>
-            </a:extLst>
-          </p:cNvPr>
-          <p:cNvSpPr/>
-          <p:nvPr/>
-        </p:nvSpPr>
-        <p:spPr>
-          <a:xfrm>
-            <a:off x="5995317" y="1094045"/>
-            <a:ext cx="908074" cy="361808"/>
-          </a:xfrm>
-          <a:prstGeom prst="roundRect">
-            <a:avLst>
-              <a:gd name="adj" fmla="val 11578"/>
-            </a:avLst>
-          </a:prstGeom>
-          <a:noFill/>
-        </p:spPr>
-        <p:style>
-          <a:lnRef idx="2">
-            <a:schemeClr val="dk1"/>
-          </a:lnRef>
-          <a:fillRef idx="1">
-            <a:schemeClr val="lt1"/>
-          </a:fillRef>
-          <a:effectRef idx="0">
-            <a:schemeClr val="dk1"/>
-          </a:effectRef>
-          <a:fontRef idx="minor">
-            <a:schemeClr val="dk1"/>
-          </a:fontRef>
-        </p:style>
-        <p:txBody>
-          <a:bodyPr rtlCol="0" anchor="ctr"/>
-          <a:lstStyle/>
-          <a:p>
-            <a:pPr algn="ctr"/>
-            <a:r>
-              <a:rPr lang="en-US" altLang="ko-KR" sz="1100"/>
-              <a:t>Keystone API Server</a:t>
-            </a:r>
-            <a:endParaRPr lang="en-US" altLang="ko-KR" sz="1100" dirty="0"/>
-          </a:p>
-        </p:txBody>
-      </p:sp>
+            <a:chOff x="4866782" y="759317"/>
+            <a:chExt cx="2153490" cy="804916"/>
+          </a:xfrm>
+        </p:grpSpPr>
+        <p:sp>
+          <p:nvSpPr>
+            <p:cNvPr id="13" name="모서리가 둥근 직사각형 47">
+              <a:extLst>
+                <a:ext uri="{FF2B5EF4-FFF2-40B4-BE49-F238E27FC236}">
+                  <a16:creationId xmlns:a16="http://schemas.microsoft.com/office/drawing/2014/main" id="{0D9C56C5-C853-40C7-852A-8CD94EC8C0B7}"/>
+                </a:ext>
+              </a:extLst>
+            </p:cNvPr>
+            <p:cNvSpPr/>
+            <p:nvPr/>
+          </p:nvSpPr>
+          <p:spPr>
+            <a:xfrm>
+              <a:off x="4866782" y="759317"/>
+              <a:ext cx="2153490" cy="804916"/>
+            </a:xfrm>
+            <a:prstGeom prst="roundRect">
+              <a:avLst>
+                <a:gd name="adj" fmla="val 7625"/>
+              </a:avLst>
+            </a:prstGeom>
+            <a:noFill/>
+          </p:spPr>
+          <p:style>
+            <a:lnRef idx="2">
+              <a:schemeClr val="dk1"/>
+            </a:lnRef>
+            <a:fillRef idx="1">
+              <a:schemeClr val="lt1"/>
+            </a:fillRef>
+            <a:effectRef idx="0">
+              <a:schemeClr val="dk1"/>
+            </a:effectRef>
+            <a:fontRef idx="minor">
+              <a:schemeClr val="dk1"/>
+            </a:fontRef>
+          </p:style>
+          <p:txBody>
+            <a:bodyPr rtlCol="0" anchor="t"/>
+            <a:lstStyle/>
+            <a:p>
+              <a:pPr algn="ctr"/>
+              <a:r>
+                <a:rPr lang="en-US" altLang="ko-KR" sz="1200"/>
+                <a:t>OpenStack Controller Node</a:t>
+              </a:r>
+              <a:endParaRPr lang="en-US" altLang="ko-KR" sz="1200" dirty="0"/>
+            </a:p>
+          </p:txBody>
+        </p:sp>
+        <p:sp>
+          <p:nvSpPr>
+            <p:cNvPr id="14" name="모서리가 둥근 직사각형 18">
+              <a:extLst>
+                <a:ext uri="{FF2B5EF4-FFF2-40B4-BE49-F238E27FC236}">
+                  <a16:creationId xmlns:a16="http://schemas.microsoft.com/office/drawing/2014/main" id="{18661FEE-5340-4960-B4D3-276A5C1DDC2C}"/>
+                </a:ext>
+              </a:extLst>
+            </p:cNvPr>
+            <p:cNvSpPr/>
+            <p:nvPr/>
+          </p:nvSpPr>
+          <p:spPr>
+            <a:xfrm>
+              <a:off x="4975598" y="1094045"/>
+              <a:ext cx="908074" cy="361808"/>
+            </a:xfrm>
+            <a:prstGeom prst="roundRect">
+              <a:avLst>
+                <a:gd name="adj" fmla="val 11578"/>
+              </a:avLst>
+            </a:prstGeom>
+            <a:noFill/>
+          </p:spPr>
+          <p:style>
+            <a:lnRef idx="2">
+              <a:schemeClr val="dk1"/>
+            </a:lnRef>
+            <a:fillRef idx="1">
+              <a:schemeClr val="lt1"/>
+            </a:fillRef>
+            <a:effectRef idx="0">
+              <a:schemeClr val="dk1"/>
+            </a:effectRef>
+            <a:fontRef idx="minor">
+              <a:schemeClr val="dk1"/>
+            </a:fontRef>
+          </p:style>
+          <p:txBody>
+            <a:bodyPr rtlCol="0" anchor="ctr"/>
+            <a:lstStyle/>
+            <a:p>
+              <a:pPr algn="ctr"/>
+              <a:r>
+                <a:rPr lang="en-US" altLang="ko-KR" sz="1100"/>
+                <a:t>Cinder </a:t>
+              </a:r>
+            </a:p>
+            <a:p>
+              <a:pPr algn="ctr"/>
+              <a:r>
+                <a:rPr lang="en-US" altLang="ko-KR" sz="1100"/>
+                <a:t>API Server</a:t>
+              </a:r>
+              <a:endParaRPr lang="en-US" altLang="ko-KR" sz="1100" dirty="0"/>
+            </a:p>
+          </p:txBody>
+        </p:sp>
+        <p:sp>
+          <p:nvSpPr>
+            <p:cNvPr id="15" name="모서리가 둥근 직사각형 18">
+              <a:extLst>
+                <a:ext uri="{FF2B5EF4-FFF2-40B4-BE49-F238E27FC236}">
+                  <a16:creationId xmlns:a16="http://schemas.microsoft.com/office/drawing/2014/main" id="{9D8288CC-25D7-480C-8CA0-B97546AADD8F}"/>
+                </a:ext>
+              </a:extLst>
+            </p:cNvPr>
+            <p:cNvSpPr/>
+            <p:nvPr/>
+          </p:nvSpPr>
+          <p:spPr>
+            <a:xfrm>
+              <a:off x="6002067" y="1094045"/>
+              <a:ext cx="908074" cy="361808"/>
+            </a:xfrm>
+            <a:prstGeom prst="roundRect">
+              <a:avLst>
+                <a:gd name="adj" fmla="val 11578"/>
+              </a:avLst>
+            </a:prstGeom>
+            <a:noFill/>
+          </p:spPr>
+          <p:style>
+            <a:lnRef idx="2">
+              <a:schemeClr val="dk1"/>
+            </a:lnRef>
+            <a:fillRef idx="1">
+              <a:schemeClr val="lt1"/>
+            </a:fillRef>
+            <a:effectRef idx="0">
+              <a:schemeClr val="dk1"/>
+            </a:effectRef>
+            <a:fontRef idx="minor">
+              <a:schemeClr val="dk1"/>
+            </a:fontRef>
+          </p:style>
+          <p:txBody>
+            <a:bodyPr rtlCol="0" anchor="ctr"/>
+            <a:lstStyle/>
+            <a:p>
+              <a:pPr algn="ctr"/>
+              <a:r>
+                <a:rPr lang="en-US" altLang="ko-KR" sz="1100"/>
+                <a:t>Keystone API Server</a:t>
+              </a:r>
+              <a:endParaRPr lang="en-US" altLang="ko-KR" sz="1100" dirty="0"/>
+            </a:p>
+          </p:txBody>
+        </p:sp>
+      </p:grpSp>
       <p:cxnSp>
         <p:nvCxnSpPr>
           <p:cNvPr id="17" name="직선 화살표 연결선 16">
@@ -4100,8 +3803,8 @@
         </p:nvCxnSpPr>
         <p:spPr>
           <a:xfrm flipH="1">
-            <a:off x="836424" y="1455853"/>
-            <a:ext cx="2082575" cy="1055794"/>
+            <a:off x="836424" y="1631807"/>
+            <a:ext cx="2148215" cy="511880"/>
           </a:xfrm>
           <a:prstGeom prst="straightConnector1">
             <a:avLst/>
@@ -4147,8 +3850,8 @@
         </p:nvCxnSpPr>
         <p:spPr>
           <a:xfrm flipH="1">
-            <a:off x="2031583" y="1455853"/>
-            <a:ext cx="887416" cy="1055794"/>
+            <a:off x="2031583" y="1631807"/>
+            <a:ext cx="953056" cy="511880"/>
           </a:xfrm>
           <a:prstGeom prst="straightConnector1">
             <a:avLst/>
@@ -4194,8 +3897,8 @@
         </p:nvCxnSpPr>
         <p:spPr>
           <a:xfrm>
-            <a:off x="2918999" y="1455853"/>
-            <a:ext cx="313399" cy="1055794"/>
+            <a:off x="2984639" y="1631807"/>
+            <a:ext cx="247759" cy="511880"/>
           </a:xfrm>
           <a:prstGeom prst="straightConnector1">
             <a:avLst/>
@@ -4241,8 +3944,8 @@
         </p:nvCxnSpPr>
         <p:spPr>
           <a:xfrm>
-            <a:off x="2918999" y="1455853"/>
-            <a:ext cx="1514213" cy="1055794"/>
+            <a:off x="2984639" y="1631807"/>
+            <a:ext cx="1448573" cy="511880"/>
           </a:xfrm>
           <a:prstGeom prst="straightConnector1">
             <a:avLst/>
@@ -4270,6 +3973,3011 @@
           </a:fontRef>
         </p:style>
       </p:cxnSp>
+      <p:grpSp>
+        <p:nvGrpSpPr>
+          <p:cNvPr id="68" name="그룹 67">
+            <a:extLst>
+              <a:ext uri="{FF2B5EF4-FFF2-40B4-BE49-F238E27FC236}">
+                <a16:creationId xmlns:a16="http://schemas.microsoft.com/office/drawing/2014/main" id="{FAE6E52A-A58D-4EE4-8289-574F4CFD67E2}"/>
+              </a:ext>
+            </a:extLst>
+          </p:cNvPr>
+          <p:cNvGrpSpPr/>
+          <p:nvPr/>
+        </p:nvGrpSpPr>
+        <p:grpSpPr>
+          <a:xfrm>
+            <a:off x="191619" y="2027624"/>
+            <a:ext cx="4896020" cy="1425264"/>
+            <a:chOff x="191619" y="2009436"/>
+            <a:chExt cx="4896020" cy="1425264"/>
+          </a:xfrm>
+        </p:grpSpPr>
+        <p:sp>
+          <p:nvSpPr>
+            <p:cNvPr id="7" name="모서리가 둥근 직사각형 47">
+              <a:extLst>
+                <a:ext uri="{FF2B5EF4-FFF2-40B4-BE49-F238E27FC236}">
+                  <a16:creationId xmlns:a16="http://schemas.microsoft.com/office/drawing/2014/main" id="{0CCCFC66-58A3-4B49-8DEC-335D8F1DD19F}"/>
+                </a:ext>
+              </a:extLst>
+            </p:cNvPr>
+            <p:cNvSpPr/>
+            <p:nvPr/>
+          </p:nvSpPr>
+          <p:spPr>
+            <a:xfrm>
+              <a:off x="191619" y="2009436"/>
+              <a:ext cx="4896020" cy="1425264"/>
+            </a:xfrm>
+            <a:prstGeom prst="roundRect">
+              <a:avLst>
+                <a:gd name="adj" fmla="val 4508"/>
+              </a:avLst>
+            </a:prstGeom>
+            <a:noFill/>
+          </p:spPr>
+          <p:style>
+            <a:lnRef idx="2">
+              <a:schemeClr val="dk1"/>
+            </a:lnRef>
+            <a:fillRef idx="1">
+              <a:schemeClr val="lt1"/>
+            </a:fillRef>
+            <a:effectRef idx="0">
+              <a:schemeClr val="dk1"/>
+            </a:effectRef>
+            <a:fontRef idx="minor">
+              <a:schemeClr val="dk1"/>
+            </a:fontRef>
+          </p:style>
+          <p:txBody>
+            <a:bodyPr rtlCol="0" anchor="b"/>
+            <a:lstStyle/>
+            <a:p>
+              <a:r>
+                <a:rPr lang="en-US" altLang="ko-KR" sz="1200" b="1"/>
+                <a:t>Controller Plugin Pod</a:t>
+              </a:r>
+            </a:p>
+            <a:p>
+              <a:r>
+                <a:rPr lang="en-US" altLang="ko-KR" sz="1200"/>
+                <a:t>(Deployment / Statefulset)</a:t>
+              </a:r>
+              <a:endParaRPr lang="en-US" altLang="ko-KR" sz="1200" dirty="0"/>
+            </a:p>
+          </p:txBody>
+        </p:sp>
+        <p:sp>
+          <p:nvSpPr>
+            <p:cNvPr id="8" name="모서리가 둥근 직사각형 47">
+              <a:extLst>
+                <a:ext uri="{FF2B5EF4-FFF2-40B4-BE49-F238E27FC236}">
+                  <a16:creationId xmlns:a16="http://schemas.microsoft.com/office/drawing/2014/main" id="{EE3CEA4D-725C-484C-B395-DACDA7F74C6B}"/>
+                </a:ext>
+              </a:extLst>
+            </p:cNvPr>
+            <p:cNvSpPr/>
+            <p:nvPr/>
+          </p:nvSpPr>
+          <p:spPr>
+            <a:xfrm>
+              <a:off x="307320" y="2125499"/>
+              <a:ext cx="1058207" cy="525336"/>
+            </a:xfrm>
+            <a:prstGeom prst="roundRect">
+              <a:avLst>
+                <a:gd name="adj" fmla="val 4508"/>
+              </a:avLst>
+            </a:prstGeom>
+            <a:noFill/>
+            <a:ln>
+              <a:solidFill>
+                <a:schemeClr val="accent3">
+                  <a:lumMod val="50000"/>
+                </a:schemeClr>
+              </a:solidFill>
+            </a:ln>
+          </p:spPr>
+          <p:style>
+            <a:lnRef idx="2">
+              <a:schemeClr val="dk1"/>
+            </a:lnRef>
+            <a:fillRef idx="1">
+              <a:schemeClr val="lt1"/>
+            </a:fillRef>
+            <a:effectRef idx="0">
+              <a:schemeClr val="dk1"/>
+            </a:effectRef>
+            <a:fontRef idx="minor">
+              <a:schemeClr val="dk1"/>
+            </a:fontRef>
+          </p:style>
+          <p:txBody>
+            <a:bodyPr rtlCol="0" anchor="ctr"/>
+            <a:lstStyle/>
+            <a:p>
+              <a:pPr algn="ctr"/>
+              <a:r>
+                <a:rPr lang="en-US" altLang="ko-KR" sz="1200" b="1"/>
+                <a:t>csi-provisioner</a:t>
+              </a:r>
+            </a:p>
+          </p:txBody>
+        </p:sp>
+        <p:sp>
+          <p:nvSpPr>
+            <p:cNvPr id="9" name="모서리가 둥근 직사각형 47">
+              <a:extLst>
+                <a:ext uri="{FF2B5EF4-FFF2-40B4-BE49-F238E27FC236}">
+                  <a16:creationId xmlns:a16="http://schemas.microsoft.com/office/drawing/2014/main" id="{2909749D-C2F7-4118-A37A-FD65C4126131}"/>
+                </a:ext>
+              </a:extLst>
+            </p:cNvPr>
+            <p:cNvSpPr/>
+            <p:nvPr/>
+          </p:nvSpPr>
+          <p:spPr>
+            <a:xfrm>
+              <a:off x="1502479" y="2125499"/>
+              <a:ext cx="1058207" cy="525336"/>
+            </a:xfrm>
+            <a:prstGeom prst="roundRect">
+              <a:avLst>
+                <a:gd name="adj" fmla="val 4508"/>
+              </a:avLst>
+            </a:prstGeom>
+            <a:noFill/>
+            <a:ln>
+              <a:solidFill>
+                <a:schemeClr val="accent3">
+                  <a:lumMod val="50000"/>
+                </a:schemeClr>
+              </a:solidFill>
+            </a:ln>
+          </p:spPr>
+          <p:style>
+            <a:lnRef idx="2">
+              <a:schemeClr val="dk1"/>
+            </a:lnRef>
+            <a:fillRef idx="1">
+              <a:schemeClr val="lt1"/>
+            </a:fillRef>
+            <a:effectRef idx="0">
+              <a:schemeClr val="dk1"/>
+            </a:effectRef>
+            <a:fontRef idx="minor">
+              <a:schemeClr val="dk1"/>
+            </a:fontRef>
+          </p:style>
+          <p:txBody>
+            <a:bodyPr rtlCol="0" anchor="ctr"/>
+            <a:lstStyle/>
+            <a:p>
+              <a:pPr algn="ctr"/>
+              <a:r>
+                <a:rPr lang="en-US" altLang="ko-KR" sz="1200" b="1"/>
+                <a:t>csi-attacher</a:t>
+              </a:r>
+            </a:p>
+          </p:txBody>
+        </p:sp>
+        <p:sp>
+          <p:nvSpPr>
+            <p:cNvPr id="10" name="모서리가 둥근 직사각형 47">
+              <a:extLst>
+                <a:ext uri="{FF2B5EF4-FFF2-40B4-BE49-F238E27FC236}">
+                  <a16:creationId xmlns:a16="http://schemas.microsoft.com/office/drawing/2014/main" id="{7EA8F380-969D-46B6-854D-6296069CBA0A}"/>
+                </a:ext>
+              </a:extLst>
+            </p:cNvPr>
+            <p:cNvSpPr/>
+            <p:nvPr/>
+          </p:nvSpPr>
+          <p:spPr>
+            <a:xfrm>
+              <a:off x="2703294" y="2125499"/>
+              <a:ext cx="1058207" cy="525336"/>
+            </a:xfrm>
+            <a:prstGeom prst="roundRect">
+              <a:avLst>
+                <a:gd name="adj" fmla="val 4508"/>
+              </a:avLst>
+            </a:prstGeom>
+            <a:noFill/>
+            <a:ln>
+              <a:solidFill>
+                <a:schemeClr val="accent3">
+                  <a:lumMod val="50000"/>
+                </a:schemeClr>
+              </a:solidFill>
+            </a:ln>
+          </p:spPr>
+          <p:style>
+            <a:lnRef idx="2">
+              <a:schemeClr val="dk1"/>
+            </a:lnRef>
+            <a:fillRef idx="1">
+              <a:schemeClr val="lt1"/>
+            </a:fillRef>
+            <a:effectRef idx="0">
+              <a:schemeClr val="dk1"/>
+            </a:effectRef>
+            <a:fontRef idx="minor">
+              <a:schemeClr val="dk1"/>
+            </a:fontRef>
+          </p:style>
+          <p:txBody>
+            <a:bodyPr rtlCol="0" anchor="ctr"/>
+            <a:lstStyle/>
+            <a:p>
+              <a:pPr algn="ctr"/>
+              <a:r>
+                <a:rPr lang="en-US" altLang="ko-KR" sz="1200" b="1"/>
+                <a:t>csi-snapshotter</a:t>
+              </a:r>
+            </a:p>
+          </p:txBody>
+        </p:sp>
+        <p:sp>
+          <p:nvSpPr>
+            <p:cNvPr id="11" name="모서리가 둥근 직사각형 47">
+              <a:extLst>
+                <a:ext uri="{FF2B5EF4-FFF2-40B4-BE49-F238E27FC236}">
+                  <a16:creationId xmlns:a16="http://schemas.microsoft.com/office/drawing/2014/main" id="{485A21D8-CD95-4DE0-8594-B18C82382778}"/>
+                </a:ext>
+              </a:extLst>
+            </p:cNvPr>
+            <p:cNvSpPr/>
+            <p:nvPr/>
+          </p:nvSpPr>
+          <p:spPr>
+            <a:xfrm>
+              <a:off x="3904108" y="2125499"/>
+              <a:ext cx="1058207" cy="525336"/>
+            </a:xfrm>
+            <a:prstGeom prst="roundRect">
+              <a:avLst>
+                <a:gd name="adj" fmla="val 4508"/>
+              </a:avLst>
+            </a:prstGeom>
+            <a:noFill/>
+            <a:ln>
+              <a:solidFill>
+                <a:schemeClr val="accent3">
+                  <a:lumMod val="50000"/>
+                </a:schemeClr>
+              </a:solidFill>
+            </a:ln>
+          </p:spPr>
+          <p:style>
+            <a:lnRef idx="2">
+              <a:schemeClr val="dk1"/>
+            </a:lnRef>
+            <a:fillRef idx="1">
+              <a:schemeClr val="lt1"/>
+            </a:fillRef>
+            <a:effectRef idx="0">
+              <a:schemeClr val="dk1"/>
+            </a:effectRef>
+            <a:fontRef idx="minor">
+              <a:schemeClr val="dk1"/>
+            </a:fontRef>
+          </p:style>
+          <p:txBody>
+            <a:bodyPr rtlCol="0" anchor="ctr"/>
+            <a:lstStyle/>
+            <a:p>
+              <a:pPr algn="ctr"/>
+              <a:r>
+                <a:rPr lang="en-US" altLang="ko-KR" sz="1200" b="1"/>
+                <a:t>csi-resizer</a:t>
+              </a:r>
+            </a:p>
+          </p:txBody>
+        </p:sp>
+        <p:sp>
+          <p:nvSpPr>
+            <p:cNvPr id="12" name="모서리가 둥근 직사각형 47">
+              <a:extLst>
+                <a:ext uri="{FF2B5EF4-FFF2-40B4-BE49-F238E27FC236}">
+                  <a16:creationId xmlns:a16="http://schemas.microsoft.com/office/drawing/2014/main" id="{4AC08C1A-3615-4CEE-9C8D-7C3AB88D420F}"/>
+                </a:ext>
+              </a:extLst>
+            </p:cNvPr>
+            <p:cNvSpPr/>
+            <p:nvPr/>
+          </p:nvSpPr>
+          <p:spPr>
+            <a:xfrm>
+              <a:off x="3900784" y="2790909"/>
+              <a:ext cx="1058207" cy="525336"/>
+            </a:xfrm>
+            <a:prstGeom prst="roundRect">
+              <a:avLst>
+                <a:gd name="adj" fmla="val 4508"/>
+              </a:avLst>
+            </a:prstGeom>
+            <a:noFill/>
+            <a:ln>
+              <a:solidFill>
+                <a:schemeClr val="accent6">
+                  <a:lumMod val="50000"/>
+                </a:schemeClr>
+              </a:solidFill>
+            </a:ln>
+          </p:spPr>
+          <p:style>
+            <a:lnRef idx="2">
+              <a:schemeClr val="dk1"/>
+            </a:lnRef>
+            <a:fillRef idx="1">
+              <a:schemeClr val="lt1"/>
+            </a:fillRef>
+            <a:effectRef idx="0">
+              <a:schemeClr val="dk1"/>
+            </a:effectRef>
+            <a:fontRef idx="minor">
+              <a:schemeClr val="dk1"/>
+            </a:fontRef>
+          </p:style>
+          <p:txBody>
+            <a:bodyPr rtlCol="0" anchor="ctr"/>
+            <a:lstStyle/>
+            <a:p>
+              <a:pPr algn="ctr"/>
+              <a:r>
+                <a:rPr lang="en-US" altLang="ko-KR" sz="1200" b="1"/>
+                <a:t>cinder-csi-plugin</a:t>
+              </a:r>
+            </a:p>
+          </p:txBody>
+        </p:sp>
+        <p:sp>
+          <p:nvSpPr>
+            <p:cNvPr id="28" name="모서리가 둥근 직사각형 47">
+              <a:extLst>
+                <a:ext uri="{FF2B5EF4-FFF2-40B4-BE49-F238E27FC236}">
+                  <a16:creationId xmlns:a16="http://schemas.microsoft.com/office/drawing/2014/main" id="{E3B70247-373C-49CA-9F0F-BB7999DAC1E3}"/>
+                </a:ext>
+              </a:extLst>
+            </p:cNvPr>
+            <p:cNvSpPr/>
+            <p:nvPr/>
+          </p:nvSpPr>
+          <p:spPr>
+            <a:xfrm>
+              <a:off x="2267744" y="2833674"/>
+              <a:ext cx="1224300" cy="441623"/>
+            </a:xfrm>
+            <a:prstGeom prst="roundRect">
+              <a:avLst>
+                <a:gd name="adj" fmla="val 4508"/>
+              </a:avLst>
+            </a:prstGeom>
+            <a:noFill/>
+          </p:spPr>
+          <p:style>
+            <a:lnRef idx="2">
+              <a:schemeClr val="dk1"/>
+            </a:lnRef>
+            <a:fillRef idx="1">
+              <a:schemeClr val="lt1"/>
+            </a:fillRef>
+            <a:effectRef idx="0">
+              <a:schemeClr val="dk1"/>
+            </a:effectRef>
+            <a:fontRef idx="minor">
+              <a:schemeClr val="dk1"/>
+            </a:fontRef>
+          </p:style>
+          <p:txBody>
+            <a:bodyPr rtlCol="0" anchor="ctr"/>
+            <a:lstStyle/>
+            <a:p>
+              <a:pPr algn="ctr"/>
+              <a:r>
+                <a:rPr lang="en-US" altLang="ko-KR" sz="1200" b="1"/>
+                <a:t>csi.sock</a:t>
+              </a:r>
+            </a:p>
+            <a:p>
+              <a:pPr algn="ctr"/>
+              <a:r>
+                <a:rPr lang="en-US" altLang="ko-KR" sz="1200"/>
+                <a:t>Volume</a:t>
+              </a:r>
+              <a:endParaRPr lang="en-US" altLang="ko-KR" sz="1200" dirty="0"/>
+            </a:p>
+          </p:txBody>
+        </p:sp>
+        <p:cxnSp>
+          <p:nvCxnSpPr>
+            <p:cNvPr id="33" name="직선 화살표 연결선 32">
+              <a:extLst>
+                <a:ext uri="{FF2B5EF4-FFF2-40B4-BE49-F238E27FC236}">
+                  <a16:creationId xmlns:a16="http://schemas.microsoft.com/office/drawing/2014/main" id="{BFE5FFC5-DD94-4BE2-B775-80D878CCD075}"/>
+                </a:ext>
+              </a:extLst>
+            </p:cNvPr>
+            <p:cNvCxnSpPr>
+              <a:cxnSpLocks/>
+              <a:stCxn id="8" idx="2"/>
+              <a:endCxn id="28" idx="0"/>
+            </p:cNvCxnSpPr>
+            <p:nvPr/>
+          </p:nvCxnSpPr>
+          <p:spPr>
+            <a:xfrm>
+              <a:off x="836424" y="2650835"/>
+              <a:ext cx="2043470" cy="182839"/>
+            </a:xfrm>
+            <a:prstGeom prst="straightConnector1">
+              <a:avLst/>
+            </a:prstGeom>
+            <a:ln w="28575">
+              <a:solidFill>
+                <a:schemeClr val="tx2"/>
+              </a:solidFill>
+              <a:headEnd type="none" w="med" len="med"/>
+              <a:tailEnd type="arrow" w="med" len="med"/>
+            </a:ln>
+          </p:spPr>
+          <p:style>
+            <a:lnRef idx="1">
+              <a:schemeClr val="accent1"/>
+            </a:lnRef>
+            <a:fillRef idx="0">
+              <a:schemeClr val="accent1"/>
+            </a:fillRef>
+            <a:effectRef idx="0">
+              <a:schemeClr val="accent1"/>
+            </a:effectRef>
+            <a:fontRef idx="minor">
+              <a:schemeClr val="tx1"/>
+            </a:fontRef>
+          </p:style>
+        </p:cxnSp>
+        <p:cxnSp>
+          <p:nvCxnSpPr>
+            <p:cNvPr id="36" name="직선 화살표 연결선 35">
+              <a:extLst>
+                <a:ext uri="{FF2B5EF4-FFF2-40B4-BE49-F238E27FC236}">
+                  <a16:creationId xmlns:a16="http://schemas.microsoft.com/office/drawing/2014/main" id="{D7107EC6-E8AB-4D62-9FBB-F473BBCFD178}"/>
+                </a:ext>
+              </a:extLst>
+            </p:cNvPr>
+            <p:cNvCxnSpPr>
+              <a:cxnSpLocks/>
+              <a:stCxn id="9" idx="2"/>
+              <a:endCxn id="28" idx="0"/>
+            </p:cNvCxnSpPr>
+            <p:nvPr/>
+          </p:nvCxnSpPr>
+          <p:spPr>
+            <a:xfrm>
+              <a:off x="2031583" y="2650835"/>
+              <a:ext cx="848311" cy="182839"/>
+            </a:xfrm>
+            <a:prstGeom prst="straightConnector1">
+              <a:avLst/>
+            </a:prstGeom>
+            <a:ln w="28575">
+              <a:solidFill>
+                <a:schemeClr val="tx2"/>
+              </a:solidFill>
+              <a:headEnd type="none" w="med" len="med"/>
+              <a:tailEnd type="arrow" w="med" len="med"/>
+            </a:ln>
+          </p:spPr>
+          <p:style>
+            <a:lnRef idx="1">
+              <a:schemeClr val="accent1"/>
+            </a:lnRef>
+            <a:fillRef idx="0">
+              <a:schemeClr val="accent1"/>
+            </a:fillRef>
+            <a:effectRef idx="0">
+              <a:schemeClr val="accent1"/>
+            </a:effectRef>
+            <a:fontRef idx="minor">
+              <a:schemeClr val="tx1"/>
+            </a:fontRef>
+          </p:style>
+        </p:cxnSp>
+        <p:cxnSp>
+          <p:nvCxnSpPr>
+            <p:cNvPr id="39" name="직선 화살표 연결선 38">
+              <a:extLst>
+                <a:ext uri="{FF2B5EF4-FFF2-40B4-BE49-F238E27FC236}">
+                  <a16:creationId xmlns:a16="http://schemas.microsoft.com/office/drawing/2014/main" id="{5A23F264-6E80-4BFF-A81E-485F773B48D5}"/>
+                </a:ext>
+              </a:extLst>
+            </p:cNvPr>
+            <p:cNvCxnSpPr>
+              <a:cxnSpLocks/>
+              <a:stCxn id="10" idx="2"/>
+              <a:endCxn id="28" idx="0"/>
+            </p:cNvCxnSpPr>
+            <p:nvPr/>
+          </p:nvCxnSpPr>
+          <p:spPr>
+            <a:xfrm flipH="1">
+              <a:off x="2879894" y="2650835"/>
+              <a:ext cx="352504" cy="182839"/>
+            </a:xfrm>
+            <a:prstGeom prst="straightConnector1">
+              <a:avLst/>
+            </a:prstGeom>
+            <a:ln w="28575">
+              <a:solidFill>
+                <a:schemeClr val="tx2"/>
+              </a:solidFill>
+              <a:headEnd type="none" w="med" len="med"/>
+              <a:tailEnd type="arrow" w="med" len="med"/>
+            </a:ln>
+          </p:spPr>
+          <p:style>
+            <a:lnRef idx="1">
+              <a:schemeClr val="accent1"/>
+            </a:lnRef>
+            <a:fillRef idx="0">
+              <a:schemeClr val="accent1"/>
+            </a:fillRef>
+            <a:effectRef idx="0">
+              <a:schemeClr val="accent1"/>
+            </a:effectRef>
+            <a:fontRef idx="minor">
+              <a:schemeClr val="tx1"/>
+            </a:fontRef>
+          </p:style>
+        </p:cxnSp>
+        <p:cxnSp>
+          <p:nvCxnSpPr>
+            <p:cNvPr id="42" name="직선 화살표 연결선 41">
+              <a:extLst>
+                <a:ext uri="{FF2B5EF4-FFF2-40B4-BE49-F238E27FC236}">
+                  <a16:creationId xmlns:a16="http://schemas.microsoft.com/office/drawing/2014/main" id="{B42DF9D6-A1E1-4228-A2F6-98B188CE324B}"/>
+                </a:ext>
+              </a:extLst>
+            </p:cNvPr>
+            <p:cNvCxnSpPr>
+              <a:cxnSpLocks/>
+              <a:stCxn id="11" idx="2"/>
+              <a:endCxn id="28" idx="0"/>
+            </p:cNvCxnSpPr>
+            <p:nvPr/>
+          </p:nvCxnSpPr>
+          <p:spPr>
+            <a:xfrm flipH="1">
+              <a:off x="2879894" y="2650835"/>
+              <a:ext cx="1553318" cy="182839"/>
+            </a:xfrm>
+            <a:prstGeom prst="straightConnector1">
+              <a:avLst/>
+            </a:prstGeom>
+            <a:ln w="28575">
+              <a:solidFill>
+                <a:schemeClr val="tx2"/>
+              </a:solidFill>
+              <a:headEnd type="none" w="med" len="med"/>
+              <a:tailEnd type="arrow" w="med" len="med"/>
+            </a:ln>
+          </p:spPr>
+          <p:style>
+            <a:lnRef idx="1">
+              <a:schemeClr val="accent1"/>
+            </a:lnRef>
+            <a:fillRef idx="0">
+              <a:schemeClr val="accent1"/>
+            </a:fillRef>
+            <a:effectRef idx="0">
+              <a:schemeClr val="accent1"/>
+            </a:effectRef>
+            <a:fontRef idx="minor">
+              <a:schemeClr val="tx1"/>
+            </a:fontRef>
+          </p:style>
+        </p:cxnSp>
+        <p:cxnSp>
+          <p:nvCxnSpPr>
+            <p:cNvPr id="45" name="직선 화살표 연결선 44">
+              <a:extLst>
+                <a:ext uri="{FF2B5EF4-FFF2-40B4-BE49-F238E27FC236}">
+                  <a16:creationId xmlns:a16="http://schemas.microsoft.com/office/drawing/2014/main" id="{7C5BE914-0876-41DE-99CA-BA97060BA03D}"/>
+                </a:ext>
+              </a:extLst>
+            </p:cNvPr>
+            <p:cNvCxnSpPr>
+              <a:cxnSpLocks/>
+              <a:stCxn id="28" idx="3"/>
+              <a:endCxn id="12" idx="1"/>
+            </p:cNvCxnSpPr>
+            <p:nvPr/>
+          </p:nvCxnSpPr>
+          <p:spPr>
+            <a:xfrm flipV="1">
+              <a:off x="3492044" y="3053577"/>
+              <a:ext cx="408740" cy="909"/>
+            </a:xfrm>
+            <a:prstGeom prst="straightConnector1">
+              <a:avLst/>
+            </a:prstGeom>
+            <a:ln w="28575">
+              <a:solidFill>
+                <a:schemeClr val="tx2"/>
+              </a:solidFill>
+              <a:headEnd type="none" w="med" len="med"/>
+              <a:tailEnd type="arrow" w="med" len="med"/>
+            </a:ln>
+          </p:spPr>
+          <p:style>
+            <a:lnRef idx="1">
+              <a:schemeClr val="accent1"/>
+            </a:lnRef>
+            <a:fillRef idx="0">
+              <a:schemeClr val="accent1"/>
+            </a:fillRef>
+            <a:effectRef idx="0">
+              <a:schemeClr val="accent1"/>
+            </a:effectRef>
+            <a:fontRef idx="minor">
+              <a:schemeClr val="tx1"/>
+            </a:fontRef>
+          </p:style>
+        </p:cxnSp>
+      </p:grpSp>
+      <p:cxnSp>
+        <p:nvCxnSpPr>
+          <p:cNvPr id="53" name="직선 화살표 연결선 52">
+            <a:extLst>
+              <a:ext uri="{FF2B5EF4-FFF2-40B4-BE49-F238E27FC236}">
+                <a16:creationId xmlns:a16="http://schemas.microsoft.com/office/drawing/2014/main" id="{BE538E6D-8D60-44F6-ADED-FC02CE4064B6}"/>
+              </a:ext>
+            </a:extLst>
+          </p:cNvPr>
+          <p:cNvCxnSpPr>
+            <a:cxnSpLocks/>
+            <a:stCxn id="12" idx="3"/>
+            <a:endCxn id="13" idx="2"/>
+          </p:cNvCxnSpPr>
+          <p:nvPr/>
+        </p:nvCxnSpPr>
+        <p:spPr>
+          <a:xfrm flipV="1">
+            <a:off x="4958991" y="1740187"/>
+            <a:ext cx="833770" cy="1331578"/>
+          </a:xfrm>
+          <a:prstGeom prst="straightConnector1">
+            <a:avLst/>
+          </a:prstGeom>
+          <a:ln w="28575">
+            <a:solidFill>
+              <a:schemeClr val="accent3">
+                <a:lumMod val="75000"/>
+              </a:schemeClr>
+            </a:solidFill>
+            <a:headEnd type="none" w="med" len="med"/>
+            <a:tailEnd type="arrow" w="med" len="med"/>
+          </a:ln>
+        </p:spPr>
+        <p:style>
+          <a:lnRef idx="1">
+            <a:schemeClr val="accent1"/>
+          </a:lnRef>
+          <a:fillRef idx="0">
+            <a:schemeClr val="accent1"/>
+          </a:fillRef>
+          <a:effectRef idx="0">
+            <a:schemeClr val="accent1"/>
+          </a:effectRef>
+          <a:fontRef idx="minor">
+            <a:schemeClr val="tx1"/>
+          </a:fontRef>
+        </p:style>
+      </p:cxnSp>
+      <p:grpSp>
+        <p:nvGrpSpPr>
+          <p:cNvPr id="69" name="그룹 68">
+            <a:extLst>
+              <a:ext uri="{FF2B5EF4-FFF2-40B4-BE49-F238E27FC236}">
+                <a16:creationId xmlns:a16="http://schemas.microsoft.com/office/drawing/2014/main" id="{F332DEC9-28F9-458F-B0BC-DB8EF3F4F83A}"/>
+              </a:ext>
+            </a:extLst>
+          </p:cNvPr>
+          <p:cNvGrpSpPr/>
+          <p:nvPr/>
+        </p:nvGrpSpPr>
+        <p:grpSpPr>
+          <a:xfrm>
+            <a:off x="6407547" y="2598654"/>
+            <a:ext cx="2507853" cy="1166737"/>
+            <a:chOff x="6407547" y="3003798"/>
+            <a:chExt cx="2507853" cy="1166737"/>
+          </a:xfrm>
+        </p:grpSpPr>
+        <p:sp>
+          <p:nvSpPr>
+            <p:cNvPr id="48" name="모서리가 둥근 직사각형 47">
+              <a:extLst>
+                <a:ext uri="{FF2B5EF4-FFF2-40B4-BE49-F238E27FC236}">
+                  <a16:creationId xmlns:a16="http://schemas.microsoft.com/office/drawing/2014/main" id="{517AF3B8-51AF-47DB-BDD3-0914FB4ED3A1}"/>
+                </a:ext>
+              </a:extLst>
+            </p:cNvPr>
+            <p:cNvSpPr/>
+            <p:nvPr/>
+          </p:nvSpPr>
+          <p:spPr>
+            <a:xfrm>
+              <a:off x="6407547" y="3003798"/>
+              <a:ext cx="2507853" cy="1166737"/>
+            </a:xfrm>
+            <a:prstGeom prst="roundRect">
+              <a:avLst>
+                <a:gd name="adj" fmla="val 4508"/>
+              </a:avLst>
+            </a:prstGeom>
+            <a:noFill/>
+          </p:spPr>
+          <p:style>
+            <a:lnRef idx="2">
+              <a:schemeClr val="dk1"/>
+            </a:lnRef>
+            <a:fillRef idx="1">
+              <a:schemeClr val="lt1"/>
+            </a:fillRef>
+            <a:effectRef idx="0">
+              <a:schemeClr val="dk1"/>
+            </a:effectRef>
+            <a:fontRef idx="minor">
+              <a:schemeClr val="dk1"/>
+            </a:fontRef>
+          </p:style>
+          <p:txBody>
+            <a:bodyPr rtlCol="0" anchor="b"/>
+            <a:lstStyle/>
+            <a:p>
+              <a:pPr algn="r"/>
+              <a:r>
+                <a:rPr lang="en-US" altLang="ko-KR" sz="1200" b="1"/>
+                <a:t>Node Plugin Pod</a:t>
+              </a:r>
+            </a:p>
+            <a:p>
+              <a:pPr algn="r"/>
+              <a:r>
+                <a:rPr lang="en-US" altLang="ko-KR" sz="1200"/>
+                <a:t>(Daemonset, All Worker Nodes)</a:t>
+              </a:r>
+              <a:endParaRPr lang="en-US" altLang="ko-KR" sz="1200" dirty="0"/>
+            </a:p>
+          </p:txBody>
+        </p:sp>
+        <p:sp>
+          <p:nvSpPr>
+            <p:cNvPr id="63" name="모서리가 둥근 직사각형 47">
+              <a:extLst>
+                <a:ext uri="{FF2B5EF4-FFF2-40B4-BE49-F238E27FC236}">
+                  <a16:creationId xmlns:a16="http://schemas.microsoft.com/office/drawing/2014/main" id="{4BF6670B-58C8-4183-9F10-24739D6B66C7}"/>
+                </a:ext>
+              </a:extLst>
+            </p:cNvPr>
+            <p:cNvSpPr/>
+            <p:nvPr/>
+          </p:nvSpPr>
+          <p:spPr>
+            <a:xfrm>
+              <a:off x="6502749" y="3119862"/>
+              <a:ext cx="1058207" cy="525336"/>
+            </a:xfrm>
+            <a:prstGeom prst="roundRect">
+              <a:avLst>
+                <a:gd name="adj" fmla="val 4508"/>
+              </a:avLst>
+            </a:prstGeom>
+            <a:noFill/>
+            <a:ln>
+              <a:solidFill>
+                <a:schemeClr val="accent6">
+                  <a:lumMod val="50000"/>
+                </a:schemeClr>
+              </a:solidFill>
+            </a:ln>
+          </p:spPr>
+          <p:style>
+            <a:lnRef idx="2">
+              <a:schemeClr val="dk1"/>
+            </a:lnRef>
+            <a:fillRef idx="1">
+              <a:schemeClr val="lt1"/>
+            </a:fillRef>
+            <a:effectRef idx="0">
+              <a:schemeClr val="dk1"/>
+            </a:effectRef>
+            <a:fontRef idx="minor">
+              <a:schemeClr val="dk1"/>
+            </a:fontRef>
+          </p:style>
+          <p:txBody>
+            <a:bodyPr rtlCol="0" anchor="ctr"/>
+            <a:lstStyle/>
+            <a:p>
+              <a:pPr algn="ctr"/>
+              <a:r>
+                <a:rPr lang="en-US" altLang="ko-KR" sz="1200" b="1"/>
+                <a:t>cinder-csi-plugin</a:t>
+              </a:r>
+            </a:p>
+          </p:txBody>
+        </p:sp>
+        <p:sp>
+          <p:nvSpPr>
+            <p:cNvPr id="64" name="모서리가 둥근 직사각형 47">
+              <a:extLst>
+                <a:ext uri="{FF2B5EF4-FFF2-40B4-BE49-F238E27FC236}">
+                  <a16:creationId xmlns:a16="http://schemas.microsoft.com/office/drawing/2014/main" id="{B56297DB-D2D2-49BD-8CAC-2A1FC347578E}"/>
+                </a:ext>
+              </a:extLst>
+            </p:cNvPr>
+            <p:cNvSpPr/>
+            <p:nvPr/>
+          </p:nvSpPr>
+          <p:spPr>
+            <a:xfrm>
+              <a:off x="7677105" y="3119862"/>
+              <a:ext cx="1125706" cy="525336"/>
+            </a:xfrm>
+            <a:prstGeom prst="roundRect">
+              <a:avLst>
+                <a:gd name="adj" fmla="val 4508"/>
+              </a:avLst>
+            </a:prstGeom>
+            <a:noFill/>
+            <a:ln>
+              <a:solidFill>
+                <a:schemeClr val="accent3">
+                  <a:lumMod val="50000"/>
+                </a:schemeClr>
+              </a:solidFill>
+            </a:ln>
+          </p:spPr>
+          <p:style>
+            <a:lnRef idx="2">
+              <a:schemeClr val="dk1"/>
+            </a:lnRef>
+            <a:fillRef idx="1">
+              <a:schemeClr val="lt1"/>
+            </a:fillRef>
+            <a:effectRef idx="0">
+              <a:schemeClr val="dk1"/>
+            </a:effectRef>
+            <a:fontRef idx="minor">
+              <a:schemeClr val="dk1"/>
+            </a:fontRef>
+          </p:style>
+          <p:txBody>
+            <a:bodyPr rtlCol="0" anchor="ctr"/>
+            <a:lstStyle/>
+            <a:p>
+              <a:pPr algn="ctr"/>
+              <a:r>
+                <a:rPr lang="en-US" altLang="ko-KR" sz="1200" b="1"/>
+                <a:t>node-driver-register</a:t>
+              </a:r>
+            </a:p>
+          </p:txBody>
+        </p:sp>
+      </p:grpSp>
+      <p:sp>
+        <p:nvSpPr>
+          <p:cNvPr id="66" name="모서리가 둥근 직사각형 18">
+            <a:extLst>
+              <a:ext uri="{FF2B5EF4-FFF2-40B4-BE49-F238E27FC236}">
+                <a16:creationId xmlns:a16="http://schemas.microsoft.com/office/drawing/2014/main" id="{79599113-E1CD-4644-BB04-952FC12523FB}"/>
+              </a:ext>
+            </a:extLst>
+          </p:cNvPr>
+          <p:cNvSpPr/>
+          <p:nvPr/>
+        </p:nvSpPr>
+        <p:spPr>
+          <a:xfrm>
+            <a:off x="5222979" y="2850953"/>
+            <a:ext cx="1055992" cy="441623"/>
+          </a:xfrm>
+          <a:prstGeom prst="roundRect">
+            <a:avLst>
+              <a:gd name="adj" fmla="val 8127"/>
+            </a:avLst>
+          </a:prstGeom>
+          <a:noFill/>
+        </p:spPr>
+        <p:style>
+          <a:lnRef idx="2">
+            <a:schemeClr val="dk1"/>
+          </a:lnRef>
+          <a:fillRef idx="1">
+            <a:schemeClr val="lt1"/>
+          </a:fillRef>
+          <a:effectRef idx="0">
+            <a:schemeClr val="dk1"/>
+          </a:effectRef>
+          <a:fontRef idx="minor">
+            <a:schemeClr val="dk1"/>
+          </a:fontRef>
+        </p:style>
+        <p:txBody>
+          <a:bodyPr rtlCol="0" anchor="ctr"/>
+          <a:lstStyle/>
+          <a:p>
+            <a:pPr algn="ctr"/>
+            <a:r>
+              <a:rPr lang="en-US" altLang="ko-KR" sz="1100" b="1"/>
+              <a:t>cloud.conf</a:t>
+            </a:r>
+          </a:p>
+          <a:p>
+            <a:pPr algn="ctr"/>
+            <a:r>
+              <a:rPr lang="en-US" altLang="ko-KR" sz="1100"/>
+              <a:t>Secret</a:t>
+            </a:r>
+          </a:p>
+        </p:txBody>
+      </p:sp>
+      <p:cxnSp>
+        <p:nvCxnSpPr>
+          <p:cNvPr id="80" name="직선 화살표 연결선 79">
+            <a:extLst>
+              <a:ext uri="{FF2B5EF4-FFF2-40B4-BE49-F238E27FC236}">
+                <a16:creationId xmlns:a16="http://schemas.microsoft.com/office/drawing/2014/main" id="{675B11FF-EF0E-4704-8089-BA43880B5265}"/>
+              </a:ext>
+            </a:extLst>
+          </p:cNvPr>
+          <p:cNvCxnSpPr>
+            <a:cxnSpLocks/>
+            <a:stCxn id="63" idx="1"/>
+            <a:endCxn id="13" idx="2"/>
+          </p:cNvCxnSpPr>
+          <p:nvPr/>
+        </p:nvCxnSpPr>
+        <p:spPr>
+          <a:xfrm flipH="1" flipV="1">
+            <a:off x="5792761" y="1740187"/>
+            <a:ext cx="709988" cy="1237199"/>
+          </a:xfrm>
+          <a:prstGeom prst="straightConnector1">
+            <a:avLst/>
+          </a:prstGeom>
+          <a:ln w="28575">
+            <a:solidFill>
+              <a:schemeClr val="accent3">
+                <a:lumMod val="75000"/>
+              </a:schemeClr>
+            </a:solidFill>
+            <a:headEnd type="none" w="med" len="med"/>
+            <a:tailEnd type="arrow" w="med" len="med"/>
+          </a:ln>
+        </p:spPr>
+        <p:style>
+          <a:lnRef idx="1">
+            <a:schemeClr val="accent1"/>
+          </a:lnRef>
+          <a:fillRef idx="0">
+            <a:schemeClr val="accent1"/>
+          </a:fillRef>
+          <a:effectRef idx="0">
+            <a:schemeClr val="accent1"/>
+          </a:effectRef>
+          <a:fontRef idx="minor">
+            <a:schemeClr val="tx1"/>
+          </a:fontRef>
+        </p:style>
+      </p:cxnSp>
+      <p:cxnSp>
+        <p:nvCxnSpPr>
+          <p:cNvPr id="83" name="직선 화살표 연결선 82">
+            <a:extLst>
+              <a:ext uri="{FF2B5EF4-FFF2-40B4-BE49-F238E27FC236}">
+                <a16:creationId xmlns:a16="http://schemas.microsoft.com/office/drawing/2014/main" id="{B5D60BA3-BE81-4C01-8FA1-1FF42635E374}"/>
+              </a:ext>
+            </a:extLst>
+          </p:cNvPr>
+          <p:cNvCxnSpPr>
+            <a:cxnSpLocks/>
+            <a:stCxn id="5" idx="2"/>
+            <a:endCxn id="101" idx="0"/>
+          </p:cNvCxnSpPr>
+          <p:nvPr/>
+        </p:nvCxnSpPr>
+        <p:spPr>
+          <a:xfrm>
+            <a:off x="2984639" y="1631807"/>
+            <a:ext cx="2758315" cy="553736"/>
+          </a:xfrm>
+          <a:prstGeom prst="straightConnector1">
+            <a:avLst/>
+          </a:prstGeom>
+          <a:ln w="28575">
+            <a:solidFill>
+              <a:srgbClr val="C00000"/>
+            </a:solidFill>
+            <a:headEnd type="none" w="med" len="med"/>
+            <a:tailEnd type="arrow" w="med" len="med"/>
+          </a:ln>
+        </p:spPr>
+        <p:style>
+          <a:lnRef idx="1">
+            <a:schemeClr val="accent1"/>
+          </a:lnRef>
+          <a:fillRef idx="0">
+            <a:schemeClr val="accent1"/>
+          </a:fillRef>
+          <a:effectRef idx="0">
+            <a:schemeClr val="accent1"/>
+          </a:effectRef>
+          <a:fontRef idx="minor">
+            <a:schemeClr val="tx1"/>
+          </a:fontRef>
+        </p:style>
+      </p:cxnSp>
+      <p:grpSp>
+        <p:nvGrpSpPr>
+          <p:cNvPr id="67" name="그룹 66">
+            <a:extLst>
+              <a:ext uri="{FF2B5EF4-FFF2-40B4-BE49-F238E27FC236}">
+                <a16:creationId xmlns:a16="http://schemas.microsoft.com/office/drawing/2014/main" id="{0B53C9CC-2FAA-41E3-9AD1-C645B0C3FC3A}"/>
+              </a:ext>
+            </a:extLst>
+          </p:cNvPr>
+          <p:cNvGrpSpPr/>
+          <p:nvPr/>
+        </p:nvGrpSpPr>
+        <p:grpSpPr>
+          <a:xfrm>
+            <a:off x="251520" y="3906317"/>
+            <a:ext cx="3168352" cy="510141"/>
+            <a:chOff x="244648" y="819175"/>
+            <a:chExt cx="3579905" cy="510141"/>
+          </a:xfrm>
+        </p:grpSpPr>
+        <p:cxnSp>
+          <p:nvCxnSpPr>
+            <p:cNvPr id="86" name="직선 화살표 연결선 85">
+              <a:extLst>
+                <a:ext uri="{FF2B5EF4-FFF2-40B4-BE49-F238E27FC236}">
+                  <a16:creationId xmlns:a16="http://schemas.microsoft.com/office/drawing/2014/main" id="{E40DBF7E-BA6D-4F9D-8280-1BA835461D72}"/>
+                </a:ext>
+              </a:extLst>
+            </p:cNvPr>
+            <p:cNvCxnSpPr>
+              <a:cxnSpLocks/>
+              <a:endCxn id="90" idx="1"/>
+            </p:cNvCxnSpPr>
+            <p:nvPr/>
+          </p:nvCxnSpPr>
+          <p:spPr>
+            <a:xfrm>
+              <a:off x="244648" y="942286"/>
+              <a:ext cx="367044" cy="0"/>
+            </a:xfrm>
+            <a:prstGeom prst="straightConnector1">
+              <a:avLst/>
+            </a:prstGeom>
+            <a:ln w="28575">
+              <a:solidFill>
+                <a:srgbClr val="C00000"/>
+              </a:solidFill>
+              <a:headEnd type="none" w="med" len="med"/>
+              <a:tailEnd type="arrow" w="med" len="med"/>
+            </a:ln>
+          </p:spPr>
+          <p:style>
+            <a:lnRef idx="1">
+              <a:schemeClr val="accent1"/>
+            </a:lnRef>
+            <a:fillRef idx="0">
+              <a:schemeClr val="accent1"/>
+            </a:fillRef>
+            <a:effectRef idx="0">
+              <a:schemeClr val="accent1"/>
+            </a:effectRef>
+            <a:fontRef idx="minor">
+              <a:schemeClr val="tx1"/>
+            </a:fontRef>
+          </p:style>
+        </p:cxnSp>
+        <p:sp>
+          <p:nvSpPr>
+            <p:cNvPr id="90" name="TextBox 89">
+              <a:extLst>
+                <a:ext uri="{FF2B5EF4-FFF2-40B4-BE49-F238E27FC236}">
+                  <a16:creationId xmlns:a16="http://schemas.microsoft.com/office/drawing/2014/main" id="{70B7CF09-56A9-4CE0-AC06-D6B87CF181B9}"/>
+                </a:ext>
+              </a:extLst>
+            </p:cNvPr>
+            <p:cNvSpPr txBox="1"/>
+            <p:nvPr/>
+          </p:nvSpPr>
+          <p:spPr>
+            <a:xfrm>
+              <a:off x="611692" y="819175"/>
+              <a:ext cx="1512036" cy="246221"/>
+            </a:xfrm>
+            <a:prstGeom prst="rect">
+              <a:avLst/>
+            </a:prstGeom>
+            <a:noFill/>
+          </p:spPr>
+          <p:txBody>
+            <a:bodyPr wrap="square" rtlCol="0" anchor="ctr">
+              <a:spAutoFit/>
+            </a:bodyPr>
+            <a:lstStyle/>
+            <a:p>
+              <a:r>
+                <a:rPr lang="en-US" altLang="ko-KR" sz="1000" b="1"/>
+                <a:t>K8s Object Watch</a:t>
+              </a:r>
+              <a:endParaRPr lang="ko-KR" altLang="en-US" sz="1000" b="1"/>
+            </a:p>
+          </p:txBody>
+        </p:sp>
+        <p:cxnSp>
+          <p:nvCxnSpPr>
+            <p:cNvPr id="94" name="직선 화살표 연결선 93">
+              <a:extLst>
+                <a:ext uri="{FF2B5EF4-FFF2-40B4-BE49-F238E27FC236}">
+                  <a16:creationId xmlns:a16="http://schemas.microsoft.com/office/drawing/2014/main" id="{86ABCF33-0C9C-4215-8922-9DCDFCE84109}"/>
+                </a:ext>
+              </a:extLst>
+            </p:cNvPr>
+            <p:cNvCxnSpPr>
+              <a:cxnSpLocks/>
+              <a:endCxn id="95" idx="1"/>
+            </p:cNvCxnSpPr>
+            <p:nvPr/>
+          </p:nvCxnSpPr>
+          <p:spPr>
+            <a:xfrm>
+              <a:off x="2170041" y="942286"/>
+              <a:ext cx="367043" cy="0"/>
+            </a:xfrm>
+            <a:prstGeom prst="straightConnector1">
+              <a:avLst/>
+            </a:prstGeom>
+            <a:ln w="28575">
+              <a:solidFill>
+                <a:schemeClr val="tx2"/>
+              </a:solidFill>
+              <a:headEnd type="none" w="med" len="med"/>
+              <a:tailEnd type="arrow" w="med" len="med"/>
+            </a:ln>
+          </p:spPr>
+          <p:style>
+            <a:lnRef idx="1">
+              <a:schemeClr val="accent1"/>
+            </a:lnRef>
+            <a:fillRef idx="0">
+              <a:schemeClr val="accent1"/>
+            </a:fillRef>
+            <a:effectRef idx="0">
+              <a:schemeClr val="accent1"/>
+            </a:effectRef>
+            <a:fontRef idx="minor">
+              <a:schemeClr val="tx1"/>
+            </a:fontRef>
+          </p:style>
+        </p:cxnSp>
+        <p:sp>
+          <p:nvSpPr>
+            <p:cNvPr id="95" name="TextBox 94">
+              <a:extLst>
+                <a:ext uri="{FF2B5EF4-FFF2-40B4-BE49-F238E27FC236}">
+                  <a16:creationId xmlns:a16="http://schemas.microsoft.com/office/drawing/2014/main" id="{07EF95DA-3D66-43D5-953A-6B2EE2FA8EA9}"/>
+                </a:ext>
+              </a:extLst>
+            </p:cNvPr>
+            <p:cNvSpPr txBox="1"/>
+            <p:nvPr/>
+          </p:nvSpPr>
+          <p:spPr>
+            <a:xfrm>
+              <a:off x="2537084" y="819175"/>
+              <a:ext cx="518781" cy="246221"/>
+            </a:xfrm>
+            <a:prstGeom prst="rect">
+              <a:avLst/>
+            </a:prstGeom>
+            <a:noFill/>
+          </p:spPr>
+          <p:txBody>
+            <a:bodyPr wrap="square" rtlCol="0" anchor="ctr">
+              <a:spAutoFit/>
+            </a:bodyPr>
+            <a:lstStyle/>
+            <a:p>
+              <a:r>
+                <a:rPr lang="en-US" altLang="ko-KR" sz="1000" b="1"/>
+                <a:t>CSI</a:t>
+              </a:r>
+              <a:endParaRPr lang="ko-KR" altLang="en-US" sz="1000" b="1"/>
+            </a:p>
+          </p:txBody>
+        </p:sp>
+        <p:cxnSp>
+          <p:nvCxnSpPr>
+            <p:cNvPr id="136" name="직선 화살표 연결선 135">
+              <a:extLst>
+                <a:ext uri="{FF2B5EF4-FFF2-40B4-BE49-F238E27FC236}">
+                  <a16:creationId xmlns:a16="http://schemas.microsoft.com/office/drawing/2014/main" id="{9633DD5E-43A2-499C-B6DA-70FA21276B41}"/>
+                </a:ext>
+              </a:extLst>
+            </p:cNvPr>
+            <p:cNvCxnSpPr>
+              <a:cxnSpLocks/>
+            </p:cNvCxnSpPr>
+            <p:nvPr/>
+          </p:nvCxnSpPr>
+          <p:spPr>
+            <a:xfrm>
+              <a:off x="244648" y="1206206"/>
+              <a:ext cx="367044" cy="0"/>
+            </a:xfrm>
+            <a:prstGeom prst="straightConnector1">
+              <a:avLst/>
+            </a:prstGeom>
+            <a:ln w="28575">
+              <a:solidFill>
+                <a:schemeClr val="accent6">
+                  <a:lumMod val="75000"/>
+                </a:schemeClr>
+              </a:solidFill>
+              <a:headEnd type="none" w="med" len="med"/>
+              <a:tailEnd type="arrow" w="med" len="med"/>
+            </a:ln>
+          </p:spPr>
+          <p:style>
+            <a:lnRef idx="1">
+              <a:schemeClr val="accent1"/>
+            </a:lnRef>
+            <a:fillRef idx="0">
+              <a:schemeClr val="accent1"/>
+            </a:fillRef>
+            <a:effectRef idx="0">
+              <a:schemeClr val="accent1"/>
+            </a:effectRef>
+            <a:fontRef idx="minor">
+              <a:schemeClr val="tx1"/>
+            </a:fontRef>
+          </p:style>
+        </p:cxnSp>
+        <p:sp>
+          <p:nvSpPr>
+            <p:cNvPr id="137" name="TextBox 136">
+              <a:extLst>
+                <a:ext uri="{FF2B5EF4-FFF2-40B4-BE49-F238E27FC236}">
+                  <a16:creationId xmlns:a16="http://schemas.microsoft.com/office/drawing/2014/main" id="{50519DEB-F419-4298-A460-C3073A51630F}"/>
+                </a:ext>
+              </a:extLst>
+            </p:cNvPr>
+            <p:cNvSpPr txBox="1"/>
+            <p:nvPr/>
+          </p:nvSpPr>
+          <p:spPr>
+            <a:xfrm>
+              <a:off x="611692" y="1083095"/>
+              <a:ext cx="1576269" cy="246221"/>
+            </a:xfrm>
+            <a:prstGeom prst="rect">
+              <a:avLst/>
+            </a:prstGeom>
+            <a:noFill/>
+          </p:spPr>
+          <p:txBody>
+            <a:bodyPr wrap="square" rtlCol="0" anchor="ctr">
+              <a:spAutoFit/>
+            </a:bodyPr>
+            <a:lstStyle/>
+            <a:p>
+              <a:r>
+                <a:rPr lang="en-US" altLang="ko-KR" sz="1000" b="1"/>
+                <a:t>Plugin Registration</a:t>
+              </a:r>
+              <a:endParaRPr lang="ko-KR" altLang="en-US" sz="1000" b="1"/>
+            </a:p>
+          </p:txBody>
+        </p:sp>
+        <p:cxnSp>
+          <p:nvCxnSpPr>
+            <p:cNvPr id="139" name="직선 화살표 연결선 138">
+              <a:extLst>
+                <a:ext uri="{FF2B5EF4-FFF2-40B4-BE49-F238E27FC236}">
+                  <a16:creationId xmlns:a16="http://schemas.microsoft.com/office/drawing/2014/main" id="{A1B83F7E-7B15-4D24-A137-8D278DC6E79B}"/>
+                </a:ext>
+              </a:extLst>
+            </p:cNvPr>
+            <p:cNvCxnSpPr>
+              <a:cxnSpLocks/>
+            </p:cNvCxnSpPr>
+            <p:nvPr/>
+          </p:nvCxnSpPr>
+          <p:spPr>
+            <a:xfrm>
+              <a:off x="2168606" y="1206206"/>
+              <a:ext cx="367044" cy="0"/>
+            </a:xfrm>
+            <a:prstGeom prst="straightConnector1">
+              <a:avLst/>
+            </a:prstGeom>
+            <a:ln w="28575">
+              <a:solidFill>
+                <a:schemeClr val="accent3">
+                  <a:lumMod val="75000"/>
+                </a:schemeClr>
+              </a:solidFill>
+              <a:headEnd type="none" w="med" len="med"/>
+              <a:tailEnd type="arrow" w="med" len="med"/>
+            </a:ln>
+          </p:spPr>
+          <p:style>
+            <a:lnRef idx="1">
+              <a:schemeClr val="accent1"/>
+            </a:lnRef>
+            <a:fillRef idx="0">
+              <a:schemeClr val="accent1"/>
+            </a:fillRef>
+            <a:effectRef idx="0">
+              <a:schemeClr val="accent1"/>
+            </a:effectRef>
+            <a:fontRef idx="minor">
+              <a:schemeClr val="tx1"/>
+            </a:fontRef>
+          </p:style>
+        </p:cxnSp>
+        <p:sp>
+          <p:nvSpPr>
+            <p:cNvPr id="140" name="TextBox 139">
+              <a:extLst>
+                <a:ext uri="{FF2B5EF4-FFF2-40B4-BE49-F238E27FC236}">
+                  <a16:creationId xmlns:a16="http://schemas.microsoft.com/office/drawing/2014/main" id="{5A803196-EA38-4724-8AAF-A8FD17EBAA0E}"/>
+                </a:ext>
+              </a:extLst>
+            </p:cNvPr>
+            <p:cNvSpPr txBox="1"/>
+            <p:nvPr/>
+          </p:nvSpPr>
+          <p:spPr>
+            <a:xfrm>
+              <a:off x="2535650" y="1083095"/>
+              <a:ext cx="1288903" cy="246221"/>
+            </a:xfrm>
+            <a:prstGeom prst="rect">
+              <a:avLst/>
+            </a:prstGeom>
+            <a:noFill/>
+          </p:spPr>
+          <p:txBody>
+            <a:bodyPr wrap="square" rtlCol="0" anchor="ctr">
+              <a:spAutoFit/>
+            </a:bodyPr>
+            <a:lstStyle/>
+            <a:p>
+              <a:r>
+                <a:rPr lang="en-US" altLang="ko-KR" sz="1000" b="1"/>
+                <a:t>OpenStack API</a:t>
+              </a:r>
+              <a:endParaRPr lang="ko-KR" altLang="en-US" sz="1000" b="1"/>
+            </a:p>
+          </p:txBody>
+        </p:sp>
+      </p:grpSp>
+      <p:sp>
+        <p:nvSpPr>
+          <p:cNvPr id="101" name="모서리가 둥근 직사각형 18">
+            <a:extLst>
+              <a:ext uri="{FF2B5EF4-FFF2-40B4-BE49-F238E27FC236}">
+                <a16:creationId xmlns:a16="http://schemas.microsoft.com/office/drawing/2014/main" id="{52FF691A-86FB-48BB-9718-B802B077FA4A}"/>
+              </a:ext>
+            </a:extLst>
+          </p:cNvPr>
+          <p:cNvSpPr/>
+          <p:nvPr/>
+        </p:nvSpPr>
+        <p:spPr>
+          <a:xfrm>
+            <a:off x="5214339" y="2185543"/>
+            <a:ext cx="1057229" cy="441623"/>
+          </a:xfrm>
+          <a:prstGeom prst="roundRect">
+            <a:avLst>
+              <a:gd name="adj" fmla="val 8127"/>
+            </a:avLst>
+          </a:prstGeom>
+          <a:noFill/>
+        </p:spPr>
+        <p:style>
+          <a:lnRef idx="2">
+            <a:schemeClr val="dk1"/>
+          </a:lnRef>
+          <a:fillRef idx="1">
+            <a:schemeClr val="lt1"/>
+          </a:fillRef>
+          <a:effectRef idx="0">
+            <a:schemeClr val="dk1"/>
+          </a:effectRef>
+          <a:fontRef idx="minor">
+            <a:schemeClr val="dk1"/>
+          </a:fontRef>
+        </p:style>
+        <p:txBody>
+          <a:bodyPr rtlCol="0" anchor="ctr"/>
+          <a:lstStyle/>
+          <a:p>
+            <a:pPr algn="ctr"/>
+            <a:r>
+              <a:rPr lang="en-US" altLang="ko-KR" sz="1100"/>
+              <a:t>kubelet</a:t>
+            </a:r>
+          </a:p>
+        </p:txBody>
+      </p:sp>
+      <p:sp>
+        <p:nvSpPr>
+          <p:cNvPr id="118" name="모서리가 둥근 직사각형 47">
+            <a:extLst>
+              <a:ext uri="{FF2B5EF4-FFF2-40B4-BE49-F238E27FC236}">
+                <a16:creationId xmlns:a16="http://schemas.microsoft.com/office/drawing/2014/main" id="{80400324-A455-417B-AB1C-346A209FBE61}"/>
+              </a:ext>
+            </a:extLst>
+          </p:cNvPr>
+          <p:cNvSpPr/>
+          <p:nvPr/>
+        </p:nvSpPr>
+        <p:spPr>
+          <a:xfrm>
+            <a:off x="6502749" y="2036340"/>
+            <a:ext cx="1058206" cy="441623"/>
+          </a:xfrm>
+          <a:prstGeom prst="roundRect">
+            <a:avLst>
+              <a:gd name="adj" fmla="val 4508"/>
+            </a:avLst>
+          </a:prstGeom>
+          <a:noFill/>
+        </p:spPr>
+        <p:style>
+          <a:lnRef idx="2">
+            <a:schemeClr val="dk1"/>
+          </a:lnRef>
+          <a:fillRef idx="1">
+            <a:schemeClr val="lt1"/>
+          </a:fillRef>
+          <a:effectRef idx="0">
+            <a:schemeClr val="dk1"/>
+          </a:effectRef>
+          <a:fontRef idx="minor">
+            <a:schemeClr val="dk1"/>
+          </a:fontRef>
+        </p:style>
+        <p:txBody>
+          <a:bodyPr rtlCol="0" anchor="ctr"/>
+          <a:lstStyle/>
+          <a:p>
+            <a:pPr algn="ctr"/>
+            <a:r>
+              <a:rPr lang="en-US" altLang="ko-KR" sz="1200" b="1"/>
+              <a:t>csi.sock</a:t>
+            </a:r>
+          </a:p>
+          <a:p>
+            <a:pPr algn="ctr"/>
+            <a:r>
+              <a:rPr lang="en-US" altLang="ko-KR" sz="1200"/>
+              <a:t>Volume</a:t>
+            </a:r>
+            <a:endParaRPr lang="en-US" altLang="ko-KR" sz="1200" dirty="0"/>
+          </a:p>
+        </p:txBody>
+      </p:sp>
+      <p:cxnSp>
+        <p:nvCxnSpPr>
+          <p:cNvPr id="122" name="직선 화살표 연결선 121">
+            <a:extLst>
+              <a:ext uri="{FF2B5EF4-FFF2-40B4-BE49-F238E27FC236}">
+                <a16:creationId xmlns:a16="http://schemas.microsoft.com/office/drawing/2014/main" id="{2DB3181B-551D-4600-8987-2C2D45EB2A95}"/>
+              </a:ext>
+            </a:extLst>
+          </p:cNvPr>
+          <p:cNvCxnSpPr>
+            <a:cxnSpLocks/>
+            <a:stCxn id="118" idx="2"/>
+            <a:endCxn id="63" idx="0"/>
+          </p:cNvCxnSpPr>
+          <p:nvPr/>
+        </p:nvCxnSpPr>
+        <p:spPr>
+          <a:xfrm>
+            <a:off x="7031852" y="2477963"/>
+            <a:ext cx="1" cy="236755"/>
+          </a:xfrm>
+          <a:prstGeom prst="straightConnector1">
+            <a:avLst/>
+          </a:prstGeom>
+          <a:ln w="28575">
+            <a:solidFill>
+              <a:schemeClr val="tx2"/>
+            </a:solidFill>
+            <a:headEnd type="none" w="med" len="med"/>
+            <a:tailEnd type="arrow" w="med" len="med"/>
+          </a:ln>
+        </p:spPr>
+        <p:style>
+          <a:lnRef idx="1">
+            <a:schemeClr val="accent1"/>
+          </a:lnRef>
+          <a:fillRef idx="0">
+            <a:schemeClr val="accent1"/>
+          </a:fillRef>
+          <a:effectRef idx="0">
+            <a:schemeClr val="accent1"/>
+          </a:effectRef>
+          <a:fontRef idx="minor">
+            <a:schemeClr val="tx1"/>
+          </a:fontRef>
+        </p:style>
+      </p:cxnSp>
+      <p:sp>
+        <p:nvSpPr>
+          <p:cNvPr id="129" name="모서리가 둥근 직사각형 47">
+            <a:extLst>
+              <a:ext uri="{FF2B5EF4-FFF2-40B4-BE49-F238E27FC236}">
+                <a16:creationId xmlns:a16="http://schemas.microsoft.com/office/drawing/2014/main" id="{48139F49-D16D-4FB5-B78E-0FEE98A3788D}"/>
+              </a:ext>
+            </a:extLst>
+          </p:cNvPr>
+          <p:cNvSpPr/>
+          <p:nvPr/>
+        </p:nvSpPr>
+        <p:spPr>
+          <a:xfrm>
+            <a:off x="7677104" y="2027624"/>
+            <a:ext cx="1125707" cy="441623"/>
+          </a:xfrm>
+          <a:prstGeom prst="roundRect">
+            <a:avLst>
+              <a:gd name="adj" fmla="val 4508"/>
+            </a:avLst>
+          </a:prstGeom>
+          <a:noFill/>
+        </p:spPr>
+        <p:style>
+          <a:lnRef idx="2">
+            <a:schemeClr val="dk1"/>
+          </a:lnRef>
+          <a:fillRef idx="1">
+            <a:schemeClr val="lt1"/>
+          </a:fillRef>
+          <a:effectRef idx="0">
+            <a:schemeClr val="dk1"/>
+          </a:effectRef>
+          <a:fontRef idx="minor">
+            <a:schemeClr val="dk1"/>
+          </a:fontRef>
+        </p:style>
+        <p:txBody>
+          <a:bodyPr rtlCol="0" anchor="ctr"/>
+          <a:lstStyle/>
+          <a:p>
+            <a:pPr algn="ctr"/>
+            <a:r>
+              <a:rPr lang="en-US" altLang="ko-KR" sz="1200" b="1"/>
+              <a:t>regi.sock</a:t>
+            </a:r>
+          </a:p>
+          <a:p>
+            <a:pPr algn="ctr"/>
+            <a:r>
+              <a:rPr lang="en-US" altLang="ko-KR" sz="1200"/>
+              <a:t>Volume</a:t>
+            </a:r>
+            <a:endParaRPr lang="en-US" altLang="ko-KR" sz="1200" dirty="0"/>
+          </a:p>
+        </p:txBody>
+      </p:sp>
+      <p:cxnSp>
+        <p:nvCxnSpPr>
+          <p:cNvPr id="130" name="직선 화살표 연결선 129">
+            <a:extLst>
+              <a:ext uri="{FF2B5EF4-FFF2-40B4-BE49-F238E27FC236}">
+                <a16:creationId xmlns:a16="http://schemas.microsoft.com/office/drawing/2014/main" id="{85CFA19B-8D41-49CA-973C-1BF6A7D14E1E}"/>
+              </a:ext>
+            </a:extLst>
+          </p:cNvPr>
+          <p:cNvCxnSpPr>
+            <a:cxnSpLocks/>
+            <a:stCxn id="64" idx="0"/>
+            <a:endCxn id="129" idx="2"/>
+          </p:cNvCxnSpPr>
+          <p:nvPr/>
+        </p:nvCxnSpPr>
+        <p:spPr>
+          <a:xfrm flipV="1">
+            <a:off x="8239958" y="2469247"/>
+            <a:ext cx="0" cy="245471"/>
+          </a:xfrm>
+          <a:prstGeom prst="straightConnector1">
+            <a:avLst/>
+          </a:prstGeom>
+          <a:ln w="28575">
+            <a:solidFill>
+              <a:schemeClr val="accent6">
+                <a:lumMod val="75000"/>
+              </a:schemeClr>
+            </a:solidFill>
+            <a:headEnd type="none" w="med" len="med"/>
+            <a:tailEnd type="arrow" w="med" len="med"/>
+          </a:ln>
+        </p:spPr>
+        <p:style>
+          <a:lnRef idx="1">
+            <a:schemeClr val="accent1"/>
+          </a:lnRef>
+          <a:fillRef idx="0">
+            <a:schemeClr val="accent1"/>
+          </a:fillRef>
+          <a:effectRef idx="0">
+            <a:schemeClr val="accent1"/>
+          </a:effectRef>
+          <a:fontRef idx="minor">
+            <a:schemeClr val="tx1"/>
+          </a:fontRef>
+        </p:style>
+      </p:cxnSp>
+      <p:cxnSp>
+        <p:nvCxnSpPr>
+          <p:cNvPr id="135" name="직선 화살표 연결선 134">
+            <a:extLst>
+              <a:ext uri="{FF2B5EF4-FFF2-40B4-BE49-F238E27FC236}">
+                <a16:creationId xmlns:a16="http://schemas.microsoft.com/office/drawing/2014/main" id="{4D4D0CAF-6B4C-4A53-8A4D-01BF19DD8187}"/>
+              </a:ext>
+            </a:extLst>
+          </p:cNvPr>
+          <p:cNvCxnSpPr>
+            <a:cxnSpLocks/>
+            <a:stCxn id="129" idx="1"/>
+            <a:endCxn id="101" idx="3"/>
+          </p:cNvCxnSpPr>
+          <p:nvPr/>
+        </p:nvCxnSpPr>
+        <p:spPr>
+          <a:xfrm flipH="1">
+            <a:off x="6271568" y="2248436"/>
+            <a:ext cx="1405536" cy="157919"/>
+          </a:xfrm>
+          <a:prstGeom prst="straightConnector1">
+            <a:avLst/>
+          </a:prstGeom>
+          <a:ln w="28575">
+            <a:solidFill>
+              <a:schemeClr val="accent6">
+                <a:lumMod val="75000"/>
+              </a:schemeClr>
+            </a:solidFill>
+            <a:headEnd type="none" w="med" len="med"/>
+            <a:tailEnd type="arrow" w="med" len="med"/>
+          </a:ln>
+        </p:spPr>
+        <p:style>
+          <a:lnRef idx="1">
+            <a:schemeClr val="accent1"/>
+          </a:lnRef>
+          <a:fillRef idx="0">
+            <a:schemeClr val="accent1"/>
+          </a:fillRef>
+          <a:effectRef idx="0">
+            <a:schemeClr val="accent1"/>
+          </a:effectRef>
+          <a:fontRef idx="minor">
+            <a:schemeClr val="tx1"/>
+          </a:fontRef>
+        </p:style>
+      </p:cxnSp>
+      <p:cxnSp>
+        <p:nvCxnSpPr>
+          <p:cNvPr id="169" name="직선 화살표 연결선 168">
+            <a:extLst>
+              <a:ext uri="{FF2B5EF4-FFF2-40B4-BE49-F238E27FC236}">
+                <a16:creationId xmlns:a16="http://schemas.microsoft.com/office/drawing/2014/main" id="{1E726B06-0465-43BB-8C3D-2E3FD7DEF4FA}"/>
+              </a:ext>
+            </a:extLst>
+          </p:cNvPr>
+          <p:cNvCxnSpPr>
+            <a:cxnSpLocks/>
+            <a:stCxn id="66" idx="1"/>
+            <a:endCxn id="12" idx="3"/>
+          </p:cNvCxnSpPr>
+          <p:nvPr/>
+        </p:nvCxnSpPr>
+        <p:spPr>
+          <a:xfrm flipH="1">
+            <a:off x="4958991" y="3071765"/>
+            <a:ext cx="263988" cy="0"/>
+          </a:xfrm>
+          <a:prstGeom prst="straightConnector1">
+            <a:avLst/>
+          </a:prstGeom>
+          <a:ln w="28575">
+            <a:solidFill>
+              <a:schemeClr val="tx1"/>
+            </a:solidFill>
+            <a:prstDash val="dash"/>
+            <a:headEnd type="none" w="med" len="med"/>
+            <a:tailEnd type="none" w="med" len="med"/>
+          </a:ln>
+        </p:spPr>
+        <p:style>
+          <a:lnRef idx="1">
+            <a:schemeClr val="accent1"/>
+          </a:lnRef>
+          <a:fillRef idx="0">
+            <a:schemeClr val="accent1"/>
+          </a:fillRef>
+          <a:effectRef idx="0">
+            <a:schemeClr val="accent1"/>
+          </a:effectRef>
+          <a:fontRef idx="minor">
+            <a:schemeClr val="tx1"/>
+          </a:fontRef>
+        </p:style>
+      </p:cxnSp>
+      <p:cxnSp>
+        <p:nvCxnSpPr>
+          <p:cNvPr id="173" name="직선 화살표 연결선 172">
+            <a:extLst>
+              <a:ext uri="{FF2B5EF4-FFF2-40B4-BE49-F238E27FC236}">
+                <a16:creationId xmlns:a16="http://schemas.microsoft.com/office/drawing/2014/main" id="{3B5EDDE7-3DC6-402E-889C-37C53FAD2C4B}"/>
+              </a:ext>
+            </a:extLst>
+          </p:cNvPr>
+          <p:cNvCxnSpPr>
+            <a:cxnSpLocks/>
+            <a:stCxn id="66" idx="3"/>
+            <a:endCxn id="63" idx="1"/>
+          </p:cNvCxnSpPr>
+          <p:nvPr/>
+        </p:nvCxnSpPr>
+        <p:spPr>
+          <a:xfrm flipV="1">
+            <a:off x="6278971" y="2977386"/>
+            <a:ext cx="223778" cy="94379"/>
+          </a:xfrm>
+          <a:prstGeom prst="straightConnector1">
+            <a:avLst/>
+          </a:prstGeom>
+          <a:ln w="28575">
+            <a:solidFill>
+              <a:schemeClr val="tx1"/>
+            </a:solidFill>
+            <a:prstDash val="dash"/>
+            <a:headEnd type="none" w="med" len="med"/>
+            <a:tailEnd type="none" w="med" len="med"/>
+          </a:ln>
+        </p:spPr>
+        <p:style>
+          <a:lnRef idx="1">
+            <a:schemeClr val="accent1"/>
+          </a:lnRef>
+          <a:fillRef idx="0">
+            <a:schemeClr val="accent1"/>
+          </a:fillRef>
+          <a:effectRef idx="0">
+            <a:schemeClr val="accent1"/>
+          </a:effectRef>
+          <a:fontRef idx="minor">
+            <a:schemeClr val="tx1"/>
+          </a:fontRef>
+        </p:style>
+      </p:cxnSp>
+      <p:grpSp>
+        <p:nvGrpSpPr>
+          <p:cNvPr id="65" name="그룹 64">
+            <a:extLst>
+              <a:ext uri="{FF2B5EF4-FFF2-40B4-BE49-F238E27FC236}">
+                <a16:creationId xmlns:a16="http://schemas.microsoft.com/office/drawing/2014/main" id="{166937E0-93D0-4BD2-B22F-BF0F24978EE2}"/>
+              </a:ext>
+            </a:extLst>
+          </p:cNvPr>
+          <p:cNvGrpSpPr/>
+          <p:nvPr/>
+        </p:nvGrpSpPr>
+        <p:grpSpPr>
+          <a:xfrm>
+            <a:off x="3618002" y="3958371"/>
+            <a:ext cx="3676552" cy="400110"/>
+            <a:chOff x="2015807" y="3413060"/>
+            <a:chExt cx="3676552" cy="400110"/>
+          </a:xfrm>
+        </p:grpSpPr>
+        <p:sp>
+          <p:nvSpPr>
+            <p:cNvPr id="47" name="TextBox 46">
+              <a:extLst>
+                <a:ext uri="{FF2B5EF4-FFF2-40B4-BE49-F238E27FC236}">
+                  <a16:creationId xmlns:a16="http://schemas.microsoft.com/office/drawing/2014/main" id="{02EAC406-6C28-4494-BD84-131E579CA770}"/>
+                </a:ext>
+              </a:extLst>
+            </p:cNvPr>
+            <p:cNvSpPr txBox="1"/>
+            <p:nvPr/>
+          </p:nvSpPr>
+          <p:spPr>
+            <a:xfrm>
+              <a:off x="2532417" y="3490128"/>
+              <a:ext cx="1368367" cy="246221"/>
+            </a:xfrm>
+            <a:prstGeom prst="rect">
+              <a:avLst/>
+            </a:prstGeom>
+            <a:noFill/>
+          </p:spPr>
+          <p:txBody>
+            <a:bodyPr wrap="square" rtlCol="0" anchor="ctr">
+              <a:spAutoFit/>
+            </a:bodyPr>
+            <a:lstStyle/>
+            <a:p>
+              <a:r>
+                <a:rPr lang="en-US" altLang="ko-KR" sz="1000" b="1"/>
+                <a:t>K8s CSI Project</a:t>
+              </a:r>
+              <a:endParaRPr lang="ko-KR" altLang="en-US" sz="1000" b="1"/>
+            </a:p>
+          </p:txBody>
+        </p:sp>
+        <p:sp>
+          <p:nvSpPr>
+            <p:cNvPr id="52" name="모서리가 둥근 직사각형 47">
+              <a:extLst>
+                <a:ext uri="{FF2B5EF4-FFF2-40B4-BE49-F238E27FC236}">
+                  <a16:creationId xmlns:a16="http://schemas.microsoft.com/office/drawing/2014/main" id="{C56275C2-EFC3-4F59-91C2-84EACEB49538}"/>
+                </a:ext>
+              </a:extLst>
+            </p:cNvPr>
+            <p:cNvSpPr/>
+            <p:nvPr/>
+          </p:nvSpPr>
+          <p:spPr>
+            <a:xfrm>
+              <a:off x="2015807" y="3524825"/>
+              <a:ext cx="516610" cy="185204"/>
+            </a:xfrm>
+            <a:prstGeom prst="roundRect">
+              <a:avLst>
+                <a:gd name="adj" fmla="val 4508"/>
+              </a:avLst>
+            </a:prstGeom>
+            <a:noFill/>
+            <a:ln>
+              <a:solidFill>
+                <a:schemeClr val="accent3">
+                  <a:lumMod val="50000"/>
+                </a:schemeClr>
+              </a:solidFill>
+            </a:ln>
+          </p:spPr>
+          <p:style>
+            <a:lnRef idx="2">
+              <a:schemeClr val="dk1"/>
+            </a:lnRef>
+            <a:fillRef idx="1">
+              <a:schemeClr val="lt1"/>
+            </a:fillRef>
+            <a:effectRef idx="0">
+              <a:schemeClr val="dk1"/>
+            </a:effectRef>
+            <a:fontRef idx="minor">
+              <a:schemeClr val="dk1"/>
+            </a:fontRef>
+          </p:style>
+          <p:txBody>
+            <a:bodyPr rtlCol="0" anchor="ctr"/>
+            <a:lstStyle/>
+            <a:p>
+              <a:pPr algn="ctr"/>
+              <a:endParaRPr lang="en-US" altLang="ko-KR" sz="1000" b="1"/>
+            </a:p>
+          </p:txBody>
+        </p:sp>
+        <p:sp>
+          <p:nvSpPr>
+            <p:cNvPr id="54" name="TextBox 53">
+              <a:extLst>
+                <a:ext uri="{FF2B5EF4-FFF2-40B4-BE49-F238E27FC236}">
+                  <a16:creationId xmlns:a16="http://schemas.microsoft.com/office/drawing/2014/main" id="{3A342B56-2D0C-422B-B8C6-C37E672F7684}"/>
+                </a:ext>
+              </a:extLst>
+            </p:cNvPr>
+            <p:cNvSpPr txBox="1"/>
+            <p:nvPr/>
+          </p:nvSpPr>
+          <p:spPr>
+            <a:xfrm>
+              <a:off x="4301266" y="3413060"/>
+              <a:ext cx="1391093" cy="400110"/>
+            </a:xfrm>
+            <a:prstGeom prst="rect">
+              <a:avLst/>
+            </a:prstGeom>
+            <a:noFill/>
+          </p:spPr>
+          <p:txBody>
+            <a:bodyPr wrap="square" rtlCol="0" anchor="ctr">
+              <a:spAutoFit/>
+            </a:bodyPr>
+            <a:lstStyle/>
+            <a:p>
+              <a:r>
+                <a:rPr lang="en-US" altLang="ko-KR" sz="1000" b="1"/>
+                <a:t>OpenStack</a:t>
+              </a:r>
+            </a:p>
+            <a:p>
+              <a:r>
+                <a:rPr lang="en-US" altLang="ko-KR" sz="1000" b="1"/>
+                <a:t>Provider Project</a:t>
+              </a:r>
+              <a:endParaRPr lang="ko-KR" altLang="en-US" sz="1000" b="1"/>
+            </a:p>
+          </p:txBody>
+        </p:sp>
+        <p:sp>
+          <p:nvSpPr>
+            <p:cNvPr id="55" name="모서리가 둥근 직사각형 47">
+              <a:extLst>
+                <a:ext uri="{FF2B5EF4-FFF2-40B4-BE49-F238E27FC236}">
+                  <a16:creationId xmlns:a16="http://schemas.microsoft.com/office/drawing/2014/main" id="{33D960B2-CE8B-43EF-B1F1-8D1F2EA0116E}"/>
+                </a:ext>
+              </a:extLst>
+            </p:cNvPr>
+            <p:cNvSpPr/>
+            <p:nvPr/>
+          </p:nvSpPr>
+          <p:spPr>
+            <a:xfrm>
+              <a:off x="3784656" y="3524701"/>
+              <a:ext cx="516610" cy="185204"/>
+            </a:xfrm>
+            <a:prstGeom prst="roundRect">
+              <a:avLst>
+                <a:gd name="adj" fmla="val 4508"/>
+              </a:avLst>
+            </a:prstGeom>
+            <a:noFill/>
+            <a:ln>
+              <a:solidFill>
+                <a:schemeClr val="accent6">
+                  <a:lumMod val="50000"/>
+                </a:schemeClr>
+              </a:solidFill>
+            </a:ln>
+          </p:spPr>
+          <p:style>
+            <a:lnRef idx="2">
+              <a:schemeClr val="dk1"/>
+            </a:lnRef>
+            <a:fillRef idx="1">
+              <a:schemeClr val="lt1"/>
+            </a:fillRef>
+            <a:effectRef idx="0">
+              <a:schemeClr val="dk1"/>
+            </a:effectRef>
+            <a:fontRef idx="minor">
+              <a:schemeClr val="dk1"/>
+            </a:fontRef>
+          </p:style>
+          <p:txBody>
+            <a:bodyPr rtlCol="0" anchor="ctr"/>
+            <a:lstStyle/>
+            <a:p>
+              <a:pPr algn="ctr"/>
+              <a:endParaRPr lang="en-US" altLang="ko-KR" sz="1000" b="1"/>
+            </a:p>
+          </p:txBody>
+        </p:sp>
+      </p:grpSp>
+      <p:cxnSp>
+        <p:nvCxnSpPr>
+          <p:cNvPr id="76" name="직선 화살표 연결선 75">
+            <a:extLst>
+              <a:ext uri="{FF2B5EF4-FFF2-40B4-BE49-F238E27FC236}">
+                <a16:creationId xmlns:a16="http://schemas.microsoft.com/office/drawing/2014/main" id="{71A4F68B-6FB3-4154-B14A-7A06CD3ED174}"/>
+              </a:ext>
+            </a:extLst>
+          </p:cNvPr>
+          <p:cNvCxnSpPr>
+            <a:cxnSpLocks/>
+            <a:stCxn id="101" idx="3"/>
+            <a:endCxn id="118" idx="1"/>
+          </p:cNvCxnSpPr>
+          <p:nvPr/>
+        </p:nvCxnSpPr>
+        <p:spPr>
+          <a:xfrm flipV="1">
+            <a:off x="6271568" y="2257152"/>
+            <a:ext cx="231181" cy="149203"/>
+          </a:xfrm>
+          <a:prstGeom prst="straightConnector1">
+            <a:avLst/>
+          </a:prstGeom>
+          <a:ln w="28575">
+            <a:solidFill>
+              <a:schemeClr val="tx2"/>
+            </a:solidFill>
+            <a:headEnd type="none" w="med" len="med"/>
+            <a:tailEnd type="arrow" w="med" len="med"/>
+          </a:ln>
+        </p:spPr>
+        <p:style>
+          <a:lnRef idx="1">
+            <a:schemeClr val="accent1"/>
+          </a:lnRef>
+          <a:fillRef idx="0">
+            <a:schemeClr val="accent1"/>
+          </a:fillRef>
+          <a:effectRef idx="0">
+            <a:schemeClr val="accent1"/>
+          </a:effectRef>
+          <a:fontRef idx="minor">
+            <a:schemeClr val="tx1"/>
+          </a:fontRef>
+        </p:style>
+      </p:cxnSp>
+    </p:spTree>
+    <p:extLst>
+      <p:ext uri="{BB962C8B-B14F-4D97-AF65-F5344CB8AC3E}">
+        <p14:creationId xmlns:p14="http://schemas.microsoft.com/office/powerpoint/2010/main" val="3615160705"/>
+      </p:ext>
+    </p:extLst>
+  </p:cSld>
+  <p:clrMapOvr>
+    <a:masterClrMapping/>
+  </p:clrMapOvr>
+</p:sld>
+</file>
+
+<file path=ppt/slides/slide2.xml><?xml version="1.0" encoding="utf-8"?>
+<p:sld xmlns:a="http://schemas.openxmlformats.org/drawingml/2006/main" xmlns:r="http://schemas.openxmlformats.org/officeDocument/2006/relationships" xmlns:p="http://schemas.openxmlformats.org/presentationml/2006/main">
+  <p:cSld>
+    <p:spTree>
+      <p:nvGrpSpPr>
+        <p:cNvPr id="1" name=""/>
+        <p:cNvGrpSpPr/>
+        <p:nvPr/>
+      </p:nvGrpSpPr>
+      <p:grpSpPr>
+        <a:xfrm>
+          <a:off x="0" y="0"/>
+          <a:ext cx="0" cy="0"/>
+          <a:chOff x="0" y="0"/>
+          <a:chExt cx="0" cy="0"/>
+        </a:xfrm>
+      </p:grpSpPr>
+    </p:spTree>
+    <p:extLst>
+      <p:ext uri="{BB962C8B-B14F-4D97-AF65-F5344CB8AC3E}">
+        <p14:creationId xmlns:p14="http://schemas.microsoft.com/office/powerpoint/2010/main" val="51444043"/>
+      </p:ext>
+    </p:extLst>
+  </p:cSld>
+  <p:clrMapOvr>
+    <a:masterClrMapping/>
+  </p:clrMapOvr>
+</p:sld>
+</file>
+
+<file path=ppt/slides/slide3.xml><?xml version="1.0" encoding="utf-8"?>
+<p:sld xmlns:a="http://schemas.openxmlformats.org/drawingml/2006/main" xmlns:r="http://schemas.openxmlformats.org/officeDocument/2006/relationships" xmlns:p="http://schemas.openxmlformats.org/presentationml/2006/main">
+  <p:cSld>
+    <p:spTree>
+      <p:nvGrpSpPr>
+        <p:cNvPr id="1" name=""/>
+        <p:cNvGrpSpPr/>
+        <p:nvPr/>
+      </p:nvGrpSpPr>
+      <p:grpSpPr>
+        <a:xfrm>
+          <a:off x="0" y="0"/>
+          <a:ext cx="0" cy="0"/>
+          <a:chOff x="0" y="0"/>
+          <a:chExt cx="0" cy="0"/>
+        </a:xfrm>
+      </p:grpSpPr>
+      <p:sp>
+        <p:nvSpPr>
+          <p:cNvPr id="2" name="제목 1">
+            <a:extLst>
+              <a:ext uri="{FF2B5EF4-FFF2-40B4-BE49-F238E27FC236}">
+                <a16:creationId xmlns:a16="http://schemas.microsoft.com/office/drawing/2014/main" id="{A58C41DD-6036-4B59-828E-AEA6ED0A692C}"/>
+              </a:ext>
+            </a:extLst>
+          </p:cNvPr>
+          <p:cNvSpPr>
+            <a:spLocks noGrp="1"/>
+          </p:cNvSpPr>
+          <p:nvPr>
+            <p:ph type="title"/>
+          </p:nvPr>
+        </p:nvSpPr>
+        <p:spPr>
+          <a:xfrm>
+            <a:off x="457200" y="-164554"/>
+            <a:ext cx="8229600" cy="857250"/>
+          </a:xfrm>
+        </p:spPr>
+        <p:txBody>
+          <a:bodyPr/>
+          <a:lstStyle/>
+          <a:p>
+            <a:r>
+              <a:rPr lang="en-US" altLang="ko-KR"/>
+              <a:t>OpenStack CSI</a:t>
+            </a:r>
+            <a:endParaRPr lang="ko-KR" altLang="en-US"/>
+          </a:p>
+        </p:txBody>
+      </p:sp>
+      <p:sp>
+        <p:nvSpPr>
+          <p:cNvPr id="3" name="모서리가 둥근 직사각형 47">
+            <a:extLst>
+              <a:ext uri="{FF2B5EF4-FFF2-40B4-BE49-F238E27FC236}">
+                <a16:creationId xmlns:a16="http://schemas.microsoft.com/office/drawing/2014/main" id="{3671A6F6-BFFD-4BD5-921D-F8B3B95F3D7B}"/>
+              </a:ext>
+            </a:extLst>
+          </p:cNvPr>
+          <p:cNvSpPr/>
+          <p:nvPr/>
+        </p:nvSpPr>
+        <p:spPr>
+          <a:xfrm>
+            <a:off x="2274112" y="759317"/>
+            <a:ext cx="1289776" cy="804916"/>
+          </a:xfrm>
+          <a:prstGeom prst="roundRect">
+            <a:avLst>
+              <a:gd name="adj" fmla="val 7625"/>
+            </a:avLst>
+          </a:prstGeom>
+          <a:noFill/>
+        </p:spPr>
+        <p:style>
+          <a:lnRef idx="2">
+            <a:schemeClr val="dk1"/>
+          </a:lnRef>
+          <a:fillRef idx="1">
+            <a:schemeClr val="lt1"/>
+          </a:fillRef>
+          <a:effectRef idx="0">
+            <a:schemeClr val="dk1"/>
+          </a:effectRef>
+          <a:fontRef idx="minor">
+            <a:schemeClr val="dk1"/>
+          </a:fontRef>
+        </p:style>
+        <p:txBody>
+          <a:bodyPr rtlCol="0" anchor="t"/>
+          <a:lstStyle/>
+          <a:p>
+            <a:pPr algn="ctr"/>
+            <a:r>
+              <a:rPr lang="en-US" altLang="ko-KR" sz="1200"/>
+              <a:t>K8s Master VM</a:t>
+            </a:r>
+            <a:endParaRPr lang="en-US" altLang="ko-KR" sz="1200" dirty="0"/>
+          </a:p>
+        </p:txBody>
+      </p:sp>
+      <p:sp>
+        <p:nvSpPr>
+          <p:cNvPr id="5" name="모서리가 둥근 직사각형 18">
+            <a:extLst>
+              <a:ext uri="{FF2B5EF4-FFF2-40B4-BE49-F238E27FC236}">
+                <a16:creationId xmlns:a16="http://schemas.microsoft.com/office/drawing/2014/main" id="{490598AE-8A34-4781-B7CD-7B5EAA09C307}"/>
+              </a:ext>
+            </a:extLst>
+          </p:cNvPr>
+          <p:cNvSpPr/>
+          <p:nvPr/>
+        </p:nvSpPr>
+        <p:spPr>
+          <a:xfrm>
+            <a:off x="2372208" y="1094045"/>
+            <a:ext cx="1093581" cy="361808"/>
+          </a:xfrm>
+          <a:prstGeom prst="roundRect">
+            <a:avLst>
+              <a:gd name="adj" fmla="val 11578"/>
+            </a:avLst>
+          </a:prstGeom>
+          <a:noFill/>
+        </p:spPr>
+        <p:style>
+          <a:lnRef idx="2">
+            <a:schemeClr val="dk1"/>
+          </a:lnRef>
+          <a:fillRef idx="1">
+            <a:schemeClr val="lt1"/>
+          </a:fillRef>
+          <a:effectRef idx="0">
+            <a:schemeClr val="dk1"/>
+          </a:effectRef>
+          <a:fontRef idx="minor">
+            <a:schemeClr val="dk1"/>
+          </a:fontRef>
+        </p:style>
+        <p:txBody>
+          <a:bodyPr rtlCol="0" anchor="ctr"/>
+          <a:lstStyle/>
+          <a:p>
+            <a:pPr algn="ctr"/>
+            <a:r>
+              <a:rPr lang="en-US" altLang="ko-KR" sz="1100"/>
+              <a:t>K8s API</a:t>
+            </a:r>
+          </a:p>
+          <a:p>
+            <a:pPr algn="ctr"/>
+            <a:r>
+              <a:rPr lang="en-US" altLang="ko-KR" sz="1100"/>
+              <a:t>Server</a:t>
+            </a:r>
+            <a:endParaRPr lang="en-US" altLang="ko-KR" sz="1100" dirty="0"/>
+          </a:p>
+        </p:txBody>
+      </p:sp>
+      <p:sp>
+        <p:nvSpPr>
+          <p:cNvPr id="6" name="모서리가 둥근 직사각형 47">
+            <a:extLst>
+              <a:ext uri="{FF2B5EF4-FFF2-40B4-BE49-F238E27FC236}">
+                <a16:creationId xmlns:a16="http://schemas.microsoft.com/office/drawing/2014/main" id="{D32E7FC6-95F8-4160-81B2-9617D4B9D0A3}"/>
+              </a:ext>
+            </a:extLst>
+          </p:cNvPr>
+          <p:cNvSpPr/>
+          <p:nvPr/>
+        </p:nvSpPr>
+        <p:spPr>
+          <a:xfrm>
+            <a:off x="85725" y="1727718"/>
+            <a:ext cx="8937626" cy="2572224"/>
+          </a:xfrm>
+          <a:prstGeom prst="roundRect">
+            <a:avLst>
+              <a:gd name="adj" fmla="val 4508"/>
+            </a:avLst>
+          </a:prstGeom>
+          <a:noFill/>
+        </p:spPr>
+        <p:style>
+          <a:lnRef idx="2">
+            <a:schemeClr val="dk1"/>
+          </a:lnRef>
+          <a:fillRef idx="1">
+            <a:schemeClr val="lt1"/>
+          </a:fillRef>
+          <a:effectRef idx="0">
+            <a:schemeClr val="dk1"/>
+          </a:effectRef>
+          <a:fontRef idx="minor">
+            <a:schemeClr val="dk1"/>
+          </a:fontRef>
+        </p:style>
+        <p:txBody>
+          <a:bodyPr rtlCol="0" anchor="b"/>
+          <a:lstStyle/>
+          <a:p>
+            <a:pPr algn="ctr"/>
+            <a:r>
+              <a:rPr lang="en-US" altLang="ko-KR" sz="1200"/>
+              <a:t>K8s Worker VM</a:t>
+            </a:r>
+            <a:endParaRPr lang="en-US" altLang="ko-KR" sz="1200" dirty="0"/>
+          </a:p>
+        </p:txBody>
+      </p:sp>
+      <p:sp>
+        <p:nvSpPr>
+          <p:cNvPr id="7" name="모서리가 둥근 직사각형 47">
+            <a:extLst>
+              <a:ext uri="{FF2B5EF4-FFF2-40B4-BE49-F238E27FC236}">
+                <a16:creationId xmlns:a16="http://schemas.microsoft.com/office/drawing/2014/main" id="{0CCCFC66-58A3-4B49-8DEC-335D8F1DD19F}"/>
+              </a:ext>
+            </a:extLst>
+          </p:cNvPr>
+          <p:cNvSpPr/>
+          <p:nvPr/>
+        </p:nvSpPr>
+        <p:spPr>
+          <a:xfrm>
+            <a:off x="191619" y="1851670"/>
+            <a:ext cx="6100228" cy="1351904"/>
+          </a:xfrm>
+          <a:prstGeom prst="roundRect">
+            <a:avLst>
+              <a:gd name="adj" fmla="val 4508"/>
+            </a:avLst>
+          </a:prstGeom>
+          <a:noFill/>
+        </p:spPr>
+        <p:style>
+          <a:lnRef idx="2">
+            <a:schemeClr val="dk1"/>
+          </a:lnRef>
+          <a:fillRef idx="1">
+            <a:schemeClr val="lt1"/>
+          </a:fillRef>
+          <a:effectRef idx="0">
+            <a:schemeClr val="dk1"/>
+          </a:effectRef>
+          <a:fontRef idx="minor">
+            <a:schemeClr val="dk1"/>
+          </a:fontRef>
+        </p:style>
+        <p:txBody>
+          <a:bodyPr rtlCol="0" anchor="b"/>
+          <a:lstStyle/>
+          <a:p>
+            <a:r>
+              <a:rPr lang="en-US" altLang="ko-KR" sz="1200" b="1"/>
+              <a:t>Controller Plugin Pod</a:t>
+            </a:r>
+          </a:p>
+          <a:p>
+            <a:r>
+              <a:rPr lang="en-US" altLang="ko-KR" sz="1200"/>
+              <a:t>(Deployment / Statefulset)</a:t>
+            </a:r>
+            <a:endParaRPr lang="en-US" altLang="ko-KR" sz="1200" dirty="0"/>
+          </a:p>
+        </p:txBody>
+      </p:sp>
+      <p:sp>
+        <p:nvSpPr>
+          <p:cNvPr id="8" name="모서리가 둥근 직사각형 47">
+            <a:extLst>
+              <a:ext uri="{FF2B5EF4-FFF2-40B4-BE49-F238E27FC236}">
+                <a16:creationId xmlns:a16="http://schemas.microsoft.com/office/drawing/2014/main" id="{EE3CEA4D-725C-484C-B395-DACDA7F74C6B}"/>
+              </a:ext>
+            </a:extLst>
+          </p:cNvPr>
+          <p:cNvSpPr/>
+          <p:nvPr/>
+        </p:nvSpPr>
+        <p:spPr>
+          <a:xfrm>
+            <a:off x="307320" y="1967733"/>
+            <a:ext cx="1058207" cy="525336"/>
+          </a:xfrm>
+          <a:prstGeom prst="roundRect">
+            <a:avLst>
+              <a:gd name="adj" fmla="val 4508"/>
+            </a:avLst>
+          </a:prstGeom>
+          <a:noFill/>
+          <a:ln>
+            <a:solidFill>
+              <a:schemeClr val="accent3">
+                <a:lumMod val="50000"/>
+              </a:schemeClr>
+            </a:solidFill>
+          </a:ln>
+        </p:spPr>
+        <p:style>
+          <a:lnRef idx="2">
+            <a:schemeClr val="dk1"/>
+          </a:lnRef>
+          <a:fillRef idx="1">
+            <a:schemeClr val="lt1"/>
+          </a:fillRef>
+          <a:effectRef idx="0">
+            <a:schemeClr val="dk1"/>
+          </a:effectRef>
+          <a:fontRef idx="minor">
+            <a:schemeClr val="dk1"/>
+          </a:fontRef>
+        </p:style>
+        <p:txBody>
+          <a:bodyPr rtlCol="0" anchor="ctr"/>
+          <a:lstStyle/>
+          <a:p>
+            <a:pPr algn="ctr"/>
+            <a:r>
+              <a:rPr lang="en-US" altLang="ko-KR" sz="1200" b="1"/>
+              <a:t>csi-provisioner</a:t>
+            </a:r>
+          </a:p>
+        </p:txBody>
+      </p:sp>
+      <p:sp>
+        <p:nvSpPr>
+          <p:cNvPr id="9" name="모서리가 둥근 직사각형 47">
+            <a:extLst>
+              <a:ext uri="{FF2B5EF4-FFF2-40B4-BE49-F238E27FC236}">
+                <a16:creationId xmlns:a16="http://schemas.microsoft.com/office/drawing/2014/main" id="{2909749D-C2F7-4118-A37A-FD65C4126131}"/>
+              </a:ext>
+            </a:extLst>
+          </p:cNvPr>
+          <p:cNvSpPr/>
+          <p:nvPr/>
+        </p:nvSpPr>
+        <p:spPr>
+          <a:xfrm>
+            <a:off x="1502479" y="1967733"/>
+            <a:ext cx="1058207" cy="525336"/>
+          </a:xfrm>
+          <a:prstGeom prst="roundRect">
+            <a:avLst>
+              <a:gd name="adj" fmla="val 4508"/>
+            </a:avLst>
+          </a:prstGeom>
+          <a:noFill/>
+          <a:ln>
+            <a:solidFill>
+              <a:schemeClr val="accent3">
+                <a:lumMod val="50000"/>
+              </a:schemeClr>
+            </a:solidFill>
+          </a:ln>
+        </p:spPr>
+        <p:style>
+          <a:lnRef idx="2">
+            <a:schemeClr val="dk1"/>
+          </a:lnRef>
+          <a:fillRef idx="1">
+            <a:schemeClr val="lt1"/>
+          </a:fillRef>
+          <a:effectRef idx="0">
+            <a:schemeClr val="dk1"/>
+          </a:effectRef>
+          <a:fontRef idx="minor">
+            <a:schemeClr val="dk1"/>
+          </a:fontRef>
+        </p:style>
+        <p:txBody>
+          <a:bodyPr rtlCol="0" anchor="ctr"/>
+          <a:lstStyle/>
+          <a:p>
+            <a:pPr algn="ctr"/>
+            <a:r>
+              <a:rPr lang="en-US" altLang="ko-KR" sz="1200" b="1"/>
+              <a:t>csi-attacher</a:t>
+            </a:r>
+          </a:p>
+        </p:txBody>
+      </p:sp>
+      <p:sp>
+        <p:nvSpPr>
+          <p:cNvPr id="10" name="모서리가 둥근 직사각형 47">
+            <a:extLst>
+              <a:ext uri="{FF2B5EF4-FFF2-40B4-BE49-F238E27FC236}">
+                <a16:creationId xmlns:a16="http://schemas.microsoft.com/office/drawing/2014/main" id="{7EA8F380-969D-46B6-854D-6296069CBA0A}"/>
+              </a:ext>
+            </a:extLst>
+          </p:cNvPr>
+          <p:cNvSpPr/>
+          <p:nvPr/>
+        </p:nvSpPr>
+        <p:spPr>
+          <a:xfrm>
+            <a:off x="2703294" y="1967733"/>
+            <a:ext cx="1058207" cy="525336"/>
+          </a:xfrm>
+          <a:prstGeom prst="roundRect">
+            <a:avLst>
+              <a:gd name="adj" fmla="val 4508"/>
+            </a:avLst>
+          </a:prstGeom>
+          <a:noFill/>
+          <a:ln>
+            <a:solidFill>
+              <a:schemeClr val="accent3">
+                <a:lumMod val="50000"/>
+              </a:schemeClr>
+            </a:solidFill>
+          </a:ln>
+        </p:spPr>
+        <p:style>
+          <a:lnRef idx="2">
+            <a:schemeClr val="dk1"/>
+          </a:lnRef>
+          <a:fillRef idx="1">
+            <a:schemeClr val="lt1"/>
+          </a:fillRef>
+          <a:effectRef idx="0">
+            <a:schemeClr val="dk1"/>
+          </a:effectRef>
+          <a:fontRef idx="minor">
+            <a:schemeClr val="dk1"/>
+          </a:fontRef>
+        </p:style>
+        <p:txBody>
+          <a:bodyPr rtlCol="0" anchor="ctr"/>
+          <a:lstStyle/>
+          <a:p>
+            <a:pPr algn="ctr"/>
+            <a:r>
+              <a:rPr lang="en-US" altLang="ko-KR" sz="1200" b="1"/>
+              <a:t>csi-snapshotter</a:t>
+            </a:r>
+          </a:p>
+        </p:txBody>
+      </p:sp>
+      <p:sp>
+        <p:nvSpPr>
+          <p:cNvPr id="11" name="모서리가 둥근 직사각형 47">
+            <a:extLst>
+              <a:ext uri="{FF2B5EF4-FFF2-40B4-BE49-F238E27FC236}">
+                <a16:creationId xmlns:a16="http://schemas.microsoft.com/office/drawing/2014/main" id="{485A21D8-CD95-4DE0-8594-B18C82382778}"/>
+              </a:ext>
+            </a:extLst>
+          </p:cNvPr>
+          <p:cNvSpPr/>
+          <p:nvPr/>
+        </p:nvSpPr>
+        <p:spPr>
+          <a:xfrm>
+            <a:off x="3904108" y="1967733"/>
+            <a:ext cx="1058207" cy="525336"/>
+          </a:xfrm>
+          <a:prstGeom prst="roundRect">
+            <a:avLst>
+              <a:gd name="adj" fmla="val 4508"/>
+            </a:avLst>
+          </a:prstGeom>
+          <a:noFill/>
+          <a:ln>
+            <a:solidFill>
+              <a:schemeClr val="accent3">
+                <a:lumMod val="50000"/>
+              </a:schemeClr>
+            </a:solidFill>
+          </a:ln>
+        </p:spPr>
+        <p:style>
+          <a:lnRef idx="2">
+            <a:schemeClr val="dk1"/>
+          </a:lnRef>
+          <a:fillRef idx="1">
+            <a:schemeClr val="lt1"/>
+          </a:fillRef>
+          <a:effectRef idx="0">
+            <a:schemeClr val="dk1"/>
+          </a:effectRef>
+          <a:fontRef idx="minor">
+            <a:schemeClr val="dk1"/>
+          </a:fontRef>
+        </p:style>
+        <p:txBody>
+          <a:bodyPr rtlCol="0" anchor="ctr"/>
+          <a:lstStyle/>
+          <a:p>
+            <a:pPr algn="ctr"/>
+            <a:r>
+              <a:rPr lang="en-US" altLang="ko-KR" sz="1200" b="1"/>
+              <a:t>csi-resizer</a:t>
+            </a:r>
+          </a:p>
+        </p:txBody>
+      </p:sp>
+      <p:sp>
+        <p:nvSpPr>
+          <p:cNvPr id="12" name="모서리가 둥근 직사각형 47">
+            <a:extLst>
+              <a:ext uri="{FF2B5EF4-FFF2-40B4-BE49-F238E27FC236}">
+                <a16:creationId xmlns:a16="http://schemas.microsoft.com/office/drawing/2014/main" id="{4AC08C1A-3615-4CEE-9C8D-7C3AB88D420F}"/>
+              </a:ext>
+            </a:extLst>
+          </p:cNvPr>
+          <p:cNvSpPr/>
+          <p:nvPr/>
+        </p:nvSpPr>
+        <p:spPr>
+          <a:xfrm>
+            <a:off x="5104923" y="1967733"/>
+            <a:ext cx="1058207" cy="525336"/>
+          </a:xfrm>
+          <a:prstGeom prst="roundRect">
+            <a:avLst>
+              <a:gd name="adj" fmla="val 4508"/>
+            </a:avLst>
+          </a:prstGeom>
+          <a:noFill/>
+          <a:ln>
+            <a:solidFill>
+              <a:schemeClr val="accent6">
+                <a:lumMod val="50000"/>
+              </a:schemeClr>
+            </a:solidFill>
+          </a:ln>
+        </p:spPr>
+        <p:style>
+          <a:lnRef idx="2">
+            <a:schemeClr val="dk1"/>
+          </a:lnRef>
+          <a:fillRef idx="1">
+            <a:schemeClr val="lt1"/>
+          </a:fillRef>
+          <a:effectRef idx="0">
+            <a:schemeClr val="dk1"/>
+          </a:effectRef>
+          <a:fontRef idx="minor">
+            <a:schemeClr val="dk1"/>
+          </a:fontRef>
+        </p:style>
+        <p:txBody>
+          <a:bodyPr rtlCol="0" anchor="ctr"/>
+          <a:lstStyle/>
+          <a:p>
+            <a:pPr algn="ctr"/>
+            <a:r>
+              <a:rPr lang="en-US" altLang="ko-KR" sz="1200" b="1"/>
+              <a:t>cinder-csi-plugin</a:t>
+            </a:r>
+          </a:p>
+        </p:txBody>
+      </p:sp>
+      <p:sp>
+        <p:nvSpPr>
+          <p:cNvPr id="13" name="모서리가 둥근 직사각형 47">
+            <a:extLst>
+              <a:ext uri="{FF2B5EF4-FFF2-40B4-BE49-F238E27FC236}">
+                <a16:creationId xmlns:a16="http://schemas.microsoft.com/office/drawing/2014/main" id="{0D9C56C5-C853-40C7-852A-8CD94EC8C0B7}"/>
+              </a:ext>
+            </a:extLst>
+          </p:cNvPr>
+          <p:cNvSpPr/>
+          <p:nvPr/>
+        </p:nvSpPr>
+        <p:spPr>
+          <a:xfrm>
+            <a:off x="4860032" y="759317"/>
+            <a:ext cx="2153490" cy="804916"/>
+          </a:xfrm>
+          <a:prstGeom prst="roundRect">
+            <a:avLst>
+              <a:gd name="adj" fmla="val 7625"/>
+            </a:avLst>
+          </a:prstGeom>
+          <a:noFill/>
+        </p:spPr>
+        <p:style>
+          <a:lnRef idx="2">
+            <a:schemeClr val="dk1"/>
+          </a:lnRef>
+          <a:fillRef idx="1">
+            <a:schemeClr val="lt1"/>
+          </a:fillRef>
+          <a:effectRef idx="0">
+            <a:schemeClr val="dk1"/>
+          </a:effectRef>
+          <a:fontRef idx="minor">
+            <a:schemeClr val="dk1"/>
+          </a:fontRef>
+        </p:style>
+        <p:txBody>
+          <a:bodyPr rtlCol="0" anchor="t"/>
+          <a:lstStyle/>
+          <a:p>
+            <a:pPr algn="ctr"/>
+            <a:r>
+              <a:rPr lang="en-US" altLang="ko-KR" sz="1200"/>
+              <a:t>OpenStack Controller Node</a:t>
+            </a:r>
+            <a:endParaRPr lang="en-US" altLang="ko-KR" sz="1200" dirty="0"/>
+          </a:p>
+        </p:txBody>
+      </p:sp>
+      <p:sp>
+        <p:nvSpPr>
+          <p:cNvPr id="14" name="모서리가 둥근 직사각형 18">
+            <a:extLst>
+              <a:ext uri="{FF2B5EF4-FFF2-40B4-BE49-F238E27FC236}">
+                <a16:creationId xmlns:a16="http://schemas.microsoft.com/office/drawing/2014/main" id="{18661FEE-5340-4960-B4D3-276A5C1DDC2C}"/>
+              </a:ext>
+            </a:extLst>
+          </p:cNvPr>
+          <p:cNvSpPr/>
+          <p:nvPr/>
+        </p:nvSpPr>
+        <p:spPr>
+          <a:xfrm>
+            <a:off x="4968848" y="1094045"/>
+            <a:ext cx="908074" cy="361808"/>
+          </a:xfrm>
+          <a:prstGeom prst="roundRect">
+            <a:avLst>
+              <a:gd name="adj" fmla="val 11578"/>
+            </a:avLst>
+          </a:prstGeom>
+          <a:noFill/>
+        </p:spPr>
+        <p:style>
+          <a:lnRef idx="2">
+            <a:schemeClr val="dk1"/>
+          </a:lnRef>
+          <a:fillRef idx="1">
+            <a:schemeClr val="lt1"/>
+          </a:fillRef>
+          <a:effectRef idx="0">
+            <a:schemeClr val="dk1"/>
+          </a:effectRef>
+          <a:fontRef idx="minor">
+            <a:schemeClr val="dk1"/>
+          </a:fontRef>
+        </p:style>
+        <p:txBody>
+          <a:bodyPr rtlCol="0" anchor="ctr"/>
+          <a:lstStyle/>
+          <a:p>
+            <a:pPr algn="ctr"/>
+            <a:r>
+              <a:rPr lang="en-US" altLang="ko-KR" sz="1100"/>
+              <a:t>Cinder </a:t>
+            </a:r>
+          </a:p>
+          <a:p>
+            <a:pPr algn="ctr"/>
+            <a:r>
+              <a:rPr lang="en-US" altLang="ko-KR" sz="1100"/>
+              <a:t>API Server</a:t>
+            </a:r>
+            <a:endParaRPr lang="en-US" altLang="ko-KR" sz="1100" dirty="0"/>
+          </a:p>
+        </p:txBody>
+      </p:sp>
+      <p:sp>
+        <p:nvSpPr>
+          <p:cNvPr id="15" name="모서리가 둥근 직사각형 18">
+            <a:extLst>
+              <a:ext uri="{FF2B5EF4-FFF2-40B4-BE49-F238E27FC236}">
+                <a16:creationId xmlns:a16="http://schemas.microsoft.com/office/drawing/2014/main" id="{9D8288CC-25D7-480C-8CA0-B97546AADD8F}"/>
+              </a:ext>
+            </a:extLst>
+          </p:cNvPr>
+          <p:cNvSpPr/>
+          <p:nvPr/>
+        </p:nvSpPr>
+        <p:spPr>
+          <a:xfrm>
+            <a:off x="5995317" y="1094045"/>
+            <a:ext cx="908074" cy="361808"/>
+          </a:xfrm>
+          <a:prstGeom prst="roundRect">
+            <a:avLst>
+              <a:gd name="adj" fmla="val 11578"/>
+            </a:avLst>
+          </a:prstGeom>
+          <a:noFill/>
+        </p:spPr>
+        <p:style>
+          <a:lnRef idx="2">
+            <a:schemeClr val="dk1"/>
+          </a:lnRef>
+          <a:fillRef idx="1">
+            <a:schemeClr val="lt1"/>
+          </a:fillRef>
+          <a:effectRef idx="0">
+            <a:schemeClr val="dk1"/>
+          </a:effectRef>
+          <a:fontRef idx="minor">
+            <a:schemeClr val="dk1"/>
+          </a:fontRef>
+        </p:style>
+        <p:txBody>
+          <a:bodyPr rtlCol="0" anchor="ctr"/>
+          <a:lstStyle/>
+          <a:p>
+            <a:pPr algn="ctr"/>
+            <a:r>
+              <a:rPr lang="en-US" altLang="ko-KR" sz="1100"/>
+              <a:t>Keystone API Server</a:t>
+            </a:r>
+            <a:endParaRPr lang="en-US" altLang="ko-KR" sz="1100" dirty="0"/>
+          </a:p>
+        </p:txBody>
+      </p:sp>
+      <p:cxnSp>
+        <p:nvCxnSpPr>
+          <p:cNvPr id="17" name="직선 화살표 연결선 16">
+            <a:extLst>
+              <a:ext uri="{FF2B5EF4-FFF2-40B4-BE49-F238E27FC236}">
+                <a16:creationId xmlns:a16="http://schemas.microsoft.com/office/drawing/2014/main" id="{ED25E28C-1C87-4E15-BAEB-D583583A2049}"/>
+              </a:ext>
+            </a:extLst>
+          </p:cNvPr>
+          <p:cNvCxnSpPr>
+            <a:cxnSpLocks/>
+            <a:stCxn id="5" idx="2"/>
+            <a:endCxn id="8" idx="0"/>
+          </p:cNvCxnSpPr>
+          <p:nvPr/>
+        </p:nvCxnSpPr>
+        <p:spPr>
+          <a:xfrm flipH="1">
+            <a:off x="836424" y="1455853"/>
+            <a:ext cx="2082575" cy="511880"/>
+          </a:xfrm>
+          <a:prstGeom prst="straightConnector1">
+            <a:avLst/>
+          </a:prstGeom>
+          <a:ln w="28575">
+            <a:solidFill>
+              <a:srgbClr val="C00000"/>
+            </a:solidFill>
+            <a:headEnd type="none" w="med" len="med"/>
+            <a:tailEnd type="arrow" w="med" len="med"/>
+          </a:ln>
+        </p:spPr>
+        <p:style>
+          <a:lnRef idx="1">
+            <a:schemeClr val="accent1"/>
+          </a:lnRef>
+          <a:fillRef idx="0">
+            <a:schemeClr val="accent1"/>
+          </a:fillRef>
+          <a:effectRef idx="0">
+            <a:schemeClr val="accent1"/>
+          </a:effectRef>
+          <a:fontRef idx="minor">
+            <a:schemeClr val="tx1"/>
+          </a:fontRef>
+        </p:style>
+      </p:cxnSp>
+      <p:cxnSp>
+        <p:nvCxnSpPr>
+          <p:cNvPr id="18" name="직선 화살표 연결선 17">
+            <a:extLst>
+              <a:ext uri="{FF2B5EF4-FFF2-40B4-BE49-F238E27FC236}">
+                <a16:creationId xmlns:a16="http://schemas.microsoft.com/office/drawing/2014/main" id="{39CE4104-57AA-4AB8-8556-D33ACFBE8CFC}"/>
+              </a:ext>
+            </a:extLst>
+          </p:cNvPr>
+          <p:cNvCxnSpPr>
+            <a:cxnSpLocks/>
+            <a:stCxn id="5" idx="2"/>
+            <a:endCxn id="9" idx="0"/>
+          </p:cNvCxnSpPr>
+          <p:nvPr/>
+        </p:nvCxnSpPr>
+        <p:spPr>
+          <a:xfrm flipH="1">
+            <a:off x="2031583" y="1455853"/>
+            <a:ext cx="887416" cy="511880"/>
+          </a:xfrm>
+          <a:prstGeom prst="straightConnector1">
+            <a:avLst/>
+          </a:prstGeom>
+          <a:ln w="28575">
+            <a:solidFill>
+              <a:srgbClr val="C00000"/>
+            </a:solidFill>
+            <a:headEnd type="none" w="med" len="med"/>
+            <a:tailEnd type="arrow" w="med" len="med"/>
+          </a:ln>
+        </p:spPr>
+        <p:style>
+          <a:lnRef idx="1">
+            <a:schemeClr val="accent1"/>
+          </a:lnRef>
+          <a:fillRef idx="0">
+            <a:schemeClr val="accent1"/>
+          </a:fillRef>
+          <a:effectRef idx="0">
+            <a:schemeClr val="accent1"/>
+          </a:effectRef>
+          <a:fontRef idx="minor">
+            <a:schemeClr val="tx1"/>
+          </a:fontRef>
+        </p:style>
+      </p:cxnSp>
+      <p:cxnSp>
+        <p:nvCxnSpPr>
+          <p:cNvPr id="21" name="직선 화살표 연결선 20">
+            <a:extLst>
+              <a:ext uri="{FF2B5EF4-FFF2-40B4-BE49-F238E27FC236}">
+                <a16:creationId xmlns:a16="http://schemas.microsoft.com/office/drawing/2014/main" id="{82E08498-7132-491B-9FA6-D077D9BF59E0}"/>
+              </a:ext>
+            </a:extLst>
+          </p:cNvPr>
+          <p:cNvCxnSpPr>
+            <a:cxnSpLocks/>
+            <a:stCxn id="5" idx="2"/>
+            <a:endCxn id="10" idx="0"/>
+          </p:cNvCxnSpPr>
+          <p:nvPr/>
+        </p:nvCxnSpPr>
+        <p:spPr>
+          <a:xfrm>
+            <a:off x="2918999" y="1455853"/>
+            <a:ext cx="313399" cy="511880"/>
+          </a:xfrm>
+          <a:prstGeom prst="straightConnector1">
+            <a:avLst/>
+          </a:prstGeom>
+          <a:ln w="28575">
+            <a:solidFill>
+              <a:srgbClr val="C00000"/>
+            </a:solidFill>
+            <a:headEnd type="none" w="med" len="med"/>
+            <a:tailEnd type="arrow" w="med" len="med"/>
+          </a:ln>
+        </p:spPr>
+        <p:style>
+          <a:lnRef idx="1">
+            <a:schemeClr val="accent1"/>
+          </a:lnRef>
+          <a:fillRef idx="0">
+            <a:schemeClr val="accent1"/>
+          </a:fillRef>
+          <a:effectRef idx="0">
+            <a:schemeClr val="accent1"/>
+          </a:effectRef>
+          <a:fontRef idx="minor">
+            <a:schemeClr val="tx1"/>
+          </a:fontRef>
+        </p:style>
+      </p:cxnSp>
+      <p:cxnSp>
+        <p:nvCxnSpPr>
+          <p:cNvPr id="24" name="직선 화살표 연결선 23">
+            <a:extLst>
+              <a:ext uri="{FF2B5EF4-FFF2-40B4-BE49-F238E27FC236}">
+                <a16:creationId xmlns:a16="http://schemas.microsoft.com/office/drawing/2014/main" id="{5CC1F81A-F668-49AE-A269-B295F1CE37DB}"/>
+              </a:ext>
+            </a:extLst>
+          </p:cNvPr>
+          <p:cNvCxnSpPr>
+            <a:cxnSpLocks/>
+            <a:stCxn id="5" idx="2"/>
+            <a:endCxn id="11" idx="0"/>
+          </p:cNvCxnSpPr>
+          <p:nvPr/>
+        </p:nvCxnSpPr>
+        <p:spPr>
+          <a:xfrm>
+            <a:off x="2918999" y="1455853"/>
+            <a:ext cx="1514213" cy="511880"/>
+          </a:xfrm>
+          <a:prstGeom prst="straightConnector1">
+            <a:avLst/>
+          </a:prstGeom>
+          <a:ln w="28575">
+            <a:solidFill>
+              <a:srgbClr val="C00000"/>
+            </a:solidFill>
+            <a:headEnd type="none" w="med" len="med"/>
+            <a:tailEnd type="arrow" w="med" len="med"/>
+          </a:ln>
+        </p:spPr>
+        <p:style>
+          <a:lnRef idx="1">
+            <a:schemeClr val="accent1"/>
+          </a:lnRef>
+          <a:fillRef idx="0">
+            <a:schemeClr val="accent1"/>
+          </a:fillRef>
+          <a:effectRef idx="0">
+            <a:schemeClr val="accent1"/>
+          </a:effectRef>
+          <a:fontRef idx="minor">
+            <a:schemeClr val="tx1"/>
+          </a:fontRef>
+        </p:style>
+      </p:cxnSp>
       <p:sp>
         <p:nvSpPr>
           <p:cNvPr id="28" name="모서리가 둥근 직사각형 47">
@@ -4284,7 +6992,7 @@
         </p:nvSpPr>
         <p:spPr>
           <a:xfrm>
-            <a:off x="2620248" y="3747488"/>
+            <a:off x="2620248" y="2675908"/>
             <a:ext cx="1224300" cy="441623"/>
           </a:xfrm>
           <a:prstGeom prst="roundRect">
@@ -4346,8 +7054,8 @@
         </p:nvCxnSpPr>
         <p:spPr>
           <a:xfrm>
-            <a:off x="836424" y="3036983"/>
-            <a:ext cx="2395974" cy="710505"/>
+            <a:off x="836424" y="2493069"/>
+            <a:ext cx="2395974" cy="182839"/>
           </a:xfrm>
           <a:prstGeom prst="straightConnector1">
             <a:avLst/>
@@ -4393,8 +7101,8 @@
         </p:nvCxnSpPr>
         <p:spPr>
           <a:xfrm>
-            <a:off x="2031583" y="3036983"/>
-            <a:ext cx="1200815" cy="710505"/>
+            <a:off x="2031583" y="2493069"/>
+            <a:ext cx="1200815" cy="182839"/>
           </a:xfrm>
           <a:prstGeom prst="straightConnector1">
             <a:avLst/>
@@ -4440,8 +7148,8 @@
         </p:nvCxnSpPr>
         <p:spPr>
           <a:xfrm>
-            <a:off x="3232398" y="3036983"/>
-            <a:ext cx="0" cy="710505"/>
+            <a:off x="3232398" y="2493069"/>
+            <a:ext cx="0" cy="182839"/>
           </a:xfrm>
           <a:prstGeom prst="straightConnector1">
             <a:avLst/>
@@ -4487,8 +7195,8 @@
         </p:nvCxnSpPr>
         <p:spPr>
           <a:xfrm flipH="1">
-            <a:off x="3232398" y="3036983"/>
-            <a:ext cx="1200814" cy="710505"/>
+            <a:off x="3232398" y="2493069"/>
+            <a:ext cx="1200814" cy="182839"/>
           </a:xfrm>
           <a:prstGeom prst="straightConnector1">
             <a:avLst/>
@@ -4534,8 +7242,8 @@
         </p:nvCxnSpPr>
         <p:spPr>
           <a:xfrm flipV="1">
-            <a:off x="3844548" y="3036983"/>
-            <a:ext cx="1789479" cy="931317"/>
+            <a:off x="3844548" y="2493069"/>
+            <a:ext cx="1789479" cy="403651"/>
           </a:xfrm>
           <a:prstGeom prst="straightConnector1">
             <a:avLst/>
@@ -4577,7 +7285,7 @@
         </p:nvSpPr>
         <p:spPr>
           <a:xfrm>
-            <a:off x="6407547" y="2395583"/>
+            <a:off x="6407547" y="3003798"/>
             <a:ext cx="2507853" cy="1166737"/>
           </a:xfrm>
           <a:prstGeom prst="roundRect">
@@ -4640,7 +7348,7 @@
         <p:spPr>
           <a:xfrm flipV="1">
             <a:off x="5634027" y="1564233"/>
-            <a:ext cx="302750" cy="947414"/>
+            <a:ext cx="302750" cy="403500"/>
           </a:xfrm>
           <a:prstGeom prst="straightConnector1">
             <a:avLst/>
@@ -4682,7 +7390,7 @@
         </p:nvSpPr>
         <p:spPr>
           <a:xfrm>
-            <a:off x="6502749" y="2511647"/>
+            <a:off x="6502749" y="3119862"/>
             <a:ext cx="1058207" cy="525336"/>
           </a:xfrm>
           <a:prstGeom prst="roundRect">
@@ -4739,7 +7447,7 @@
         </p:nvSpPr>
         <p:spPr>
           <a:xfrm>
-            <a:off x="7677105" y="2511647"/>
+            <a:off x="7677105" y="3119862"/>
             <a:ext cx="1125706" cy="525336"/>
           </a:xfrm>
           <a:prstGeom prst="roundRect">
@@ -4796,7 +7504,7 @@
         </p:nvSpPr>
         <p:spPr>
           <a:xfrm>
-            <a:off x="5828629" y="3747487"/>
+            <a:off x="5235855" y="3334909"/>
             <a:ext cx="1055992" cy="441623"/>
           </a:xfrm>
           <a:prstGeom prst="roundRect">
@@ -4850,7 +7558,7 @@
           </p:cNvPr>
           <p:cNvCxnSpPr>
             <a:cxnSpLocks/>
-            <a:stCxn id="63" idx="0"/>
+            <a:stCxn id="63" idx="1"/>
             <a:endCxn id="13" idx="2"/>
           </p:cNvCxnSpPr>
           <p:nvPr/>
@@ -4858,7 +7566,7 @@
         <p:spPr>
           <a:xfrm flipH="1" flipV="1">
             <a:off x="5936777" y="1564233"/>
-            <a:ext cx="1095076" cy="947414"/>
+            <a:ext cx="565972" cy="1818297"/>
           </a:xfrm>
           <a:prstGeom prst="straightConnector1">
             <a:avLst/>
@@ -4898,14 +7606,14 @@
           <p:cNvCxnSpPr>
             <a:cxnSpLocks/>
             <a:stCxn id="5" idx="2"/>
-            <a:endCxn id="64" idx="0"/>
+            <a:endCxn id="101" idx="1"/>
           </p:cNvCxnSpPr>
           <p:nvPr/>
         </p:nvCxnSpPr>
         <p:spPr>
           <a:xfrm>
             <a:off x="2918999" y="1455853"/>
-            <a:ext cx="5320959" cy="1055794"/>
+            <a:ext cx="3584726" cy="608059"/>
           </a:xfrm>
           <a:prstGeom prst="straightConnector1">
             <a:avLst/>
@@ -5111,8 +7819,8 @@
         </p:nvSpPr>
         <p:spPr>
           <a:xfrm>
-            <a:off x="6407547" y="1843100"/>
-            <a:ext cx="1016002" cy="441623"/>
+            <a:off x="6503725" y="1843100"/>
+            <a:ext cx="1057229" cy="441623"/>
           </a:xfrm>
           <a:prstGeom prst="roundRect">
             <a:avLst>
@@ -5161,8 +7869,8 @@
         </p:nvSpPr>
         <p:spPr>
           <a:xfrm>
-            <a:off x="7084105" y="3747488"/>
-            <a:ext cx="1224300" cy="441623"/>
+            <a:off x="6502749" y="2441484"/>
+            <a:ext cx="1058206" cy="441623"/>
           </a:xfrm>
           <a:prstGeom prst="roundRect">
             <a:avLst>
@@ -5207,24 +7915,24 @@
       </p:sp>
       <p:cxnSp>
         <p:nvCxnSpPr>
-          <p:cNvPr id="119" name="직선 화살표 연결선 118">
+          <p:cNvPr id="122" name="직선 화살표 연결선 121">
             <a:extLst>
               <a:ext uri="{FF2B5EF4-FFF2-40B4-BE49-F238E27FC236}">
-                <a16:creationId xmlns:a16="http://schemas.microsoft.com/office/drawing/2014/main" id="{F457A13D-CEC0-4EA7-8109-AA5E6927858F}"/>
+                <a16:creationId xmlns:a16="http://schemas.microsoft.com/office/drawing/2014/main" id="{2DB3181B-551D-4600-8987-2C2D45EB2A95}"/>
               </a:ext>
             </a:extLst>
           </p:cNvPr>
           <p:cNvCxnSpPr>
             <a:cxnSpLocks/>
-            <a:stCxn id="64" idx="2"/>
-            <a:endCxn id="118" idx="0"/>
+            <a:stCxn id="118" idx="2"/>
+            <a:endCxn id="63" idx="0"/>
           </p:cNvCxnSpPr>
           <p:nvPr/>
         </p:nvCxnSpPr>
         <p:spPr>
-          <a:xfrm flipH="1">
-            <a:off x="7696255" y="3036983"/>
-            <a:ext cx="543703" cy="710505"/>
+          <a:xfrm>
+            <a:off x="7031852" y="2883107"/>
+            <a:ext cx="1" cy="236755"/>
           </a:xfrm>
           <a:prstGeom prst="straightConnector1">
             <a:avLst/>
@@ -5252,53 +7960,6 @@
           </a:fontRef>
         </p:style>
       </p:cxnSp>
-      <p:cxnSp>
-        <p:nvCxnSpPr>
-          <p:cNvPr id="122" name="직선 화살표 연결선 121">
-            <a:extLst>
-              <a:ext uri="{FF2B5EF4-FFF2-40B4-BE49-F238E27FC236}">
-                <a16:creationId xmlns:a16="http://schemas.microsoft.com/office/drawing/2014/main" id="{2DB3181B-551D-4600-8987-2C2D45EB2A95}"/>
-              </a:ext>
-            </a:extLst>
-          </p:cNvPr>
-          <p:cNvCxnSpPr>
-            <a:cxnSpLocks/>
-            <a:stCxn id="118" idx="0"/>
-            <a:endCxn id="63" idx="2"/>
-          </p:cNvCxnSpPr>
-          <p:nvPr/>
-        </p:nvCxnSpPr>
-        <p:spPr>
-          <a:xfrm flipH="1" flipV="1">
-            <a:off x="7031853" y="3036983"/>
-            <a:ext cx="664402" cy="710505"/>
-          </a:xfrm>
-          <a:prstGeom prst="straightConnector1">
-            <a:avLst/>
-          </a:prstGeom>
-          <a:ln w="28575">
-            <a:solidFill>
-              <a:schemeClr val="tx2"/>
-            </a:solidFill>
-            <a:headEnd type="none" w="med" len="med"/>
-            <a:tailEnd type="arrow" w="med" len="med"/>
-          </a:ln>
-        </p:spPr>
-        <p:style>
-          <a:lnRef idx="1">
-            <a:schemeClr val="accent1"/>
-          </a:lnRef>
-          <a:fillRef idx="0">
-            <a:schemeClr val="accent1"/>
-          </a:fillRef>
-          <a:effectRef idx="0">
-            <a:schemeClr val="accent1"/>
-          </a:effectRef>
-          <a:fontRef idx="minor">
-            <a:schemeClr val="tx1"/>
-          </a:fontRef>
-        </p:style>
-      </p:cxnSp>
       <p:sp>
         <p:nvSpPr>
           <p:cNvPr id="129" name="모서리가 둥근 직사각형 47">
@@ -5313,8 +7974,8 @@
         </p:nvSpPr>
         <p:spPr>
           <a:xfrm>
-            <a:off x="7627808" y="1846296"/>
-            <a:ext cx="1224300" cy="441623"/>
+            <a:off x="7677104" y="2455096"/>
+            <a:ext cx="1125707" cy="441623"/>
           </a:xfrm>
           <a:prstGeom prst="roundRect">
             <a:avLst>
@@ -5344,7 +8005,7 @@
             <a:pPr algn="ctr"/>
             <a:r>
               <a:rPr lang="en-US" altLang="ko-KR" sz="1200" b="1"/>
-              <a:t>csi.sock (regi)</a:t>
+              <a:t>regi.sock</a:t>
             </a:r>
           </a:p>
           <a:p>
@@ -5375,8 +8036,8 @@
         </p:nvCxnSpPr>
         <p:spPr>
           <a:xfrm flipV="1">
-            <a:off x="8239958" y="2287919"/>
-            <a:ext cx="0" cy="223728"/>
+            <a:off x="8239958" y="2896719"/>
+            <a:ext cx="0" cy="223143"/>
           </a:xfrm>
           <a:prstGeom prst="straightConnector1">
             <a:avLst/>
@@ -5415,15 +8076,15 @@
           </p:cNvPr>
           <p:cNvCxnSpPr>
             <a:cxnSpLocks/>
-            <a:stCxn id="129" idx="1"/>
+            <a:stCxn id="129" idx="0"/>
             <a:endCxn id="101" idx="3"/>
           </p:cNvCxnSpPr>
           <p:nvPr/>
         </p:nvCxnSpPr>
         <p:spPr>
           <a:xfrm flipH="1" flipV="1">
-            <a:off x="7423549" y="2063912"/>
-            <a:ext cx="204259" cy="3196"/>
+            <a:off x="7560954" y="2063912"/>
+            <a:ext cx="679004" cy="391184"/>
           </a:xfrm>
           <a:prstGeom prst="straightConnector1">
             <a:avLst/>
@@ -5469,8 +8130,8 @@
         </p:nvCxnSpPr>
         <p:spPr>
           <a:xfrm flipH="1" flipV="1">
-            <a:off x="5634027" y="3036983"/>
-            <a:ext cx="722598" cy="710504"/>
+            <a:off x="5634027" y="2493069"/>
+            <a:ext cx="129824" cy="841840"/>
           </a:xfrm>
           <a:prstGeom prst="straightConnector1">
             <a:avLst/>
@@ -5510,15 +8171,15 @@
           </p:cNvPr>
           <p:cNvCxnSpPr>
             <a:cxnSpLocks/>
-            <a:stCxn id="66" idx="0"/>
-            <a:endCxn id="63" idx="2"/>
+            <a:stCxn id="66" idx="3"/>
+            <a:endCxn id="63" idx="1"/>
           </p:cNvCxnSpPr>
           <p:nvPr/>
         </p:nvCxnSpPr>
         <p:spPr>
           <a:xfrm flipV="1">
-            <a:off x="6356625" y="3036983"/>
-            <a:ext cx="675228" cy="710504"/>
+            <a:off x="6291847" y="3382530"/>
+            <a:ext cx="210902" cy="173191"/>
           </a:xfrm>
           <a:prstGeom prst="straightConnector1">
             <a:avLst/>
@@ -5816,10 +8477,57 @@
           </a:p>
         </p:txBody>
       </p:sp>
+      <p:cxnSp>
+        <p:nvCxnSpPr>
+          <p:cNvPr id="76" name="직선 화살표 연결선 75">
+            <a:extLst>
+              <a:ext uri="{FF2B5EF4-FFF2-40B4-BE49-F238E27FC236}">
+                <a16:creationId xmlns:a16="http://schemas.microsoft.com/office/drawing/2014/main" id="{71A4F68B-6FB3-4154-B14A-7A06CD3ED174}"/>
+              </a:ext>
+            </a:extLst>
+          </p:cNvPr>
+          <p:cNvCxnSpPr>
+            <a:cxnSpLocks/>
+            <a:stCxn id="101" idx="2"/>
+            <a:endCxn id="118" idx="0"/>
+          </p:cNvCxnSpPr>
+          <p:nvPr/>
+        </p:nvCxnSpPr>
+        <p:spPr>
+          <a:xfrm flipH="1">
+            <a:off x="7031852" y="2284723"/>
+            <a:ext cx="488" cy="156761"/>
+          </a:xfrm>
+          <a:prstGeom prst="straightConnector1">
+            <a:avLst/>
+          </a:prstGeom>
+          <a:ln w="28575">
+            <a:solidFill>
+              <a:schemeClr val="tx2"/>
+            </a:solidFill>
+            <a:headEnd type="none" w="med" len="med"/>
+            <a:tailEnd type="arrow" w="med" len="med"/>
+          </a:ln>
+        </p:spPr>
+        <p:style>
+          <a:lnRef idx="1">
+            <a:schemeClr val="accent1"/>
+          </a:lnRef>
+          <a:fillRef idx="0">
+            <a:schemeClr val="accent1"/>
+          </a:fillRef>
+          <a:effectRef idx="0">
+            <a:schemeClr val="accent1"/>
+          </a:effectRef>
+          <a:fontRef idx="minor">
+            <a:schemeClr val="tx1"/>
+          </a:fontRef>
+        </p:style>
+      </p:cxnSp>
     </p:spTree>
     <p:extLst>
       <p:ext uri="{BB962C8B-B14F-4D97-AF65-F5344CB8AC3E}">
-        <p14:creationId xmlns:p14="http://schemas.microsoft.com/office/powerpoint/2010/main" val="3615160705"/>
+        <p14:creationId xmlns:p14="http://schemas.microsoft.com/office/powerpoint/2010/main" val="1167319711"/>
       </p:ext>
     </p:extLst>
   </p:cSld>

--- a/images/theory_analysis/Kubernetes_OpenStack_Cinder_CSI_Plugin/Kubernetes_OpenStack_Cinder_CSI_Plugin.pptx
+++ b/images/theory_analysis/Kubernetes_OpenStack_Cinder_CSI_Plugin/Kubernetes_OpenStack_Cinder_CSI_Plugin.pptx
@@ -5,12 +5,13 @@
     <p:sldMasterId id="2147483648" r:id="rId1"/>
   </p:sldMasterIdLst>
   <p:notesMasterIdLst>
-    <p:notesMasterId r:id="rId5"/>
+    <p:notesMasterId r:id="rId6"/>
   </p:notesMasterIdLst>
   <p:sldIdLst>
     <p:sldId id="398" r:id="rId2"/>
-    <p:sldId id="400" r:id="rId3"/>
-    <p:sldId id="399" r:id="rId4"/>
+    <p:sldId id="424" r:id="rId3"/>
+    <p:sldId id="400" r:id="rId4"/>
+    <p:sldId id="399" r:id="rId5"/>
   </p:sldIdLst>
   <p:sldSz cx="9144000" cy="5143500" type="screen16x9"/>
   <p:notesSz cx="6858000" cy="9144000"/>
@@ -215,7 +216,7 @@
           <a:p>
             <a:fld id="{6CD5550B-26C4-49A9-A5BA-636EF7BE6CE9}" type="datetimeFigureOut">
               <a:rPr lang="ko-KR" altLang="en-US" smtClean="0"/>
-              <a:t>2019-10-28</a:t>
+              <a:t>2020-05-04</a:t>
             </a:fld>
             <a:endParaRPr lang="ko-KR" altLang="en-US"/>
           </a:p>
@@ -482,6 +483,90 @@
 </p:notesMaster>
 </file>
 
+<file path=ppt/notesSlides/notesSlide1.xml><?xml version="1.0" encoding="utf-8"?>
+<p:notes xmlns:a="http://schemas.openxmlformats.org/drawingml/2006/main" xmlns:r="http://schemas.openxmlformats.org/officeDocument/2006/relationships" xmlns:p="http://schemas.openxmlformats.org/presentationml/2006/main">
+  <p:cSld>
+    <p:spTree>
+      <p:nvGrpSpPr>
+        <p:cNvPr id="1" name=""/>
+        <p:cNvGrpSpPr/>
+        <p:nvPr/>
+      </p:nvGrpSpPr>
+      <p:grpSpPr>
+        <a:xfrm>
+          <a:off x="0" y="0"/>
+          <a:ext cx="0" cy="0"/>
+          <a:chOff x="0" y="0"/>
+          <a:chExt cx="0" cy="0"/>
+        </a:xfrm>
+      </p:grpSpPr>
+      <p:sp>
+        <p:nvSpPr>
+          <p:cNvPr id="2" name="슬라이드 이미지 개체 틀 1"/>
+          <p:cNvSpPr>
+            <a:spLocks noGrp="1" noRot="1" noChangeAspect="1"/>
+          </p:cNvSpPr>
+          <p:nvPr>
+            <p:ph type="sldImg"/>
+          </p:nvPr>
+        </p:nvSpPr>
+        <p:spPr/>
+      </p:sp>
+      <p:sp>
+        <p:nvSpPr>
+          <p:cNvPr id="3" name="슬라이드 노트 개체 틀 2"/>
+          <p:cNvSpPr>
+            <a:spLocks noGrp="1"/>
+          </p:cNvSpPr>
+          <p:nvPr>
+            <p:ph type="body" idx="1"/>
+          </p:nvPr>
+        </p:nvSpPr>
+        <p:spPr/>
+        <p:txBody>
+          <a:bodyPr/>
+          <a:lstStyle/>
+          <a:p>
+            <a:endParaRPr lang="ko-KR" altLang="en-US"/>
+          </a:p>
+        </p:txBody>
+      </p:sp>
+      <p:sp>
+        <p:nvSpPr>
+          <p:cNvPr id="4" name="슬라이드 번호 개체 틀 3"/>
+          <p:cNvSpPr>
+            <a:spLocks noGrp="1"/>
+          </p:cNvSpPr>
+          <p:nvPr>
+            <p:ph type="sldNum" sz="quarter" idx="10"/>
+          </p:nvPr>
+        </p:nvSpPr>
+        <p:spPr/>
+        <p:txBody>
+          <a:bodyPr/>
+          <a:lstStyle/>
+          <a:p>
+            <a:fld id="{BA5DFA43-8D57-47FB-BC46-057616015C3B}" type="slidenum">
+              <a:rPr lang="ko-KR" altLang="en-US" smtClean="0"/>
+              <a:t>2</a:t>
+            </a:fld>
+            <a:endParaRPr lang="ko-KR" altLang="en-US"/>
+          </a:p>
+        </p:txBody>
+      </p:sp>
+    </p:spTree>
+    <p:extLst>
+      <p:ext uri="{BB962C8B-B14F-4D97-AF65-F5344CB8AC3E}">
+        <p14:creationId xmlns:p14="http://schemas.microsoft.com/office/powerpoint/2010/main" val="3664530535"/>
+      </p:ext>
+    </p:extLst>
+  </p:cSld>
+  <p:clrMapOvr>
+    <a:masterClrMapping/>
+  </p:clrMapOvr>
+</p:notes>
+</file>
+
 <file path=ppt/slideLayouts/slideLayout1.xml><?xml version="1.0" encoding="utf-8"?>
 <p:sldLayout xmlns:a="http://schemas.openxmlformats.org/drawingml/2006/main" xmlns:r="http://schemas.openxmlformats.org/officeDocument/2006/relationships" xmlns:p="http://schemas.openxmlformats.org/presentationml/2006/main" type="title" preserve="1">
   <p:cSld name="제목 슬라이드">
@@ -661,7 +746,7 @@
           <a:p>
             <a:fld id="{FB30EDBD-1C2D-4C1E-B459-B60219FAB484}" type="datetimeFigureOut">
               <a:rPr lang="ko-KR" altLang="en-US" smtClean="0"/>
-              <a:t>2019-10-28</a:t>
+              <a:t>2020-05-04</a:t>
             </a:fld>
             <a:endParaRPr lang="ko-KR" altLang="en-US"/>
           </a:p>
@@ -824,7 +909,7 @@
           <a:p>
             <a:fld id="{FB30EDBD-1C2D-4C1E-B459-B60219FAB484}" type="datetimeFigureOut">
               <a:rPr lang="ko-KR" altLang="en-US" smtClean="0"/>
-              <a:t>2019-10-28</a:t>
+              <a:t>2020-05-04</a:t>
             </a:fld>
             <a:endParaRPr lang="ko-KR" altLang="en-US"/>
           </a:p>
@@ -997,7 +1082,7 @@
           <a:p>
             <a:fld id="{FB30EDBD-1C2D-4C1E-B459-B60219FAB484}" type="datetimeFigureOut">
               <a:rPr lang="ko-KR" altLang="en-US" smtClean="0"/>
-              <a:t>2019-10-28</a:t>
+              <a:t>2020-05-04</a:t>
             </a:fld>
             <a:endParaRPr lang="ko-KR" altLang="en-US"/>
           </a:p>
@@ -1160,7 +1245,7 @@
           <a:p>
             <a:fld id="{FB30EDBD-1C2D-4C1E-B459-B60219FAB484}" type="datetimeFigureOut">
               <a:rPr lang="ko-KR" altLang="en-US" smtClean="0"/>
-              <a:t>2019-10-28</a:t>
+              <a:t>2020-05-04</a:t>
             </a:fld>
             <a:endParaRPr lang="ko-KR" altLang="en-US"/>
           </a:p>
@@ -1400,7 +1485,7 @@
           <a:p>
             <a:fld id="{FB30EDBD-1C2D-4C1E-B459-B60219FAB484}" type="datetimeFigureOut">
               <a:rPr lang="ko-KR" altLang="en-US" smtClean="0"/>
-              <a:t>2019-10-28</a:t>
+              <a:t>2020-05-04</a:t>
             </a:fld>
             <a:endParaRPr lang="ko-KR" altLang="en-US"/>
           </a:p>
@@ -1680,7 +1765,7 @@
           <a:p>
             <a:fld id="{FB30EDBD-1C2D-4C1E-B459-B60219FAB484}" type="datetimeFigureOut">
               <a:rPr lang="ko-KR" altLang="en-US" smtClean="0"/>
-              <a:t>2019-10-28</a:t>
+              <a:t>2020-05-04</a:t>
             </a:fld>
             <a:endParaRPr lang="ko-KR" altLang="en-US"/>
           </a:p>
@@ -2094,7 +2179,7 @@
           <a:p>
             <a:fld id="{FB30EDBD-1C2D-4C1E-B459-B60219FAB484}" type="datetimeFigureOut">
               <a:rPr lang="ko-KR" altLang="en-US" smtClean="0"/>
-              <a:t>2019-10-28</a:t>
+              <a:t>2020-05-04</a:t>
             </a:fld>
             <a:endParaRPr lang="ko-KR" altLang="en-US"/>
           </a:p>
@@ -2206,7 +2291,7 @@
           <a:p>
             <a:fld id="{FB30EDBD-1C2D-4C1E-B459-B60219FAB484}" type="datetimeFigureOut">
               <a:rPr lang="ko-KR" altLang="en-US" smtClean="0"/>
-              <a:t>2019-10-28</a:t>
+              <a:t>2020-05-04</a:t>
             </a:fld>
             <a:endParaRPr lang="ko-KR" altLang="en-US"/>
           </a:p>
@@ -2296,7 +2381,7 @@
           <a:p>
             <a:fld id="{FB30EDBD-1C2D-4C1E-B459-B60219FAB484}" type="datetimeFigureOut">
               <a:rPr lang="ko-KR" altLang="en-US" smtClean="0"/>
-              <a:t>2019-10-28</a:t>
+              <a:t>2020-05-04</a:t>
             </a:fld>
             <a:endParaRPr lang="ko-KR" altLang="en-US"/>
           </a:p>
@@ -2566,7 +2651,7 @@
           <a:p>
             <a:fld id="{FB30EDBD-1C2D-4C1E-B459-B60219FAB484}" type="datetimeFigureOut">
               <a:rPr lang="ko-KR" altLang="en-US" smtClean="0"/>
-              <a:t>2019-10-28</a:t>
+              <a:t>2020-05-04</a:t>
             </a:fld>
             <a:endParaRPr lang="ko-KR" altLang="en-US"/>
           </a:p>
@@ -2813,7 +2898,7 @@
           <a:p>
             <a:fld id="{FB30EDBD-1C2D-4C1E-B459-B60219FAB484}" type="datetimeFigureOut">
               <a:rPr lang="ko-KR" altLang="en-US" smtClean="0"/>
-              <a:t>2019-10-28</a:t>
+              <a:t>2020-05-04</a:t>
             </a:fld>
             <a:endParaRPr lang="ko-KR" altLang="en-US"/>
           </a:p>
@@ -3019,7 +3104,7 @@
           <a:p>
             <a:fld id="{FB30EDBD-1C2D-4C1E-B459-B60219FAB484}" type="datetimeFigureOut">
               <a:rPr lang="ko-KR" altLang="en-US" smtClean="0"/>
-              <a:t>2019-10-28</a:t>
+              <a:t>2020-05-04</a:t>
             </a:fld>
             <a:endParaRPr lang="ko-KR" altLang="en-US"/>
           </a:p>
@@ -6065,6 +6150,1339 @@
           <a:chExt cx="0" cy="0"/>
         </a:xfrm>
       </p:grpSpPr>
+      <p:sp>
+        <p:nvSpPr>
+          <p:cNvPr id="2" name="제목 1">
+            <a:extLst>
+              <a:ext uri="{FF2B5EF4-FFF2-40B4-BE49-F238E27FC236}">
+                <a16:creationId xmlns:a16="http://schemas.microsoft.com/office/drawing/2014/main" id="{8738443D-5E72-49E2-86AC-581D61C41C39}"/>
+              </a:ext>
+            </a:extLst>
+          </p:cNvPr>
+          <p:cNvSpPr>
+            <a:spLocks noGrp="1"/>
+          </p:cNvSpPr>
+          <p:nvPr>
+            <p:ph type="title"/>
+          </p:nvPr>
+        </p:nvSpPr>
+        <p:spPr>
+          <a:xfrm>
+            <a:off x="457200" y="-92546"/>
+            <a:ext cx="8229600" cy="857250"/>
+          </a:xfrm>
+        </p:spPr>
+        <p:txBody>
+          <a:bodyPr/>
+          <a:lstStyle/>
+          <a:p>
+            <a:r>
+              <a:rPr lang="en-US" altLang="ko-KR"/>
+              <a:t>CSI Cinder Volume Lifecycle</a:t>
+            </a:r>
+            <a:endParaRPr lang="ko-KR" altLang="en-US" dirty="0"/>
+          </a:p>
+        </p:txBody>
+      </p:sp>
+      <p:sp>
+        <p:nvSpPr>
+          <p:cNvPr id="19" name="사각형: 둥근 모서리 114">
+            <a:extLst>
+              <a:ext uri="{FF2B5EF4-FFF2-40B4-BE49-F238E27FC236}">
+                <a16:creationId xmlns:a16="http://schemas.microsoft.com/office/drawing/2014/main" id="{E6C92C75-2BF0-48B3-804E-8E2D741C1E19}"/>
+              </a:ext>
+            </a:extLst>
+          </p:cNvPr>
+          <p:cNvSpPr/>
+          <p:nvPr/>
+        </p:nvSpPr>
+        <p:spPr>
+          <a:xfrm>
+            <a:off x="3810152" y="1131590"/>
+            <a:ext cx="1481926" cy="360040"/>
+          </a:xfrm>
+          <a:prstGeom prst="roundRect">
+            <a:avLst>
+              <a:gd name="adj" fmla="val 6774"/>
+            </a:avLst>
+          </a:prstGeom>
+        </p:spPr>
+        <p:style>
+          <a:lnRef idx="2">
+            <a:schemeClr val="dk1"/>
+          </a:lnRef>
+          <a:fillRef idx="1">
+            <a:schemeClr val="lt1"/>
+          </a:fillRef>
+          <a:effectRef idx="0">
+            <a:schemeClr val="dk1"/>
+          </a:effectRef>
+          <a:fontRef idx="minor">
+            <a:schemeClr val="dk1"/>
+          </a:fontRef>
+        </p:style>
+        <p:txBody>
+          <a:bodyPr rtlCol="0" anchor="ctr"/>
+          <a:lstStyle/>
+          <a:p>
+            <a:pPr algn="ctr"/>
+            <a:r>
+              <a:rPr lang="en-US" altLang="ko-KR" sz="1400"/>
+              <a:t>CREATED</a:t>
+            </a:r>
+            <a:endParaRPr lang="ko-KR" altLang="en-US" sz="1400" b="1" dirty="0">
+              <a:solidFill>
+                <a:schemeClr val="accent2">
+                  <a:lumMod val="75000"/>
+                </a:schemeClr>
+              </a:solidFill>
+            </a:endParaRPr>
+          </a:p>
+        </p:txBody>
+      </p:sp>
+      <p:sp>
+        <p:nvSpPr>
+          <p:cNvPr id="14" name="사각형: 둥근 모서리 114">
+            <a:extLst>
+              <a:ext uri="{FF2B5EF4-FFF2-40B4-BE49-F238E27FC236}">
+                <a16:creationId xmlns:a16="http://schemas.microsoft.com/office/drawing/2014/main" id="{E6513C3F-9A2A-4556-909A-87B03BF1560C}"/>
+              </a:ext>
+            </a:extLst>
+          </p:cNvPr>
+          <p:cNvSpPr/>
+          <p:nvPr/>
+        </p:nvSpPr>
+        <p:spPr>
+          <a:xfrm>
+            <a:off x="3810152" y="2211710"/>
+            <a:ext cx="1481926" cy="360040"/>
+          </a:xfrm>
+          <a:prstGeom prst="roundRect">
+            <a:avLst>
+              <a:gd name="adj" fmla="val 6774"/>
+            </a:avLst>
+          </a:prstGeom>
+        </p:spPr>
+        <p:style>
+          <a:lnRef idx="2">
+            <a:schemeClr val="dk1"/>
+          </a:lnRef>
+          <a:fillRef idx="1">
+            <a:schemeClr val="lt1"/>
+          </a:fillRef>
+          <a:effectRef idx="0">
+            <a:schemeClr val="dk1"/>
+          </a:effectRef>
+          <a:fontRef idx="minor">
+            <a:schemeClr val="dk1"/>
+          </a:fontRef>
+        </p:style>
+        <p:txBody>
+          <a:bodyPr rtlCol="0" anchor="ctr"/>
+          <a:lstStyle/>
+          <a:p>
+            <a:pPr algn="ctr"/>
+            <a:r>
+              <a:rPr lang="en-US" altLang="ko-KR" sz="1400"/>
+              <a:t>NODE READY</a:t>
+            </a:r>
+            <a:endParaRPr lang="ko-KR" altLang="en-US" sz="1400" b="1" dirty="0">
+              <a:solidFill>
+                <a:schemeClr val="accent2">
+                  <a:lumMod val="75000"/>
+                </a:schemeClr>
+              </a:solidFill>
+            </a:endParaRPr>
+          </a:p>
+        </p:txBody>
+      </p:sp>
+      <p:sp>
+        <p:nvSpPr>
+          <p:cNvPr id="21" name="사각형: 둥근 모서리 114">
+            <a:extLst>
+              <a:ext uri="{FF2B5EF4-FFF2-40B4-BE49-F238E27FC236}">
+                <a16:creationId xmlns:a16="http://schemas.microsoft.com/office/drawing/2014/main" id="{54C3D1E9-B6F4-4355-A127-0D1767E93EE5}"/>
+              </a:ext>
+            </a:extLst>
+          </p:cNvPr>
+          <p:cNvSpPr/>
+          <p:nvPr/>
+        </p:nvSpPr>
+        <p:spPr>
+          <a:xfrm>
+            <a:off x="3810152" y="3291830"/>
+            <a:ext cx="1481926" cy="360040"/>
+          </a:xfrm>
+          <a:prstGeom prst="roundRect">
+            <a:avLst>
+              <a:gd name="adj" fmla="val 6774"/>
+            </a:avLst>
+          </a:prstGeom>
+        </p:spPr>
+        <p:style>
+          <a:lnRef idx="2">
+            <a:schemeClr val="dk1"/>
+          </a:lnRef>
+          <a:fillRef idx="1">
+            <a:schemeClr val="lt1"/>
+          </a:fillRef>
+          <a:effectRef idx="0">
+            <a:schemeClr val="dk1"/>
+          </a:effectRef>
+          <a:fontRef idx="minor">
+            <a:schemeClr val="dk1"/>
+          </a:fontRef>
+        </p:style>
+        <p:txBody>
+          <a:bodyPr rtlCol="0" anchor="ctr"/>
+          <a:lstStyle/>
+          <a:p>
+            <a:pPr algn="ctr"/>
+            <a:r>
+              <a:rPr lang="en-US" altLang="ko-KR" sz="1400"/>
+              <a:t>VOL READY</a:t>
+            </a:r>
+            <a:endParaRPr lang="ko-KR" altLang="en-US" sz="1400" b="1" dirty="0">
+              <a:solidFill>
+                <a:schemeClr val="accent2">
+                  <a:lumMod val="75000"/>
+                </a:schemeClr>
+              </a:solidFill>
+            </a:endParaRPr>
+          </a:p>
+        </p:txBody>
+      </p:sp>
+      <p:sp>
+        <p:nvSpPr>
+          <p:cNvPr id="22" name="사각형: 둥근 모서리 114">
+            <a:extLst>
+              <a:ext uri="{FF2B5EF4-FFF2-40B4-BE49-F238E27FC236}">
+                <a16:creationId xmlns:a16="http://schemas.microsoft.com/office/drawing/2014/main" id="{590303BF-9597-4818-A32B-78FF3C72BF82}"/>
+              </a:ext>
+            </a:extLst>
+          </p:cNvPr>
+          <p:cNvSpPr/>
+          <p:nvPr/>
+        </p:nvSpPr>
+        <p:spPr>
+          <a:xfrm>
+            <a:off x="3810152" y="4371950"/>
+            <a:ext cx="1481926" cy="360040"/>
+          </a:xfrm>
+          <a:prstGeom prst="roundRect">
+            <a:avLst>
+              <a:gd name="adj" fmla="val 6774"/>
+            </a:avLst>
+          </a:prstGeom>
+        </p:spPr>
+        <p:style>
+          <a:lnRef idx="2">
+            <a:schemeClr val="dk1"/>
+          </a:lnRef>
+          <a:fillRef idx="1">
+            <a:schemeClr val="lt1"/>
+          </a:fillRef>
+          <a:effectRef idx="0">
+            <a:schemeClr val="dk1"/>
+          </a:effectRef>
+          <a:fontRef idx="minor">
+            <a:schemeClr val="dk1"/>
+          </a:fontRef>
+        </p:style>
+        <p:txBody>
+          <a:bodyPr rtlCol="0" anchor="ctr"/>
+          <a:lstStyle/>
+          <a:p>
+            <a:pPr algn="ctr"/>
+            <a:r>
+              <a:rPr lang="en-US" altLang="ko-KR" sz="1400"/>
+              <a:t>PUBLISHED</a:t>
+            </a:r>
+            <a:endParaRPr lang="ko-KR" altLang="en-US" sz="1400" b="1" dirty="0">
+              <a:solidFill>
+                <a:schemeClr val="accent2">
+                  <a:lumMod val="75000"/>
+                </a:schemeClr>
+              </a:solidFill>
+            </a:endParaRPr>
+          </a:p>
+        </p:txBody>
+      </p:sp>
+      <p:cxnSp>
+        <p:nvCxnSpPr>
+          <p:cNvPr id="33" name="직선 연결선 32">
+            <a:extLst>
+              <a:ext uri="{FF2B5EF4-FFF2-40B4-BE49-F238E27FC236}">
+                <a16:creationId xmlns:a16="http://schemas.microsoft.com/office/drawing/2014/main" id="{517CD418-966B-4236-962A-A79DA54DBAA3}"/>
+              </a:ext>
+            </a:extLst>
+          </p:cNvPr>
+          <p:cNvCxnSpPr>
+            <a:cxnSpLocks/>
+          </p:cNvCxnSpPr>
+          <p:nvPr/>
+        </p:nvCxnSpPr>
+        <p:spPr>
+          <a:xfrm>
+            <a:off x="4355976" y="1491630"/>
+            <a:ext cx="0" cy="720080"/>
+          </a:xfrm>
+          <a:prstGeom prst="line">
+            <a:avLst/>
+          </a:prstGeom>
+          <a:ln w="19050">
+            <a:solidFill>
+              <a:schemeClr val="tx1"/>
+            </a:solidFill>
+            <a:headEnd type="none" w="med" len="med"/>
+            <a:tailEnd type="arrow" w="med" len="med"/>
+          </a:ln>
+        </p:spPr>
+        <p:style>
+          <a:lnRef idx="1">
+            <a:schemeClr val="accent1"/>
+          </a:lnRef>
+          <a:fillRef idx="0">
+            <a:schemeClr val="accent1"/>
+          </a:fillRef>
+          <a:effectRef idx="0">
+            <a:schemeClr val="accent1"/>
+          </a:effectRef>
+          <a:fontRef idx="minor">
+            <a:schemeClr val="tx1"/>
+          </a:fontRef>
+        </p:style>
+      </p:cxnSp>
+      <p:cxnSp>
+        <p:nvCxnSpPr>
+          <p:cNvPr id="35" name="직선 연결선 34">
+            <a:extLst>
+              <a:ext uri="{FF2B5EF4-FFF2-40B4-BE49-F238E27FC236}">
+                <a16:creationId xmlns:a16="http://schemas.microsoft.com/office/drawing/2014/main" id="{88933655-BC4B-4547-9824-2AA22931E543}"/>
+              </a:ext>
+            </a:extLst>
+          </p:cNvPr>
+          <p:cNvCxnSpPr>
+            <a:cxnSpLocks/>
+          </p:cNvCxnSpPr>
+          <p:nvPr/>
+        </p:nvCxnSpPr>
+        <p:spPr>
+          <a:xfrm>
+            <a:off x="4355976" y="2571750"/>
+            <a:ext cx="0" cy="720080"/>
+          </a:xfrm>
+          <a:prstGeom prst="line">
+            <a:avLst/>
+          </a:prstGeom>
+          <a:ln w="19050">
+            <a:solidFill>
+              <a:schemeClr val="tx1"/>
+            </a:solidFill>
+            <a:headEnd type="none" w="med" len="med"/>
+            <a:tailEnd type="arrow" w="med" len="med"/>
+          </a:ln>
+        </p:spPr>
+        <p:style>
+          <a:lnRef idx="1">
+            <a:schemeClr val="accent1"/>
+          </a:lnRef>
+          <a:fillRef idx="0">
+            <a:schemeClr val="accent1"/>
+          </a:fillRef>
+          <a:effectRef idx="0">
+            <a:schemeClr val="accent1"/>
+          </a:effectRef>
+          <a:fontRef idx="minor">
+            <a:schemeClr val="tx1"/>
+          </a:fontRef>
+        </p:style>
+      </p:cxnSp>
+      <p:cxnSp>
+        <p:nvCxnSpPr>
+          <p:cNvPr id="36" name="직선 연결선 35">
+            <a:extLst>
+              <a:ext uri="{FF2B5EF4-FFF2-40B4-BE49-F238E27FC236}">
+                <a16:creationId xmlns:a16="http://schemas.microsoft.com/office/drawing/2014/main" id="{886EA343-24A7-4169-A079-D0D5EA32059D}"/>
+              </a:ext>
+            </a:extLst>
+          </p:cNvPr>
+          <p:cNvCxnSpPr>
+            <a:cxnSpLocks/>
+          </p:cNvCxnSpPr>
+          <p:nvPr/>
+        </p:nvCxnSpPr>
+        <p:spPr>
+          <a:xfrm>
+            <a:off x="4355976" y="3651870"/>
+            <a:ext cx="0" cy="720080"/>
+          </a:xfrm>
+          <a:prstGeom prst="line">
+            <a:avLst/>
+          </a:prstGeom>
+          <a:ln w="19050">
+            <a:solidFill>
+              <a:schemeClr val="tx1"/>
+            </a:solidFill>
+            <a:headEnd type="none" w="med" len="med"/>
+            <a:tailEnd type="arrow" w="med" len="med"/>
+          </a:ln>
+        </p:spPr>
+        <p:style>
+          <a:lnRef idx="1">
+            <a:schemeClr val="accent1"/>
+          </a:lnRef>
+          <a:fillRef idx="0">
+            <a:schemeClr val="accent1"/>
+          </a:fillRef>
+          <a:effectRef idx="0">
+            <a:schemeClr val="accent1"/>
+          </a:effectRef>
+          <a:fontRef idx="minor">
+            <a:schemeClr val="tx1"/>
+          </a:fontRef>
+        </p:style>
+      </p:cxnSp>
+      <p:cxnSp>
+        <p:nvCxnSpPr>
+          <p:cNvPr id="37" name="직선 연결선 36">
+            <a:extLst>
+              <a:ext uri="{FF2B5EF4-FFF2-40B4-BE49-F238E27FC236}">
+                <a16:creationId xmlns:a16="http://schemas.microsoft.com/office/drawing/2014/main" id="{40AFE86A-137C-4522-B94C-9F7C83721321}"/>
+              </a:ext>
+            </a:extLst>
+          </p:cNvPr>
+          <p:cNvCxnSpPr>
+            <a:cxnSpLocks/>
+          </p:cNvCxnSpPr>
+          <p:nvPr/>
+        </p:nvCxnSpPr>
+        <p:spPr>
+          <a:xfrm>
+            <a:off x="4762376" y="1491630"/>
+            <a:ext cx="0" cy="720080"/>
+          </a:xfrm>
+          <a:prstGeom prst="line">
+            <a:avLst/>
+          </a:prstGeom>
+          <a:ln w="19050">
+            <a:solidFill>
+              <a:schemeClr val="tx1"/>
+            </a:solidFill>
+            <a:headEnd type="arrow" w="med" len="med"/>
+            <a:tailEnd type="none" w="med" len="med"/>
+          </a:ln>
+        </p:spPr>
+        <p:style>
+          <a:lnRef idx="1">
+            <a:schemeClr val="accent1"/>
+          </a:lnRef>
+          <a:fillRef idx="0">
+            <a:schemeClr val="accent1"/>
+          </a:fillRef>
+          <a:effectRef idx="0">
+            <a:schemeClr val="accent1"/>
+          </a:effectRef>
+          <a:fontRef idx="minor">
+            <a:schemeClr val="tx1"/>
+          </a:fontRef>
+        </p:style>
+      </p:cxnSp>
+      <p:cxnSp>
+        <p:nvCxnSpPr>
+          <p:cNvPr id="38" name="직선 연결선 37">
+            <a:extLst>
+              <a:ext uri="{FF2B5EF4-FFF2-40B4-BE49-F238E27FC236}">
+                <a16:creationId xmlns:a16="http://schemas.microsoft.com/office/drawing/2014/main" id="{D6893780-905F-4E5D-BF66-127C7232F150}"/>
+              </a:ext>
+            </a:extLst>
+          </p:cNvPr>
+          <p:cNvCxnSpPr>
+            <a:cxnSpLocks/>
+          </p:cNvCxnSpPr>
+          <p:nvPr/>
+        </p:nvCxnSpPr>
+        <p:spPr>
+          <a:xfrm>
+            <a:off x="4762376" y="2571750"/>
+            <a:ext cx="0" cy="720080"/>
+          </a:xfrm>
+          <a:prstGeom prst="line">
+            <a:avLst/>
+          </a:prstGeom>
+          <a:ln w="19050">
+            <a:solidFill>
+              <a:schemeClr val="tx1"/>
+            </a:solidFill>
+            <a:headEnd type="arrow" w="med" len="med"/>
+            <a:tailEnd type="none" w="med" len="med"/>
+          </a:ln>
+        </p:spPr>
+        <p:style>
+          <a:lnRef idx="1">
+            <a:schemeClr val="accent1"/>
+          </a:lnRef>
+          <a:fillRef idx="0">
+            <a:schemeClr val="accent1"/>
+          </a:fillRef>
+          <a:effectRef idx="0">
+            <a:schemeClr val="accent1"/>
+          </a:effectRef>
+          <a:fontRef idx="minor">
+            <a:schemeClr val="tx1"/>
+          </a:fontRef>
+        </p:style>
+      </p:cxnSp>
+      <p:cxnSp>
+        <p:nvCxnSpPr>
+          <p:cNvPr id="39" name="직선 연결선 38">
+            <a:extLst>
+              <a:ext uri="{FF2B5EF4-FFF2-40B4-BE49-F238E27FC236}">
+                <a16:creationId xmlns:a16="http://schemas.microsoft.com/office/drawing/2014/main" id="{C160B9DA-7B02-41CA-82FE-5DB9FD239E61}"/>
+              </a:ext>
+            </a:extLst>
+          </p:cNvPr>
+          <p:cNvCxnSpPr>
+            <a:cxnSpLocks/>
+          </p:cNvCxnSpPr>
+          <p:nvPr/>
+        </p:nvCxnSpPr>
+        <p:spPr>
+          <a:xfrm>
+            <a:off x="4762376" y="3651870"/>
+            <a:ext cx="0" cy="720080"/>
+          </a:xfrm>
+          <a:prstGeom prst="line">
+            <a:avLst/>
+          </a:prstGeom>
+          <a:ln w="19050">
+            <a:solidFill>
+              <a:schemeClr val="tx1"/>
+            </a:solidFill>
+            <a:headEnd type="arrow" w="med" len="med"/>
+            <a:tailEnd type="none" w="med" len="med"/>
+          </a:ln>
+        </p:spPr>
+        <p:style>
+          <a:lnRef idx="1">
+            <a:schemeClr val="accent1"/>
+          </a:lnRef>
+          <a:fillRef idx="0">
+            <a:schemeClr val="accent1"/>
+          </a:fillRef>
+          <a:effectRef idx="0">
+            <a:schemeClr val="accent1"/>
+          </a:effectRef>
+          <a:fontRef idx="minor">
+            <a:schemeClr val="tx1"/>
+          </a:fontRef>
+        </p:style>
+      </p:cxnSp>
+      <p:cxnSp>
+        <p:nvCxnSpPr>
+          <p:cNvPr id="40" name="직선 연결선 39">
+            <a:extLst>
+              <a:ext uri="{FF2B5EF4-FFF2-40B4-BE49-F238E27FC236}">
+                <a16:creationId xmlns:a16="http://schemas.microsoft.com/office/drawing/2014/main" id="{A11405DC-2D92-4CC7-9E26-04D7BD319862}"/>
+              </a:ext>
+            </a:extLst>
+          </p:cNvPr>
+          <p:cNvCxnSpPr>
+            <a:cxnSpLocks/>
+            <a:endCxn id="19" idx="1"/>
+          </p:cNvCxnSpPr>
+          <p:nvPr/>
+        </p:nvCxnSpPr>
+        <p:spPr>
+          <a:xfrm>
+            <a:off x="3131840" y="1311610"/>
+            <a:ext cx="678312" cy="0"/>
+          </a:xfrm>
+          <a:prstGeom prst="line">
+            <a:avLst/>
+          </a:prstGeom>
+          <a:ln w="19050">
+            <a:solidFill>
+              <a:schemeClr val="tx1"/>
+            </a:solidFill>
+            <a:headEnd type="none" w="med" len="med"/>
+            <a:tailEnd type="arrow" w="med" len="med"/>
+          </a:ln>
+        </p:spPr>
+        <p:style>
+          <a:lnRef idx="1">
+            <a:schemeClr val="accent1"/>
+          </a:lnRef>
+          <a:fillRef idx="0">
+            <a:schemeClr val="accent1"/>
+          </a:fillRef>
+          <a:effectRef idx="0">
+            <a:schemeClr val="accent1"/>
+          </a:effectRef>
+          <a:fontRef idx="minor">
+            <a:schemeClr val="tx1"/>
+          </a:fontRef>
+        </p:style>
+      </p:cxnSp>
+      <p:cxnSp>
+        <p:nvCxnSpPr>
+          <p:cNvPr id="41" name="직선 연결선 40">
+            <a:extLst>
+              <a:ext uri="{FF2B5EF4-FFF2-40B4-BE49-F238E27FC236}">
+                <a16:creationId xmlns:a16="http://schemas.microsoft.com/office/drawing/2014/main" id="{60FD02AB-F87B-42CF-BF61-4F5FE6B2E340}"/>
+              </a:ext>
+            </a:extLst>
+          </p:cNvPr>
+          <p:cNvCxnSpPr>
+            <a:cxnSpLocks/>
+          </p:cNvCxnSpPr>
+          <p:nvPr/>
+        </p:nvCxnSpPr>
+        <p:spPr>
+          <a:xfrm>
+            <a:off x="5292078" y="1311610"/>
+            <a:ext cx="678312" cy="0"/>
+          </a:xfrm>
+          <a:prstGeom prst="line">
+            <a:avLst/>
+          </a:prstGeom>
+          <a:ln w="19050">
+            <a:solidFill>
+              <a:schemeClr val="tx1"/>
+            </a:solidFill>
+            <a:headEnd type="none" w="med" len="med"/>
+            <a:tailEnd type="arrow" w="med" len="med"/>
+          </a:ln>
+        </p:spPr>
+        <p:style>
+          <a:lnRef idx="1">
+            <a:schemeClr val="accent1"/>
+          </a:lnRef>
+          <a:fillRef idx="0">
+            <a:schemeClr val="accent1"/>
+          </a:fillRef>
+          <a:effectRef idx="0">
+            <a:schemeClr val="accent1"/>
+          </a:effectRef>
+          <a:fontRef idx="minor">
+            <a:schemeClr val="tx1"/>
+          </a:fontRef>
+        </p:style>
+      </p:cxnSp>
+      <p:sp>
+        <p:nvSpPr>
+          <p:cNvPr id="29" name="TextBox 28">
+            <a:extLst>
+              <a:ext uri="{FF2B5EF4-FFF2-40B4-BE49-F238E27FC236}">
+                <a16:creationId xmlns:a16="http://schemas.microsoft.com/office/drawing/2014/main" id="{9F236C8D-9B00-4BE5-A16E-EA4F0047427A}"/>
+              </a:ext>
+            </a:extLst>
+          </p:cNvPr>
+          <p:cNvSpPr txBox="1"/>
+          <p:nvPr/>
+        </p:nvSpPr>
+        <p:spPr>
+          <a:xfrm>
+            <a:off x="2339754" y="1034611"/>
+            <a:ext cx="1584171" cy="276999"/>
+          </a:xfrm>
+          <a:prstGeom prst="rect">
+            <a:avLst/>
+          </a:prstGeom>
+          <a:noFill/>
+        </p:spPr>
+        <p:txBody>
+          <a:bodyPr wrap="square" rtlCol="0">
+            <a:spAutoFit/>
+          </a:bodyPr>
+          <a:lstStyle/>
+          <a:p>
+            <a:pPr algn="ctr"/>
+            <a:r>
+              <a:rPr lang="en-US" altLang="ko-KR" sz="1200"/>
+              <a:t>CreateVolume</a:t>
+            </a:r>
+            <a:endParaRPr lang="ko-KR" altLang="en-US" sz="1200"/>
+          </a:p>
+        </p:txBody>
+      </p:sp>
+      <p:sp>
+        <p:nvSpPr>
+          <p:cNvPr id="42" name="TextBox 41">
+            <a:extLst>
+              <a:ext uri="{FF2B5EF4-FFF2-40B4-BE49-F238E27FC236}">
+                <a16:creationId xmlns:a16="http://schemas.microsoft.com/office/drawing/2014/main" id="{90A47B8E-1539-438E-AEEA-1B0A47B08193}"/>
+              </a:ext>
+            </a:extLst>
+          </p:cNvPr>
+          <p:cNvSpPr txBox="1"/>
+          <p:nvPr/>
+        </p:nvSpPr>
+        <p:spPr>
+          <a:xfrm>
+            <a:off x="5178304" y="1034611"/>
+            <a:ext cx="1584171" cy="276999"/>
+          </a:xfrm>
+          <a:prstGeom prst="rect">
+            <a:avLst/>
+          </a:prstGeom>
+          <a:noFill/>
+        </p:spPr>
+        <p:txBody>
+          <a:bodyPr wrap="square" rtlCol="0">
+            <a:spAutoFit/>
+          </a:bodyPr>
+          <a:lstStyle/>
+          <a:p>
+            <a:pPr algn="ctr"/>
+            <a:r>
+              <a:rPr lang="en-US" altLang="ko-KR" sz="1200"/>
+              <a:t>DeleteVolume</a:t>
+            </a:r>
+            <a:endParaRPr lang="ko-KR" altLang="en-US" sz="1200"/>
+          </a:p>
+        </p:txBody>
+      </p:sp>
+      <p:sp>
+        <p:nvSpPr>
+          <p:cNvPr id="43" name="TextBox 42">
+            <a:extLst>
+              <a:ext uri="{FF2B5EF4-FFF2-40B4-BE49-F238E27FC236}">
+                <a16:creationId xmlns:a16="http://schemas.microsoft.com/office/drawing/2014/main" id="{D27B2992-2CA6-4DD4-839E-43DD2C1D3ED8}"/>
+              </a:ext>
+            </a:extLst>
+          </p:cNvPr>
+          <p:cNvSpPr txBox="1"/>
+          <p:nvPr/>
+        </p:nvSpPr>
+        <p:spPr>
+          <a:xfrm>
+            <a:off x="3018066" y="1530600"/>
+            <a:ext cx="1584171" cy="646331"/>
+          </a:xfrm>
+          <a:prstGeom prst="rect">
+            <a:avLst/>
+          </a:prstGeom>
+          <a:noFill/>
+        </p:spPr>
+        <p:txBody>
+          <a:bodyPr wrap="square" rtlCol="0">
+            <a:spAutoFit/>
+          </a:bodyPr>
+          <a:lstStyle/>
+          <a:p>
+            <a:pPr algn="ctr"/>
+            <a:r>
+              <a:rPr lang="en-US" altLang="ko-KR" sz="1200"/>
+              <a:t>Controller</a:t>
+            </a:r>
+          </a:p>
+          <a:p>
+            <a:pPr algn="ctr"/>
+            <a:r>
+              <a:rPr lang="en-US" altLang="ko-KR" sz="1200"/>
+              <a:t>Publish</a:t>
+            </a:r>
+          </a:p>
+          <a:p>
+            <a:pPr algn="ctr"/>
+            <a:r>
+              <a:rPr lang="en-US" altLang="ko-KR" sz="1200"/>
+              <a:t>Volume</a:t>
+            </a:r>
+            <a:endParaRPr lang="ko-KR" altLang="en-US" sz="1200"/>
+          </a:p>
+        </p:txBody>
+      </p:sp>
+      <p:sp>
+        <p:nvSpPr>
+          <p:cNvPr id="44" name="TextBox 43">
+            <a:extLst>
+              <a:ext uri="{FF2B5EF4-FFF2-40B4-BE49-F238E27FC236}">
+                <a16:creationId xmlns:a16="http://schemas.microsoft.com/office/drawing/2014/main" id="{6D5805FD-7052-4A00-A4C3-8FE05429D300}"/>
+              </a:ext>
+            </a:extLst>
+          </p:cNvPr>
+          <p:cNvSpPr txBox="1"/>
+          <p:nvPr/>
+        </p:nvSpPr>
+        <p:spPr>
+          <a:xfrm>
+            <a:off x="4499992" y="1530600"/>
+            <a:ext cx="1584171" cy="646331"/>
+          </a:xfrm>
+          <a:prstGeom prst="rect">
+            <a:avLst/>
+          </a:prstGeom>
+          <a:noFill/>
+        </p:spPr>
+        <p:txBody>
+          <a:bodyPr wrap="square" rtlCol="0">
+            <a:spAutoFit/>
+          </a:bodyPr>
+          <a:lstStyle/>
+          <a:p>
+            <a:pPr algn="ctr"/>
+            <a:r>
+              <a:rPr lang="en-US" altLang="ko-KR" sz="1200"/>
+              <a:t>Controller</a:t>
+            </a:r>
+          </a:p>
+          <a:p>
+            <a:pPr algn="ctr"/>
+            <a:r>
+              <a:rPr lang="en-US" altLang="ko-KR" sz="1200"/>
+              <a:t>Unpublish</a:t>
+            </a:r>
+          </a:p>
+          <a:p>
+            <a:pPr algn="ctr"/>
+            <a:r>
+              <a:rPr lang="en-US" altLang="ko-KR" sz="1200"/>
+              <a:t>Volume</a:t>
+            </a:r>
+            <a:endParaRPr lang="ko-KR" altLang="en-US" sz="1200"/>
+          </a:p>
+        </p:txBody>
+      </p:sp>
+      <p:sp>
+        <p:nvSpPr>
+          <p:cNvPr id="45" name="TextBox 44">
+            <a:extLst>
+              <a:ext uri="{FF2B5EF4-FFF2-40B4-BE49-F238E27FC236}">
+                <a16:creationId xmlns:a16="http://schemas.microsoft.com/office/drawing/2014/main" id="{C865C9E2-821B-48D6-9C0C-D866565AF4E4}"/>
+              </a:ext>
+            </a:extLst>
+          </p:cNvPr>
+          <p:cNvSpPr txBox="1"/>
+          <p:nvPr/>
+        </p:nvSpPr>
+        <p:spPr>
+          <a:xfrm>
+            <a:off x="3018066" y="2608624"/>
+            <a:ext cx="1584171" cy="646331"/>
+          </a:xfrm>
+          <a:prstGeom prst="rect">
+            <a:avLst/>
+          </a:prstGeom>
+          <a:noFill/>
+        </p:spPr>
+        <p:txBody>
+          <a:bodyPr wrap="square" rtlCol="0">
+            <a:spAutoFit/>
+          </a:bodyPr>
+          <a:lstStyle/>
+          <a:p>
+            <a:pPr algn="ctr"/>
+            <a:r>
+              <a:rPr lang="en-US" altLang="ko-KR" sz="1200"/>
+              <a:t>Node</a:t>
+            </a:r>
+          </a:p>
+          <a:p>
+            <a:pPr algn="ctr"/>
+            <a:r>
+              <a:rPr lang="en-US" altLang="ko-KR" sz="1200"/>
+              <a:t>Stage</a:t>
+            </a:r>
+          </a:p>
+          <a:p>
+            <a:pPr algn="ctr"/>
+            <a:r>
+              <a:rPr lang="en-US" altLang="ko-KR" sz="1200"/>
+              <a:t>Volume</a:t>
+            </a:r>
+            <a:endParaRPr lang="ko-KR" altLang="en-US" sz="1200"/>
+          </a:p>
+        </p:txBody>
+      </p:sp>
+      <p:sp>
+        <p:nvSpPr>
+          <p:cNvPr id="46" name="TextBox 45">
+            <a:extLst>
+              <a:ext uri="{FF2B5EF4-FFF2-40B4-BE49-F238E27FC236}">
+                <a16:creationId xmlns:a16="http://schemas.microsoft.com/office/drawing/2014/main" id="{1B933A09-9635-47FC-AA8A-B8B2DCEEFC42}"/>
+              </a:ext>
+            </a:extLst>
+          </p:cNvPr>
+          <p:cNvSpPr txBox="1"/>
+          <p:nvPr/>
+        </p:nvSpPr>
+        <p:spPr>
+          <a:xfrm>
+            <a:off x="4499992" y="2608624"/>
+            <a:ext cx="1584171" cy="646331"/>
+          </a:xfrm>
+          <a:prstGeom prst="rect">
+            <a:avLst/>
+          </a:prstGeom>
+          <a:noFill/>
+        </p:spPr>
+        <p:txBody>
+          <a:bodyPr wrap="square" rtlCol="0">
+            <a:spAutoFit/>
+          </a:bodyPr>
+          <a:lstStyle/>
+          <a:p>
+            <a:pPr algn="ctr"/>
+            <a:r>
+              <a:rPr lang="en-US" altLang="ko-KR" sz="1200"/>
+              <a:t>Node</a:t>
+            </a:r>
+          </a:p>
+          <a:p>
+            <a:pPr algn="ctr"/>
+            <a:r>
+              <a:rPr lang="en-US" altLang="ko-KR" sz="1200"/>
+              <a:t>Unstage</a:t>
+            </a:r>
+          </a:p>
+          <a:p>
+            <a:pPr algn="ctr"/>
+            <a:r>
+              <a:rPr lang="en-US" altLang="ko-KR" sz="1200"/>
+              <a:t>Volume</a:t>
+            </a:r>
+            <a:endParaRPr lang="ko-KR" altLang="en-US" sz="1200"/>
+          </a:p>
+        </p:txBody>
+      </p:sp>
+      <p:sp>
+        <p:nvSpPr>
+          <p:cNvPr id="47" name="TextBox 46">
+            <a:extLst>
+              <a:ext uri="{FF2B5EF4-FFF2-40B4-BE49-F238E27FC236}">
+                <a16:creationId xmlns:a16="http://schemas.microsoft.com/office/drawing/2014/main" id="{DD8BA251-856E-4CEA-90EE-B99701B59455}"/>
+              </a:ext>
+            </a:extLst>
+          </p:cNvPr>
+          <p:cNvSpPr txBox="1"/>
+          <p:nvPr/>
+        </p:nvSpPr>
+        <p:spPr>
+          <a:xfrm>
+            <a:off x="3018066" y="3688744"/>
+            <a:ext cx="1584171" cy="646331"/>
+          </a:xfrm>
+          <a:prstGeom prst="rect">
+            <a:avLst/>
+          </a:prstGeom>
+          <a:noFill/>
+        </p:spPr>
+        <p:txBody>
+          <a:bodyPr wrap="square" rtlCol="0">
+            <a:spAutoFit/>
+          </a:bodyPr>
+          <a:lstStyle/>
+          <a:p>
+            <a:pPr algn="ctr"/>
+            <a:r>
+              <a:rPr lang="en-US" altLang="ko-KR" sz="1200"/>
+              <a:t>Node</a:t>
+            </a:r>
+          </a:p>
+          <a:p>
+            <a:pPr algn="ctr"/>
+            <a:r>
+              <a:rPr lang="en-US" altLang="ko-KR" sz="1200"/>
+              <a:t>Publish</a:t>
+            </a:r>
+          </a:p>
+          <a:p>
+            <a:pPr algn="ctr"/>
+            <a:r>
+              <a:rPr lang="en-US" altLang="ko-KR" sz="1200"/>
+              <a:t>Volume</a:t>
+            </a:r>
+            <a:endParaRPr lang="ko-KR" altLang="en-US" sz="1200"/>
+          </a:p>
+        </p:txBody>
+      </p:sp>
+      <p:sp>
+        <p:nvSpPr>
+          <p:cNvPr id="48" name="TextBox 47">
+            <a:extLst>
+              <a:ext uri="{FF2B5EF4-FFF2-40B4-BE49-F238E27FC236}">
+                <a16:creationId xmlns:a16="http://schemas.microsoft.com/office/drawing/2014/main" id="{F43A94D6-35F6-424D-944A-1885D60E572C}"/>
+              </a:ext>
+            </a:extLst>
+          </p:cNvPr>
+          <p:cNvSpPr txBox="1"/>
+          <p:nvPr/>
+        </p:nvSpPr>
+        <p:spPr>
+          <a:xfrm>
+            <a:off x="4499992" y="3688744"/>
+            <a:ext cx="1584171" cy="646331"/>
+          </a:xfrm>
+          <a:prstGeom prst="rect">
+            <a:avLst/>
+          </a:prstGeom>
+          <a:noFill/>
+        </p:spPr>
+        <p:txBody>
+          <a:bodyPr wrap="square" rtlCol="0">
+            <a:spAutoFit/>
+          </a:bodyPr>
+          <a:lstStyle/>
+          <a:p>
+            <a:pPr algn="ctr"/>
+            <a:r>
+              <a:rPr lang="en-US" altLang="ko-KR" sz="1200"/>
+              <a:t>Node</a:t>
+            </a:r>
+          </a:p>
+          <a:p>
+            <a:pPr algn="ctr"/>
+            <a:r>
+              <a:rPr lang="en-US" altLang="ko-KR" sz="1200"/>
+              <a:t>Unpublish</a:t>
+            </a:r>
+          </a:p>
+          <a:p>
+            <a:pPr algn="ctr"/>
+            <a:r>
+              <a:rPr lang="en-US" altLang="ko-KR" sz="1200"/>
+              <a:t>Volume</a:t>
+            </a:r>
+            <a:endParaRPr lang="ko-KR" altLang="en-US" sz="1200"/>
+          </a:p>
+        </p:txBody>
+      </p:sp>
+      <p:sp>
+        <p:nvSpPr>
+          <p:cNvPr id="23" name="TextBox 22">
+            <a:extLst>
+              <a:ext uri="{FF2B5EF4-FFF2-40B4-BE49-F238E27FC236}">
+                <a16:creationId xmlns:a16="http://schemas.microsoft.com/office/drawing/2014/main" id="{5164CFAD-B587-4D0C-BDF3-0E05FC54AB9D}"/>
+              </a:ext>
+            </a:extLst>
+          </p:cNvPr>
+          <p:cNvSpPr txBox="1"/>
+          <p:nvPr/>
+        </p:nvSpPr>
+        <p:spPr>
+          <a:xfrm>
+            <a:off x="2195735" y="781787"/>
+            <a:ext cx="1872210" cy="276999"/>
+          </a:xfrm>
+          <a:prstGeom prst="rect">
+            <a:avLst/>
+          </a:prstGeom>
+          <a:noFill/>
+        </p:spPr>
+        <p:txBody>
+          <a:bodyPr wrap="square" rtlCol="0">
+            <a:spAutoFit/>
+          </a:bodyPr>
+          <a:lstStyle/>
+          <a:p>
+            <a:pPr algn="ctr"/>
+            <a:r>
+              <a:rPr lang="en-US" altLang="ko-KR" sz="1200" b="1"/>
+              <a:t>Create Cinder Volume</a:t>
+            </a:r>
+            <a:endParaRPr lang="ko-KR" altLang="en-US" sz="1200" b="1"/>
+          </a:p>
+        </p:txBody>
+      </p:sp>
+      <p:sp>
+        <p:nvSpPr>
+          <p:cNvPr id="24" name="TextBox 23">
+            <a:extLst>
+              <a:ext uri="{FF2B5EF4-FFF2-40B4-BE49-F238E27FC236}">
+                <a16:creationId xmlns:a16="http://schemas.microsoft.com/office/drawing/2014/main" id="{1DA62931-463B-4E0F-8D00-B84F9FDAFA1A}"/>
+              </a:ext>
+            </a:extLst>
+          </p:cNvPr>
+          <p:cNvSpPr txBox="1"/>
+          <p:nvPr/>
+        </p:nvSpPr>
+        <p:spPr>
+          <a:xfrm>
+            <a:off x="5034284" y="781787"/>
+            <a:ext cx="1872210" cy="276999"/>
+          </a:xfrm>
+          <a:prstGeom prst="rect">
+            <a:avLst/>
+          </a:prstGeom>
+          <a:noFill/>
+        </p:spPr>
+        <p:txBody>
+          <a:bodyPr wrap="square" rtlCol="0">
+            <a:spAutoFit/>
+          </a:bodyPr>
+          <a:lstStyle/>
+          <a:p>
+            <a:pPr algn="ctr"/>
+            <a:r>
+              <a:rPr lang="en-US" altLang="ko-KR" sz="1200" b="1"/>
+              <a:t>Delete Cinder Volume</a:t>
+            </a:r>
+            <a:endParaRPr lang="ko-KR" altLang="en-US" sz="1200" b="1"/>
+          </a:p>
+        </p:txBody>
+      </p:sp>
+      <p:sp>
+        <p:nvSpPr>
+          <p:cNvPr id="25" name="TextBox 24">
+            <a:extLst>
+              <a:ext uri="{FF2B5EF4-FFF2-40B4-BE49-F238E27FC236}">
+                <a16:creationId xmlns:a16="http://schemas.microsoft.com/office/drawing/2014/main" id="{7B199F18-9941-46D2-9680-9EB1DCFC3620}"/>
+              </a:ext>
+            </a:extLst>
+          </p:cNvPr>
+          <p:cNvSpPr txBox="1"/>
+          <p:nvPr/>
+        </p:nvSpPr>
+        <p:spPr>
+          <a:xfrm>
+            <a:off x="2051720" y="1662358"/>
+            <a:ext cx="1440157" cy="461665"/>
+          </a:xfrm>
+          <a:prstGeom prst="rect">
+            <a:avLst/>
+          </a:prstGeom>
+          <a:noFill/>
+        </p:spPr>
+        <p:txBody>
+          <a:bodyPr wrap="square" rtlCol="0">
+            <a:spAutoFit/>
+          </a:bodyPr>
+          <a:lstStyle/>
+          <a:p>
+            <a:pPr algn="ctr"/>
+            <a:r>
+              <a:rPr lang="en-US" altLang="ko-KR" sz="1200" b="1"/>
+              <a:t>Attach Cinder Volume to Node</a:t>
+            </a:r>
+          </a:p>
+        </p:txBody>
+      </p:sp>
+      <p:sp>
+        <p:nvSpPr>
+          <p:cNvPr id="26" name="TextBox 25">
+            <a:extLst>
+              <a:ext uri="{FF2B5EF4-FFF2-40B4-BE49-F238E27FC236}">
+                <a16:creationId xmlns:a16="http://schemas.microsoft.com/office/drawing/2014/main" id="{415F4042-7B00-4C64-A16F-7BCF93B13C81}"/>
+              </a:ext>
+            </a:extLst>
+          </p:cNvPr>
+          <p:cNvSpPr txBox="1"/>
+          <p:nvPr/>
+        </p:nvSpPr>
+        <p:spPr>
+          <a:xfrm>
+            <a:off x="5519640" y="1662358"/>
+            <a:ext cx="1644648" cy="461665"/>
+          </a:xfrm>
+          <a:prstGeom prst="rect">
+            <a:avLst/>
+          </a:prstGeom>
+          <a:noFill/>
+        </p:spPr>
+        <p:txBody>
+          <a:bodyPr wrap="square" rtlCol="0">
+            <a:spAutoFit/>
+          </a:bodyPr>
+          <a:lstStyle/>
+          <a:p>
+            <a:pPr algn="ctr"/>
+            <a:r>
+              <a:rPr lang="en-US" altLang="ko-KR" sz="1200" b="1"/>
+              <a:t>Detach Cinder Volume from Node</a:t>
+            </a:r>
+          </a:p>
+        </p:txBody>
+      </p:sp>
+      <p:sp>
+        <p:nvSpPr>
+          <p:cNvPr id="27" name="TextBox 26">
+            <a:extLst>
+              <a:ext uri="{FF2B5EF4-FFF2-40B4-BE49-F238E27FC236}">
+                <a16:creationId xmlns:a16="http://schemas.microsoft.com/office/drawing/2014/main" id="{A015D005-E23F-4E90-B995-D3EEECB263A3}"/>
+              </a:ext>
+            </a:extLst>
+          </p:cNvPr>
+          <p:cNvSpPr txBox="1"/>
+          <p:nvPr/>
+        </p:nvSpPr>
+        <p:spPr>
+          <a:xfrm>
+            <a:off x="2112425" y="2697915"/>
+            <a:ext cx="1440157" cy="461665"/>
+          </a:xfrm>
+          <a:prstGeom prst="rect">
+            <a:avLst/>
+          </a:prstGeom>
+          <a:noFill/>
+        </p:spPr>
+        <p:txBody>
+          <a:bodyPr wrap="square" rtlCol="0">
+            <a:spAutoFit/>
+          </a:bodyPr>
+          <a:lstStyle/>
+          <a:p>
+            <a:pPr algn="ctr"/>
+            <a:r>
+              <a:rPr lang="en-US" altLang="ko-KR" sz="1200" b="1"/>
+              <a:t>Format &amp; Mount Cinder Volume</a:t>
+            </a:r>
+          </a:p>
+        </p:txBody>
+      </p:sp>
+      <p:sp>
+        <p:nvSpPr>
+          <p:cNvPr id="28" name="TextBox 27">
+            <a:extLst>
+              <a:ext uri="{FF2B5EF4-FFF2-40B4-BE49-F238E27FC236}">
+                <a16:creationId xmlns:a16="http://schemas.microsoft.com/office/drawing/2014/main" id="{4E11C527-9AD1-4EA1-9CC7-3636C8CF9EF1}"/>
+              </a:ext>
+            </a:extLst>
+          </p:cNvPr>
+          <p:cNvSpPr txBox="1"/>
+          <p:nvPr/>
+        </p:nvSpPr>
+        <p:spPr>
+          <a:xfrm>
+            <a:off x="5591418" y="2697915"/>
+            <a:ext cx="1440157" cy="461665"/>
+          </a:xfrm>
+          <a:prstGeom prst="rect">
+            <a:avLst/>
+          </a:prstGeom>
+          <a:noFill/>
+        </p:spPr>
+        <p:txBody>
+          <a:bodyPr wrap="square" rtlCol="0">
+            <a:spAutoFit/>
+          </a:bodyPr>
+          <a:lstStyle/>
+          <a:p>
+            <a:pPr algn="ctr"/>
+            <a:r>
+              <a:rPr lang="en-US" altLang="ko-KR" sz="1200" b="1"/>
+              <a:t>Unmount </a:t>
+            </a:r>
+          </a:p>
+          <a:p>
+            <a:pPr algn="ctr"/>
+            <a:r>
+              <a:rPr lang="en-US" altLang="ko-KR" sz="1200" b="1"/>
+              <a:t>Cinder Volume</a:t>
+            </a:r>
+          </a:p>
+        </p:txBody>
+      </p:sp>
+      <p:sp>
+        <p:nvSpPr>
+          <p:cNvPr id="30" name="TextBox 29">
+            <a:extLst>
+              <a:ext uri="{FF2B5EF4-FFF2-40B4-BE49-F238E27FC236}">
+                <a16:creationId xmlns:a16="http://schemas.microsoft.com/office/drawing/2014/main" id="{BAC6F23F-E336-47AD-97C0-72667D551C4E}"/>
+              </a:ext>
+            </a:extLst>
+          </p:cNvPr>
+          <p:cNvSpPr txBox="1"/>
+          <p:nvPr/>
+        </p:nvSpPr>
+        <p:spPr>
+          <a:xfrm>
+            <a:off x="2112425" y="3781077"/>
+            <a:ext cx="1440157" cy="461665"/>
+          </a:xfrm>
+          <a:prstGeom prst="rect">
+            <a:avLst/>
+          </a:prstGeom>
+          <a:noFill/>
+        </p:spPr>
+        <p:txBody>
+          <a:bodyPr wrap="square" rtlCol="0">
+            <a:spAutoFit/>
+          </a:bodyPr>
+          <a:lstStyle/>
+          <a:p>
+            <a:pPr algn="ctr"/>
+            <a:r>
+              <a:rPr lang="en-US" altLang="ko-KR" sz="1200" b="1"/>
+              <a:t>Format &amp; Mount Cinder Volume</a:t>
+            </a:r>
+          </a:p>
+        </p:txBody>
+      </p:sp>
+      <p:sp>
+        <p:nvSpPr>
+          <p:cNvPr id="31" name="TextBox 30">
+            <a:extLst>
+              <a:ext uri="{FF2B5EF4-FFF2-40B4-BE49-F238E27FC236}">
+                <a16:creationId xmlns:a16="http://schemas.microsoft.com/office/drawing/2014/main" id="{EA4B2AB0-F6A3-421E-A6BF-0720C7510A7A}"/>
+              </a:ext>
+            </a:extLst>
+          </p:cNvPr>
+          <p:cNvSpPr txBox="1"/>
+          <p:nvPr/>
+        </p:nvSpPr>
+        <p:spPr>
+          <a:xfrm>
+            <a:off x="5591418" y="3781077"/>
+            <a:ext cx="1440157" cy="461665"/>
+          </a:xfrm>
+          <a:prstGeom prst="rect">
+            <a:avLst/>
+          </a:prstGeom>
+          <a:noFill/>
+        </p:spPr>
+        <p:txBody>
+          <a:bodyPr wrap="square" rtlCol="0">
+            <a:spAutoFit/>
+          </a:bodyPr>
+          <a:lstStyle/>
+          <a:p>
+            <a:pPr algn="ctr"/>
+            <a:r>
+              <a:rPr lang="en-US" altLang="ko-KR" sz="1200" b="1"/>
+              <a:t>Unmount </a:t>
+            </a:r>
+          </a:p>
+          <a:p>
+            <a:pPr algn="ctr"/>
+            <a:r>
+              <a:rPr lang="en-US" altLang="ko-KR" sz="1200" b="1"/>
+              <a:t>Cinder Volume</a:t>
+            </a:r>
+          </a:p>
+        </p:txBody>
+      </p:sp>
+    </p:spTree>
+    <p:extLst>
+      <p:ext uri="{BB962C8B-B14F-4D97-AF65-F5344CB8AC3E}">
+        <p14:creationId xmlns:p14="http://schemas.microsoft.com/office/powerpoint/2010/main" val="2429690121"/>
+      </p:ext>
+    </p:extLst>
+  </p:cSld>
+  <p:clrMapOvr>
+    <a:masterClrMapping/>
+  </p:clrMapOvr>
+</p:sld>
+</file>
+
+<file path=ppt/slides/slide3.xml><?xml version="1.0" encoding="utf-8"?>
+<p:sld xmlns:a="http://schemas.openxmlformats.org/drawingml/2006/main" xmlns:r="http://schemas.openxmlformats.org/officeDocument/2006/relationships" xmlns:p="http://schemas.openxmlformats.org/presentationml/2006/main">
+  <p:cSld>
+    <p:spTree>
+      <p:nvGrpSpPr>
+        <p:cNvPr id="1" name=""/>
+        <p:cNvGrpSpPr/>
+        <p:nvPr/>
+      </p:nvGrpSpPr>
+      <p:grpSpPr>
+        <a:xfrm>
+          <a:off x="0" y="0"/>
+          <a:ext cx="0" cy="0"/>
+          <a:chOff x="0" y="0"/>
+          <a:chExt cx="0" cy="0"/>
+        </a:xfrm>
+      </p:grpSpPr>
     </p:spTree>
     <p:extLst>
       <p:ext uri="{BB962C8B-B14F-4D97-AF65-F5344CB8AC3E}">
@@ -6078,7 +7496,7 @@
 </p:sld>
 </file>
 
-<file path=ppt/slides/slide3.xml><?xml version="1.0" encoding="utf-8"?>
+<file path=ppt/slides/slide4.xml><?xml version="1.0" encoding="utf-8"?>
 <p:sld xmlns:a="http://schemas.openxmlformats.org/drawingml/2006/main" xmlns:r="http://schemas.openxmlformats.org/officeDocument/2006/relationships" xmlns:p="http://schemas.openxmlformats.org/presentationml/2006/main">
   <p:cSld>
     <p:spTree>

--- a/images/theory_analysis/Kubernetes_OpenStack_Cinder_CSI_Plugin/Kubernetes_OpenStack_Cinder_CSI_Plugin.pptx
+++ b/images/theory_analysis/Kubernetes_OpenStack_Cinder_CSI_Plugin/Kubernetes_OpenStack_Cinder_CSI_Plugin.pptx
@@ -216,7 +216,7 @@
           <a:p>
             <a:fld id="{6CD5550B-26C4-49A9-A5BA-636EF7BE6CE9}" type="datetimeFigureOut">
               <a:rPr lang="ko-KR" altLang="en-US" smtClean="0"/>
-              <a:t>2020-05-04</a:t>
+              <a:t>2020-05-06</a:t>
             </a:fld>
             <a:endParaRPr lang="ko-KR" altLang="en-US"/>
           </a:p>
@@ -746,7 +746,7 @@
           <a:p>
             <a:fld id="{FB30EDBD-1C2D-4C1E-B459-B60219FAB484}" type="datetimeFigureOut">
               <a:rPr lang="ko-KR" altLang="en-US" smtClean="0"/>
-              <a:t>2020-05-04</a:t>
+              <a:t>2020-05-06</a:t>
             </a:fld>
             <a:endParaRPr lang="ko-KR" altLang="en-US"/>
           </a:p>
@@ -909,7 +909,7 @@
           <a:p>
             <a:fld id="{FB30EDBD-1C2D-4C1E-B459-B60219FAB484}" type="datetimeFigureOut">
               <a:rPr lang="ko-KR" altLang="en-US" smtClean="0"/>
-              <a:t>2020-05-04</a:t>
+              <a:t>2020-05-06</a:t>
             </a:fld>
             <a:endParaRPr lang="ko-KR" altLang="en-US"/>
           </a:p>
@@ -1082,7 +1082,7 @@
           <a:p>
             <a:fld id="{FB30EDBD-1C2D-4C1E-B459-B60219FAB484}" type="datetimeFigureOut">
               <a:rPr lang="ko-KR" altLang="en-US" smtClean="0"/>
-              <a:t>2020-05-04</a:t>
+              <a:t>2020-05-06</a:t>
             </a:fld>
             <a:endParaRPr lang="ko-KR" altLang="en-US"/>
           </a:p>
@@ -1245,7 +1245,7 @@
           <a:p>
             <a:fld id="{FB30EDBD-1C2D-4C1E-B459-B60219FAB484}" type="datetimeFigureOut">
               <a:rPr lang="ko-KR" altLang="en-US" smtClean="0"/>
-              <a:t>2020-05-04</a:t>
+              <a:t>2020-05-06</a:t>
             </a:fld>
             <a:endParaRPr lang="ko-KR" altLang="en-US"/>
           </a:p>
@@ -1485,7 +1485,7 @@
           <a:p>
             <a:fld id="{FB30EDBD-1C2D-4C1E-B459-B60219FAB484}" type="datetimeFigureOut">
               <a:rPr lang="ko-KR" altLang="en-US" smtClean="0"/>
-              <a:t>2020-05-04</a:t>
+              <a:t>2020-05-06</a:t>
             </a:fld>
             <a:endParaRPr lang="ko-KR" altLang="en-US"/>
           </a:p>
@@ -1765,7 +1765,7 @@
           <a:p>
             <a:fld id="{FB30EDBD-1C2D-4C1E-B459-B60219FAB484}" type="datetimeFigureOut">
               <a:rPr lang="ko-KR" altLang="en-US" smtClean="0"/>
-              <a:t>2020-05-04</a:t>
+              <a:t>2020-05-06</a:t>
             </a:fld>
             <a:endParaRPr lang="ko-KR" altLang="en-US"/>
           </a:p>
@@ -2179,7 +2179,7 @@
           <a:p>
             <a:fld id="{FB30EDBD-1C2D-4C1E-B459-B60219FAB484}" type="datetimeFigureOut">
               <a:rPr lang="ko-KR" altLang="en-US" smtClean="0"/>
-              <a:t>2020-05-04</a:t>
+              <a:t>2020-05-06</a:t>
             </a:fld>
             <a:endParaRPr lang="ko-KR" altLang="en-US"/>
           </a:p>
@@ -2291,7 +2291,7 @@
           <a:p>
             <a:fld id="{FB30EDBD-1C2D-4C1E-B459-B60219FAB484}" type="datetimeFigureOut">
               <a:rPr lang="ko-KR" altLang="en-US" smtClean="0"/>
-              <a:t>2020-05-04</a:t>
+              <a:t>2020-05-06</a:t>
             </a:fld>
             <a:endParaRPr lang="ko-KR" altLang="en-US"/>
           </a:p>
@@ -2381,7 +2381,7 @@
           <a:p>
             <a:fld id="{FB30EDBD-1C2D-4C1E-B459-B60219FAB484}" type="datetimeFigureOut">
               <a:rPr lang="ko-KR" altLang="en-US" smtClean="0"/>
-              <a:t>2020-05-04</a:t>
+              <a:t>2020-05-06</a:t>
             </a:fld>
             <a:endParaRPr lang="ko-KR" altLang="en-US"/>
           </a:p>
@@ -2651,7 +2651,7 @@
           <a:p>
             <a:fld id="{FB30EDBD-1C2D-4C1E-B459-B60219FAB484}" type="datetimeFigureOut">
               <a:rPr lang="ko-KR" altLang="en-US" smtClean="0"/>
-              <a:t>2020-05-04</a:t>
+              <a:t>2020-05-06</a:t>
             </a:fld>
             <a:endParaRPr lang="ko-KR" altLang="en-US"/>
           </a:p>
@@ -2898,7 +2898,7 @@
           <a:p>
             <a:fld id="{FB30EDBD-1C2D-4C1E-B459-B60219FAB484}" type="datetimeFigureOut">
               <a:rPr lang="ko-KR" altLang="en-US" smtClean="0"/>
-              <a:t>2020-05-04</a:t>
+              <a:t>2020-05-06</a:t>
             </a:fld>
             <a:endParaRPr lang="ko-KR" altLang="en-US"/>
           </a:p>
@@ -3104,7 +3104,7 @@
           <a:p>
             <a:fld id="{FB30EDBD-1C2D-4C1E-B459-B60219FAB484}" type="datetimeFigureOut">
               <a:rPr lang="ko-KR" altLang="en-US" smtClean="0"/>
-              <a:t>2020-05-04</a:t>
+              <a:t>2020-05-06</a:t>
             </a:fld>
             <a:endParaRPr lang="ko-KR" altLang="en-US"/>
           </a:p>
@@ -3653,7 +3653,7 @@
         <p:spPr>
           <a:xfrm>
             <a:off x="85725" y="1903672"/>
-            <a:ext cx="8937626" cy="1978008"/>
+            <a:ext cx="6253529" cy="1978008"/>
           </a:xfrm>
           <a:prstGeom prst="roundRect">
             <a:avLst>
@@ -3683,7 +3683,15 @@
             <a:pPr algn="ctr"/>
             <a:r>
               <a:rPr lang="en-US" altLang="ko-KR" sz="1200"/>
-              <a:t>K8s Worker VM</a:t>
+              <a:t>K8s Master</a:t>
+            </a:r>
+            <a:r>
+              <a:rPr lang="ko-KR" altLang="en-US" sz="1200"/>
+              <a:t> </a:t>
+            </a:r>
+            <a:r>
+              <a:rPr lang="en-US" altLang="ko-KR" sz="1200"/>
+              <a:t>VM / Worker VM</a:t>
             </a:r>
             <a:endParaRPr lang="en-US" altLang="ko-KR" sz="1200" dirty="0"/>
           </a:p>
@@ -5122,7 +5130,7 @@
         </p:nvGrpSpPr>
         <p:grpSpPr>
           <a:xfrm>
-            <a:off x="251520" y="3906317"/>
+            <a:off x="251520" y="3939902"/>
             <a:ext cx="3168352" cy="510141"/>
             <a:chOff x="244648" y="819175"/>
             <a:chExt cx="3579905" cy="510141"/>
@@ -5880,7 +5888,7 @@
         </p:nvGrpSpPr>
         <p:grpSpPr>
           <a:xfrm>
-            <a:off x="3618002" y="3958371"/>
+            <a:off x="3618002" y="4115856"/>
             <a:ext cx="3676552" cy="400110"/>
             <a:chOff x="2015807" y="3413060"/>
             <a:chExt cx="3676552" cy="400110"/>
@@ -6120,6 +6128,57 @@
           </a:fontRef>
         </p:style>
       </p:cxnSp>
+      <p:sp>
+        <p:nvSpPr>
+          <p:cNvPr id="59" name="모서리가 둥근 직사각형 47">
+            <a:extLst>
+              <a:ext uri="{FF2B5EF4-FFF2-40B4-BE49-F238E27FC236}">
+                <a16:creationId xmlns:a16="http://schemas.microsoft.com/office/drawing/2014/main" id="{1BEC6C05-2957-44BD-B750-0827B9E124E2}"/>
+              </a:ext>
+            </a:extLst>
+          </p:cNvPr>
+          <p:cNvSpPr/>
+          <p:nvPr/>
+        </p:nvSpPr>
+        <p:spPr>
+          <a:xfrm>
+            <a:off x="5161085" y="1903672"/>
+            <a:ext cx="3869140" cy="2194958"/>
+          </a:xfrm>
+          <a:prstGeom prst="roundRect">
+            <a:avLst>
+              <a:gd name="adj" fmla="val 4508"/>
+            </a:avLst>
+          </a:prstGeom>
+          <a:noFill/>
+        </p:spPr>
+        <p:style>
+          <a:lnRef idx="2">
+            <a:schemeClr val="dk1"/>
+          </a:lnRef>
+          <a:fillRef idx="1">
+            <a:schemeClr val="lt1"/>
+          </a:fillRef>
+          <a:effectRef idx="0">
+            <a:schemeClr val="dk1"/>
+          </a:effectRef>
+          <a:fontRef idx="minor">
+            <a:schemeClr val="dk1"/>
+          </a:fontRef>
+        </p:style>
+        <p:txBody>
+          <a:bodyPr rtlCol="0" anchor="b"/>
+          <a:lstStyle/>
+          <a:p>
+            <a:pPr algn="ctr"/>
+            <a:r>
+              <a:rPr lang="en-US" altLang="ko-KR" sz="1200"/>
+              <a:t>K8s Worker VM</a:t>
+            </a:r>
+            <a:endParaRPr lang="en-US" altLang="ko-KR" sz="1200" dirty="0"/>
+          </a:p>
+        </p:txBody>
+      </p:sp>
     </p:spTree>
     <p:extLst>
       <p:ext uri="{BB962C8B-B14F-4D97-AF65-F5344CB8AC3E}">

--- a/images/theory_analysis/Kubernetes_OpenStack_Cinder_CSI_Plugin/Kubernetes_OpenStack_Cinder_CSI_Plugin.pptx
+++ b/images/theory_analysis/Kubernetes_OpenStack_Cinder_CSI_Plugin/Kubernetes_OpenStack_Cinder_CSI_Plugin.pptx
@@ -5,13 +5,14 @@
     <p:sldMasterId id="2147483648" r:id="rId1"/>
   </p:sldMasterIdLst>
   <p:notesMasterIdLst>
-    <p:notesMasterId r:id="rId6"/>
+    <p:notesMasterId r:id="rId7"/>
   </p:notesMasterIdLst>
   <p:sldIdLst>
     <p:sldId id="398" r:id="rId2"/>
     <p:sldId id="424" r:id="rId3"/>
     <p:sldId id="400" r:id="rId4"/>
     <p:sldId id="399" r:id="rId5"/>
+    <p:sldId id="425" r:id="rId6"/>
   </p:sldIdLst>
   <p:sldSz cx="9144000" cy="5143500" type="screen16x9"/>
   <p:notesSz cx="6858000" cy="9144000"/>
@@ -216,7 +217,7 @@
           <a:p>
             <a:fld id="{6CD5550B-26C4-49A9-A5BA-636EF7BE6CE9}" type="datetimeFigureOut">
               <a:rPr lang="ko-KR" altLang="en-US" smtClean="0"/>
-              <a:t>2020-05-06</a:t>
+              <a:t>2021-07-28</a:t>
             </a:fld>
             <a:endParaRPr lang="ko-KR" altLang="en-US"/>
           </a:p>
@@ -567,6 +568,90 @@
 </p:notes>
 </file>
 
+<file path=ppt/notesSlides/notesSlide2.xml><?xml version="1.0" encoding="utf-8"?>
+<p:notes xmlns:a="http://schemas.openxmlformats.org/drawingml/2006/main" xmlns:r="http://schemas.openxmlformats.org/officeDocument/2006/relationships" xmlns:p="http://schemas.openxmlformats.org/presentationml/2006/main">
+  <p:cSld>
+    <p:spTree>
+      <p:nvGrpSpPr>
+        <p:cNvPr id="1" name=""/>
+        <p:cNvGrpSpPr/>
+        <p:nvPr/>
+      </p:nvGrpSpPr>
+      <p:grpSpPr>
+        <a:xfrm>
+          <a:off x="0" y="0"/>
+          <a:ext cx="0" cy="0"/>
+          <a:chOff x="0" y="0"/>
+          <a:chExt cx="0" cy="0"/>
+        </a:xfrm>
+      </p:grpSpPr>
+      <p:sp>
+        <p:nvSpPr>
+          <p:cNvPr id="2" name="슬라이드 이미지 개체 틀 1"/>
+          <p:cNvSpPr>
+            <a:spLocks noGrp="1" noRot="1" noChangeAspect="1"/>
+          </p:cNvSpPr>
+          <p:nvPr>
+            <p:ph type="sldImg"/>
+          </p:nvPr>
+        </p:nvSpPr>
+        <p:spPr/>
+      </p:sp>
+      <p:sp>
+        <p:nvSpPr>
+          <p:cNvPr id="3" name="슬라이드 노트 개체 틀 2"/>
+          <p:cNvSpPr>
+            <a:spLocks noGrp="1"/>
+          </p:cNvSpPr>
+          <p:nvPr>
+            <p:ph type="body" idx="1"/>
+          </p:nvPr>
+        </p:nvSpPr>
+        <p:spPr/>
+        <p:txBody>
+          <a:bodyPr/>
+          <a:lstStyle/>
+          <a:p>
+            <a:endParaRPr lang="ko-KR" altLang="en-US"/>
+          </a:p>
+        </p:txBody>
+      </p:sp>
+      <p:sp>
+        <p:nvSpPr>
+          <p:cNvPr id="4" name="슬라이드 번호 개체 틀 3"/>
+          <p:cNvSpPr>
+            <a:spLocks noGrp="1"/>
+          </p:cNvSpPr>
+          <p:nvPr>
+            <p:ph type="sldNum" sz="quarter" idx="10"/>
+          </p:nvPr>
+        </p:nvSpPr>
+        <p:spPr/>
+        <p:txBody>
+          <a:bodyPr/>
+          <a:lstStyle/>
+          <a:p>
+            <a:fld id="{BA5DFA43-8D57-47FB-BC46-057616015C3B}" type="slidenum">
+              <a:rPr lang="ko-KR" altLang="en-US" smtClean="0"/>
+              <a:t>5</a:t>
+            </a:fld>
+            <a:endParaRPr lang="ko-KR" altLang="en-US"/>
+          </a:p>
+        </p:txBody>
+      </p:sp>
+    </p:spTree>
+    <p:extLst>
+      <p:ext uri="{BB962C8B-B14F-4D97-AF65-F5344CB8AC3E}">
+        <p14:creationId xmlns:p14="http://schemas.microsoft.com/office/powerpoint/2010/main" val="2194635822"/>
+      </p:ext>
+    </p:extLst>
+  </p:cSld>
+  <p:clrMapOvr>
+    <a:masterClrMapping/>
+  </p:clrMapOvr>
+</p:notes>
+</file>
+
 <file path=ppt/slideLayouts/slideLayout1.xml><?xml version="1.0" encoding="utf-8"?>
 <p:sldLayout xmlns:a="http://schemas.openxmlformats.org/drawingml/2006/main" xmlns:r="http://schemas.openxmlformats.org/officeDocument/2006/relationships" xmlns:p="http://schemas.openxmlformats.org/presentationml/2006/main" type="title" preserve="1">
   <p:cSld name="제목 슬라이드">
@@ -746,7 +831,7 @@
           <a:p>
             <a:fld id="{FB30EDBD-1C2D-4C1E-B459-B60219FAB484}" type="datetimeFigureOut">
               <a:rPr lang="ko-KR" altLang="en-US" smtClean="0"/>
-              <a:t>2020-05-06</a:t>
+              <a:t>2021-07-28</a:t>
             </a:fld>
             <a:endParaRPr lang="ko-KR" altLang="en-US"/>
           </a:p>
@@ -909,7 +994,7 @@
           <a:p>
             <a:fld id="{FB30EDBD-1C2D-4C1E-B459-B60219FAB484}" type="datetimeFigureOut">
               <a:rPr lang="ko-KR" altLang="en-US" smtClean="0"/>
-              <a:t>2020-05-06</a:t>
+              <a:t>2021-07-28</a:t>
             </a:fld>
             <a:endParaRPr lang="ko-KR" altLang="en-US"/>
           </a:p>
@@ -1082,7 +1167,7 @@
           <a:p>
             <a:fld id="{FB30EDBD-1C2D-4C1E-B459-B60219FAB484}" type="datetimeFigureOut">
               <a:rPr lang="ko-KR" altLang="en-US" smtClean="0"/>
-              <a:t>2020-05-06</a:t>
+              <a:t>2021-07-28</a:t>
             </a:fld>
             <a:endParaRPr lang="ko-KR" altLang="en-US"/>
           </a:p>
@@ -1245,7 +1330,7 @@
           <a:p>
             <a:fld id="{FB30EDBD-1C2D-4C1E-B459-B60219FAB484}" type="datetimeFigureOut">
               <a:rPr lang="ko-KR" altLang="en-US" smtClean="0"/>
-              <a:t>2020-05-06</a:t>
+              <a:t>2021-07-28</a:t>
             </a:fld>
             <a:endParaRPr lang="ko-KR" altLang="en-US"/>
           </a:p>
@@ -1485,7 +1570,7 @@
           <a:p>
             <a:fld id="{FB30EDBD-1C2D-4C1E-B459-B60219FAB484}" type="datetimeFigureOut">
               <a:rPr lang="ko-KR" altLang="en-US" smtClean="0"/>
-              <a:t>2020-05-06</a:t>
+              <a:t>2021-07-28</a:t>
             </a:fld>
             <a:endParaRPr lang="ko-KR" altLang="en-US"/>
           </a:p>
@@ -1765,7 +1850,7 @@
           <a:p>
             <a:fld id="{FB30EDBD-1C2D-4C1E-B459-B60219FAB484}" type="datetimeFigureOut">
               <a:rPr lang="ko-KR" altLang="en-US" smtClean="0"/>
-              <a:t>2020-05-06</a:t>
+              <a:t>2021-07-28</a:t>
             </a:fld>
             <a:endParaRPr lang="ko-KR" altLang="en-US"/>
           </a:p>
@@ -2179,7 +2264,7 @@
           <a:p>
             <a:fld id="{FB30EDBD-1C2D-4C1E-B459-B60219FAB484}" type="datetimeFigureOut">
               <a:rPr lang="ko-KR" altLang="en-US" smtClean="0"/>
-              <a:t>2020-05-06</a:t>
+              <a:t>2021-07-28</a:t>
             </a:fld>
             <a:endParaRPr lang="ko-KR" altLang="en-US"/>
           </a:p>
@@ -2291,7 +2376,7 @@
           <a:p>
             <a:fld id="{FB30EDBD-1C2D-4C1E-B459-B60219FAB484}" type="datetimeFigureOut">
               <a:rPr lang="ko-KR" altLang="en-US" smtClean="0"/>
-              <a:t>2020-05-06</a:t>
+              <a:t>2021-07-28</a:t>
             </a:fld>
             <a:endParaRPr lang="ko-KR" altLang="en-US"/>
           </a:p>
@@ -2381,7 +2466,7 @@
           <a:p>
             <a:fld id="{FB30EDBD-1C2D-4C1E-B459-B60219FAB484}" type="datetimeFigureOut">
               <a:rPr lang="ko-KR" altLang="en-US" smtClean="0"/>
-              <a:t>2020-05-06</a:t>
+              <a:t>2021-07-28</a:t>
             </a:fld>
             <a:endParaRPr lang="ko-KR" altLang="en-US"/>
           </a:p>
@@ -2651,7 +2736,7 @@
           <a:p>
             <a:fld id="{FB30EDBD-1C2D-4C1E-B459-B60219FAB484}" type="datetimeFigureOut">
               <a:rPr lang="ko-KR" altLang="en-US" smtClean="0"/>
-              <a:t>2020-05-06</a:t>
+              <a:t>2021-07-28</a:t>
             </a:fld>
             <a:endParaRPr lang="ko-KR" altLang="en-US"/>
           </a:p>
@@ -2898,7 +2983,7 @@
           <a:p>
             <a:fld id="{FB30EDBD-1C2D-4C1E-B459-B60219FAB484}" type="datetimeFigureOut">
               <a:rPr lang="ko-KR" altLang="en-US" smtClean="0"/>
-              <a:t>2020-05-06</a:t>
+              <a:t>2021-07-28</a:t>
             </a:fld>
             <a:endParaRPr lang="ko-KR" altLang="en-US"/>
           </a:p>
@@ -3104,7 +3189,7 @@
           <a:p>
             <a:fld id="{FB30EDBD-1C2D-4C1E-B459-B60219FAB484}" type="datetimeFigureOut">
               <a:rPr lang="ko-KR" altLang="en-US" smtClean="0"/>
-              <a:t>2020-05-06</a:t>
+              <a:t>2021-07-28</a:t>
             </a:fld>
             <a:endParaRPr lang="ko-KR" altLang="en-US"/>
           </a:p>
@@ -7447,8 +7532,8 @@
         </p:nvSpPr>
         <p:spPr>
           <a:xfrm>
-            <a:off x="2112425" y="3781077"/>
-            <a:ext cx="1440157" cy="461665"/>
+            <a:off x="2112425" y="3784626"/>
+            <a:ext cx="1440158" cy="461665"/>
           </a:xfrm>
           <a:prstGeom prst="rect">
             <a:avLst/>
@@ -7464,17 +7549,17 @@
             <a:pPr algn="ctr"/>
             <a:r>
               <a:rPr lang="en-US" altLang="ko-KR" sz="1200" b="1"/>
-              <a:t>Format &amp; Mount Cinder Volume</a:t>
-            </a:r>
-          </a:p>
-        </p:txBody>
-      </p:sp>
-      <p:sp>
-        <p:nvSpPr>
-          <p:cNvPr id="31" name="TextBox 30">
-            <a:extLst>
-              <a:ext uri="{FF2B5EF4-FFF2-40B4-BE49-F238E27FC236}">
-                <a16:creationId xmlns:a16="http://schemas.microsoft.com/office/drawing/2014/main" id="{EA4B2AB0-F6A3-421E-A6BF-0720C7510A7A}"/>
+              <a:t>Create Bind Mount</a:t>
+            </a:r>
+          </a:p>
+        </p:txBody>
+      </p:sp>
+      <p:sp>
+        <p:nvSpPr>
+          <p:cNvPr id="50" name="TextBox 49">
+            <a:extLst>
+              <a:ext uri="{FF2B5EF4-FFF2-40B4-BE49-F238E27FC236}">
+                <a16:creationId xmlns:a16="http://schemas.microsoft.com/office/drawing/2014/main" id="{B94B009E-3A2C-41A0-ADB1-94C07F934A16}"/>
               </a:ext>
             </a:extLst>
           </p:cNvPr>
@@ -7483,8 +7568,8 @@
         </p:nvSpPr>
         <p:spPr>
           <a:xfrm>
-            <a:off x="5591418" y="3781077"/>
-            <a:ext cx="1440157" cy="461665"/>
+            <a:off x="5591417" y="3784626"/>
+            <a:ext cx="1440158" cy="461665"/>
           </a:xfrm>
           <a:prstGeom prst="rect">
             <a:avLst/>
@@ -7500,14 +7585,7 @@
             <a:pPr algn="ctr"/>
             <a:r>
               <a:rPr lang="en-US" altLang="ko-KR" sz="1200" b="1"/>
-              <a:t>Unmount </a:t>
-            </a:r>
-          </a:p>
-          <a:p>
-            <a:pPr algn="ctr"/>
-            <a:r>
-              <a:rPr lang="en-US" altLang="ko-KR" sz="1200" b="1"/>
-              <a:t>Cinder Volume</a:t>
+              <a:t>Delete Bind Mount</a:t>
             </a:r>
           </a:p>
         </p:txBody>
@@ -10005,6 +10083,1339 @@
     <p:extLst>
       <p:ext uri="{BB962C8B-B14F-4D97-AF65-F5344CB8AC3E}">
         <p14:creationId xmlns:p14="http://schemas.microsoft.com/office/powerpoint/2010/main" val="1167319711"/>
+      </p:ext>
+    </p:extLst>
+  </p:cSld>
+  <p:clrMapOvr>
+    <a:masterClrMapping/>
+  </p:clrMapOvr>
+</p:sld>
+</file>
+
+<file path=ppt/slides/slide5.xml><?xml version="1.0" encoding="utf-8"?>
+<p:sld xmlns:a="http://schemas.openxmlformats.org/drawingml/2006/main" xmlns:r="http://schemas.openxmlformats.org/officeDocument/2006/relationships" xmlns:p="http://schemas.openxmlformats.org/presentationml/2006/main">
+  <p:cSld>
+    <p:spTree>
+      <p:nvGrpSpPr>
+        <p:cNvPr id="1" name=""/>
+        <p:cNvGrpSpPr/>
+        <p:nvPr/>
+      </p:nvGrpSpPr>
+      <p:grpSpPr>
+        <a:xfrm>
+          <a:off x="0" y="0"/>
+          <a:ext cx="0" cy="0"/>
+          <a:chOff x="0" y="0"/>
+          <a:chExt cx="0" cy="0"/>
+        </a:xfrm>
+      </p:grpSpPr>
+      <p:sp>
+        <p:nvSpPr>
+          <p:cNvPr id="2" name="제목 1">
+            <a:extLst>
+              <a:ext uri="{FF2B5EF4-FFF2-40B4-BE49-F238E27FC236}">
+                <a16:creationId xmlns:a16="http://schemas.microsoft.com/office/drawing/2014/main" id="{8738443D-5E72-49E2-86AC-581D61C41C39}"/>
+              </a:ext>
+            </a:extLst>
+          </p:cNvPr>
+          <p:cNvSpPr>
+            <a:spLocks noGrp="1"/>
+          </p:cNvSpPr>
+          <p:nvPr>
+            <p:ph type="title"/>
+          </p:nvPr>
+        </p:nvSpPr>
+        <p:spPr>
+          <a:xfrm>
+            <a:off x="457200" y="-92546"/>
+            <a:ext cx="8229600" cy="857250"/>
+          </a:xfrm>
+        </p:spPr>
+        <p:txBody>
+          <a:bodyPr/>
+          <a:lstStyle/>
+          <a:p>
+            <a:r>
+              <a:rPr lang="en-US" altLang="ko-KR"/>
+              <a:t>CSI Cinder Volume Lifecycle</a:t>
+            </a:r>
+            <a:endParaRPr lang="ko-KR" altLang="en-US" dirty="0"/>
+          </a:p>
+        </p:txBody>
+      </p:sp>
+      <p:sp>
+        <p:nvSpPr>
+          <p:cNvPr id="19" name="사각형: 둥근 모서리 114">
+            <a:extLst>
+              <a:ext uri="{FF2B5EF4-FFF2-40B4-BE49-F238E27FC236}">
+                <a16:creationId xmlns:a16="http://schemas.microsoft.com/office/drawing/2014/main" id="{E6C92C75-2BF0-48B3-804E-8E2D741C1E19}"/>
+              </a:ext>
+            </a:extLst>
+          </p:cNvPr>
+          <p:cNvSpPr/>
+          <p:nvPr/>
+        </p:nvSpPr>
+        <p:spPr>
+          <a:xfrm>
+            <a:off x="3810152" y="1131590"/>
+            <a:ext cx="1481926" cy="360040"/>
+          </a:xfrm>
+          <a:prstGeom prst="roundRect">
+            <a:avLst>
+              <a:gd name="adj" fmla="val 6774"/>
+            </a:avLst>
+          </a:prstGeom>
+        </p:spPr>
+        <p:style>
+          <a:lnRef idx="2">
+            <a:schemeClr val="dk1"/>
+          </a:lnRef>
+          <a:fillRef idx="1">
+            <a:schemeClr val="lt1"/>
+          </a:fillRef>
+          <a:effectRef idx="0">
+            <a:schemeClr val="dk1"/>
+          </a:effectRef>
+          <a:fontRef idx="minor">
+            <a:schemeClr val="dk1"/>
+          </a:fontRef>
+        </p:style>
+        <p:txBody>
+          <a:bodyPr rtlCol="0" anchor="ctr"/>
+          <a:lstStyle/>
+          <a:p>
+            <a:pPr algn="ctr"/>
+            <a:r>
+              <a:rPr lang="en-US" altLang="ko-KR" sz="1400"/>
+              <a:t>CREATED</a:t>
+            </a:r>
+            <a:endParaRPr lang="ko-KR" altLang="en-US" sz="1400" b="1" dirty="0">
+              <a:solidFill>
+                <a:schemeClr val="accent2">
+                  <a:lumMod val="75000"/>
+                </a:schemeClr>
+              </a:solidFill>
+            </a:endParaRPr>
+          </a:p>
+        </p:txBody>
+      </p:sp>
+      <p:sp>
+        <p:nvSpPr>
+          <p:cNvPr id="14" name="사각형: 둥근 모서리 114">
+            <a:extLst>
+              <a:ext uri="{FF2B5EF4-FFF2-40B4-BE49-F238E27FC236}">
+                <a16:creationId xmlns:a16="http://schemas.microsoft.com/office/drawing/2014/main" id="{E6513C3F-9A2A-4556-909A-87B03BF1560C}"/>
+              </a:ext>
+            </a:extLst>
+          </p:cNvPr>
+          <p:cNvSpPr/>
+          <p:nvPr/>
+        </p:nvSpPr>
+        <p:spPr>
+          <a:xfrm>
+            <a:off x="3810152" y="2211710"/>
+            <a:ext cx="1481926" cy="360040"/>
+          </a:xfrm>
+          <a:prstGeom prst="roundRect">
+            <a:avLst>
+              <a:gd name="adj" fmla="val 6774"/>
+            </a:avLst>
+          </a:prstGeom>
+        </p:spPr>
+        <p:style>
+          <a:lnRef idx="2">
+            <a:schemeClr val="dk1"/>
+          </a:lnRef>
+          <a:fillRef idx="1">
+            <a:schemeClr val="lt1"/>
+          </a:fillRef>
+          <a:effectRef idx="0">
+            <a:schemeClr val="dk1"/>
+          </a:effectRef>
+          <a:fontRef idx="minor">
+            <a:schemeClr val="dk1"/>
+          </a:fontRef>
+        </p:style>
+        <p:txBody>
+          <a:bodyPr rtlCol="0" anchor="ctr"/>
+          <a:lstStyle/>
+          <a:p>
+            <a:pPr algn="ctr"/>
+            <a:r>
+              <a:rPr lang="en-US" altLang="ko-KR" sz="1400"/>
+              <a:t>NODE READY</a:t>
+            </a:r>
+            <a:endParaRPr lang="ko-KR" altLang="en-US" sz="1400" b="1" dirty="0">
+              <a:solidFill>
+                <a:schemeClr val="accent2">
+                  <a:lumMod val="75000"/>
+                </a:schemeClr>
+              </a:solidFill>
+            </a:endParaRPr>
+          </a:p>
+        </p:txBody>
+      </p:sp>
+      <p:sp>
+        <p:nvSpPr>
+          <p:cNvPr id="21" name="사각형: 둥근 모서리 114">
+            <a:extLst>
+              <a:ext uri="{FF2B5EF4-FFF2-40B4-BE49-F238E27FC236}">
+                <a16:creationId xmlns:a16="http://schemas.microsoft.com/office/drawing/2014/main" id="{54C3D1E9-B6F4-4355-A127-0D1767E93EE5}"/>
+              </a:ext>
+            </a:extLst>
+          </p:cNvPr>
+          <p:cNvSpPr/>
+          <p:nvPr/>
+        </p:nvSpPr>
+        <p:spPr>
+          <a:xfrm>
+            <a:off x="3810152" y="3291830"/>
+            <a:ext cx="1481926" cy="360040"/>
+          </a:xfrm>
+          <a:prstGeom prst="roundRect">
+            <a:avLst>
+              <a:gd name="adj" fmla="val 6774"/>
+            </a:avLst>
+          </a:prstGeom>
+        </p:spPr>
+        <p:style>
+          <a:lnRef idx="2">
+            <a:schemeClr val="dk1"/>
+          </a:lnRef>
+          <a:fillRef idx="1">
+            <a:schemeClr val="lt1"/>
+          </a:fillRef>
+          <a:effectRef idx="0">
+            <a:schemeClr val="dk1"/>
+          </a:effectRef>
+          <a:fontRef idx="minor">
+            <a:schemeClr val="dk1"/>
+          </a:fontRef>
+        </p:style>
+        <p:txBody>
+          <a:bodyPr rtlCol="0" anchor="ctr"/>
+          <a:lstStyle/>
+          <a:p>
+            <a:pPr algn="ctr"/>
+            <a:r>
+              <a:rPr lang="en-US" altLang="ko-KR" sz="1400"/>
+              <a:t>VOL READY</a:t>
+            </a:r>
+            <a:endParaRPr lang="ko-KR" altLang="en-US" sz="1400" b="1" dirty="0">
+              <a:solidFill>
+                <a:schemeClr val="accent2">
+                  <a:lumMod val="75000"/>
+                </a:schemeClr>
+              </a:solidFill>
+            </a:endParaRPr>
+          </a:p>
+        </p:txBody>
+      </p:sp>
+      <p:sp>
+        <p:nvSpPr>
+          <p:cNvPr id="22" name="사각형: 둥근 모서리 114">
+            <a:extLst>
+              <a:ext uri="{FF2B5EF4-FFF2-40B4-BE49-F238E27FC236}">
+                <a16:creationId xmlns:a16="http://schemas.microsoft.com/office/drawing/2014/main" id="{590303BF-9597-4818-A32B-78FF3C72BF82}"/>
+              </a:ext>
+            </a:extLst>
+          </p:cNvPr>
+          <p:cNvSpPr/>
+          <p:nvPr/>
+        </p:nvSpPr>
+        <p:spPr>
+          <a:xfrm>
+            <a:off x="3810152" y="4371950"/>
+            <a:ext cx="1481926" cy="360040"/>
+          </a:xfrm>
+          <a:prstGeom prst="roundRect">
+            <a:avLst>
+              <a:gd name="adj" fmla="val 6774"/>
+            </a:avLst>
+          </a:prstGeom>
+        </p:spPr>
+        <p:style>
+          <a:lnRef idx="2">
+            <a:schemeClr val="dk1"/>
+          </a:lnRef>
+          <a:fillRef idx="1">
+            <a:schemeClr val="lt1"/>
+          </a:fillRef>
+          <a:effectRef idx="0">
+            <a:schemeClr val="dk1"/>
+          </a:effectRef>
+          <a:fontRef idx="minor">
+            <a:schemeClr val="dk1"/>
+          </a:fontRef>
+        </p:style>
+        <p:txBody>
+          <a:bodyPr rtlCol="0" anchor="ctr"/>
+          <a:lstStyle/>
+          <a:p>
+            <a:pPr algn="ctr"/>
+            <a:r>
+              <a:rPr lang="en-US" altLang="ko-KR" sz="1400"/>
+              <a:t>PUBLISHED</a:t>
+            </a:r>
+            <a:endParaRPr lang="ko-KR" altLang="en-US" sz="1400" b="1" dirty="0">
+              <a:solidFill>
+                <a:schemeClr val="accent2">
+                  <a:lumMod val="75000"/>
+                </a:schemeClr>
+              </a:solidFill>
+            </a:endParaRPr>
+          </a:p>
+        </p:txBody>
+      </p:sp>
+      <p:cxnSp>
+        <p:nvCxnSpPr>
+          <p:cNvPr id="33" name="직선 연결선 32">
+            <a:extLst>
+              <a:ext uri="{FF2B5EF4-FFF2-40B4-BE49-F238E27FC236}">
+                <a16:creationId xmlns:a16="http://schemas.microsoft.com/office/drawing/2014/main" id="{517CD418-966B-4236-962A-A79DA54DBAA3}"/>
+              </a:ext>
+            </a:extLst>
+          </p:cNvPr>
+          <p:cNvCxnSpPr>
+            <a:cxnSpLocks/>
+          </p:cNvCxnSpPr>
+          <p:nvPr/>
+        </p:nvCxnSpPr>
+        <p:spPr>
+          <a:xfrm>
+            <a:off x="4355976" y="1491630"/>
+            <a:ext cx="0" cy="720080"/>
+          </a:xfrm>
+          <a:prstGeom prst="line">
+            <a:avLst/>
+          </a:prstGeom>
+          <a:ln w="19050">
+            <a:solidFill>
+              <a:schemeClr val="tx1"/>
+            </a:solidFill>
+            <a:headEnd type="none" w="med" len="med"/>
+            <a:tailEnd type="arrow" w="med" len="med"/>
+          </a:ln>
+        </p:spPr>
+        <p:style>
+          <a:lnRef idx="1">
+            <a:schemeClr val="accent1"/>
+          </a:lnRef>
+          <a:fillRef idx="0">
+            <a:schemeClr val="accent1"/>
+          </a:fillRef>
+          <a:effectRef idx="0">
+            <a:schemeClr val="accent1"/>
+          </a:effectRef>
+          <a:fontRef idx="minor">
+            <a:schemeClr val="tx1"/>
+          </a:fontRef>
+        </p:style>
+      </p:cxnSp>
+      <p:cxnSp>
+        <p:nvCxnSpPr>
+          <p:cNvPr id="35" name="직선 연결선 34">
+            <a:extLst>
+              <a:ext uri="{FF2B5EF4-FFF2-40B4-BE49-F238E27FC236}">
+                <a16:creationId xmlns:a16="http://schemas.microsoft.com/office/drawing/2014/main" id="{88933655-BC4B-4547-9824-2AA22931E543}"/>
+              </a:ext>
+            </a:extLst>
+          </p:cNvPr>
+          <p:cNvCxnSpPr>
+            <a:cxnSpLocks/>
+          </p:cNvCxnSpPr>
+          <p:nvPr/>
+        </p:nvCxnSpPr>
+        <p:spPr>
+          <a:xfrm>
+            <a:off x="4355976" y="2571750"/>
+            <a:ext cx="0" cy="720080"/>
+          </a:xfrm>
+          <a:prstGeom prst="line">
+            <a:avLst/>
+          </a:prstGeom>
+          <a:ln w="19050">
+            <a:solidFill>
+              <a:schemeClr val="tx1"/>
+            </a:solidFill>
+            <a:headEnd type="none" w="med" len="med"/>
+            <a:tailEnd type="arrow" w="med" len="med"/>
+          </a:ln>
+        </p:spPr>
+        <p:style>
+          <a:lnRef idx="1">
+            <a:schemeClr val="accent1"/>
+          </a:lnRef>
+          <a:fillRef idx="0">
+            <a:schemeClr val="accent1"/>
+          </a:fillRef>
+          <a:effectRef idx="0">
+            <a:schemeClr val="accent1"/>
+          </a:effectRef>
+          <a:fontRef idx="minor">
+            <a:schemeClr val="tx1"/>
+          </a:fontRef>
+        </p:style>
+      </p:cxnSp>
+      <p:cxnSp>
+        <p:nvCxnSpPr>
+          <p:cNvPr id="36" name="직선 연결선 35">
+            <a:extLst>
+              <a:ext uri="{FF2B5EF4-FFF2-40B4-BE49-F238E27FC236}">
+                <a16:creationId xmlns:a16="http://schemas.microsoft.com/office/drawing/2014/main" id="{886EA343-24A7-4169-A079-D0D5EA32059D}"/>
+              </a:ext>
+            </a:extLst>
+          </p:cNvPr>
+          <p:cNvCxnSpPr>
+            <a:cxnSpLocks/>
+          </p:cNvCxnSpPr>
+          <p:nvPr/>
+        </p:nvCxnSpPr>
+        <p:spPr>
+          <a:xfrm>
+            <a:off x="4355976" y="3651870"/>
+            <a:ext cx="0" cy="720080"/>
+          </a:xfrm>
+          <a:prstGeom prst="line">
+            <a:avLst/>
+          </a:prstGeom>
+          <a:ln w="19050">
+            <a:solidFill>
+              <a:schemeClr val="tx1"/>
+            </a:solidFill>
+            <a:headEnd type="none" w="med" len="med"/>
+            <a:tailEnd type="arrow" w="med" len="med"/>
+          </a:ln>
+        </p:spPr>
+        <p:style>
+          <a:lnRef idx="1">
+            <a:schemeClr val="accent1"/>
+          </a:lnRef>
+          <a:fillRef idx="0">
+            <a:schemeClr val="accent1"/>
+          </a:fillRef>
+          <a:effectRef idx="0">
+            <a:schemeClr val="accent1"/>
+          </a:effectRef>
+          <a:fontRef idx="minor">
+            <a:schemeClr val="tx1"/>
+          </a:fontRef>
+        </p:style>
+      </p:cxnSp>
+      <p:cxnSp>
+        <p:nvCxnSpPr>
+          <p:cNvPr id="37" name="직선 연결선 36">
+            <a:extLst>
+              <a:ext uri="{FF2B5EF4-FFF2-40B4-BE49-F238E27FC236}">
+                <a16:creationId xmlns:a16="http://schemas.microsoft.com/office/drawing/2014/main" id="{40AFE86A-137C-4522-B94C-9F7C83721321}"/>
+              </a:ext>
+            </a:extLst>
+          </p:cNvPr>
+          <p:cNvCxnSpPr>
+            <a:cxnSpLocks/>
+          </p:cNvCxnSpPr>
+          <p:nvPr/>
+        </p:nvCxnSpPr>
+        <p:spPr>
+          <a:xfrm>
+            <a:off x="4762376" y="1491630"/>
+            <a:ext cx="0" cy="720080"/>
+          </a:xfrm>
+          <a:prstGeom prst="line">
+            <a:avLst/>
+          </a:prstGeom>
+          <a:ln w="19050">
+            <a:solidFill>
+              <a:schemeClr val="tx1"/>
+            </a:solidFill>
+            <a:headEnd type="arrow" w="med" len="med"/>
+            <a:tailEnd type="none" w="med" len="med"/>
+          </a:ln>
+        </p:spPr>
+        <p:style>
+          <a:lnRef idx="1">
+            <a:schemeClr val="accent1"/>
+          </a:lnRef>
+          <a:fillRef idx="0">
+            <a:schemeClr val="accent1"/>
+          </a:fillRef>
+          <a:effectRef idx="0">
+            <a:schemeClr val="accent1"/>
+          </a:effectRef>
+          <a:fontRef idx="minor">
+            <a:schemeClr val="tx1"/>
+          </a:fontRef>
+        </p:style>
+      </p:cxnSp>
+      <p:cxnSp>
+        <p:nvCxnSpPr>
+          <p:cNvPr id="38" name="직선 연결선 37">
+            <a:extLst>
+              <a:ext uri="{FF2B5EF4-FFF2-40B4-BE49-F238E27FC236}">
+                <a16:creationId xmlns:a16="http://schemas.microsoft.com/office/drawing/2014/main" id="{D6893780-905F-4E5D-BF66-127C7232F150}"/>
+              </a:ext>
+            </a:extLst>
+          </p:cNvPr>
+          <p:cNvCxnSpPr>
+            <a:cxnSpLocks/>
+          </p:cNvCxnSpPr>
+          <p:nvPr/>
+        </p:nvCxnSpPr>
+        <p:spPr>
+          <a:xfrm>
+            <a:off x="4762376" y="2571750"/>
+            <a:ext cx="0" cy="720080"/>
+          </a:xfrm>
+          <a:prstGeom prst="line">
+            <a:avLst/>
+          </a:prstGeom>
+          <a:ln w="19050">
+            <a:solidFill>
+              <a:schemeClr val="tx1"/>
+            </a:solidFill>
+            <a:headEnd type="arrow" w="med" len="med"/>
+            <a:tailEnd type="none" w="med" len="med"/>
+          </a:ln>
+        </p:spPr>
+        <p:style>
+          <a:lnRef idx="1">
+            <a:schemeClr val="accent1"/>
+          </a:lnRef>
+          <a:fillRef idx="0">
+            <a:schemeClr val="accent1"/>
+          </a:fillRef>
+          <a:effectRef idx="0">
+            <a:schemeClr val="accent1"/>
+          </a:effectRef>
+          <a:fontRef idx="minor">
+            <a:schemeClr val="tx1"/>
+          </a:fontRef>
+        </p:style>
+      </p:cxnSp>
+      <p:cxnSp>
+        <p:nvCxnSpPr>
+          <p:cNvPr id="39" name="직선 연결선 38">
+            <a:extLst>
+              <a:ext uri="{FF2B5EF4-FFF2-40B4-BE49-F238E27FC236}">
+                <a16:creationId xmlns:a16="http://schemas.microsoft.com/office/drawing/2014/main" id="{C160B9DA-7B02-41CA-82FE-5DB9FD239E61}"/>
+              </a:ext>
+            </a:extLst>
+          </p:cNvPr>
+          <p:cNvCxnSpPr>
+            <a:cxnSpLocks/>
+          </p:cNvCxnSpPr>
+          <p:nvPr/>
+        </p:nvCxnSpPr>
+        <p:spPr>
+          <a:xfrm>
+            <a:off x="4762376" y="3651870"/>
+            <a:ext cx="0" cy="720080"/>
+          </a:xfrm>
+          <a:prstGeom prst="line">
+            <a:avLst/>
+          </a:prstGeom>
+          <a:ln w="19050">
+            <a:solidFill>
+              <a:schemeClr val="tx1"/>
+            </a:solidFill>
+            <a:headEnd type="arrow" w="med" len="med"/>
+            <a:tailEnd type="none" w="med" len="med"/>
+          </a:ln>
+        </p:spPr>
+        <p:style>
+          <a:lnRef idx="1">
+            <a:schemeClr val="accent1"/>
+          </a:lnRef>
+          <a:fillRef idx="0">
+            <a:schemeClr val="accent1"/>
+          </a:fillRef>
+          <a:effectRef idx="0">
+            <a:schemeClr val="accent1"/>
+          </a:effectRef>
+          <a:fontRef idx="minor">
+            <a:schemeClr val="tx1"/>
+          </a:fontRef>
+        </p:style>
+      </p:cxnSp>
+      <p:cxnSp>
+        <p:nvCxnSpPr>
+          <p:cNvPr id="40" name="직선 연결선 39">
+            <a:extLst>
+              <a:ext uri="{FF2B5EF4-FFF2-40B4-BE49-F238E27FC236}">
+                <a16:creationId xmlns:a16="http://schemas.microsoft.com/office/drawing/2014/main" id="{A11405DC-2D92-4CC7-9E26-04D7BD319862}"/>
+              </a:ext>
+            </a:extLst>
+          </p:cNvPr>
+          <p:cNvCxnSpPr>
+            <a:cxnSpLocks/>
+            <a:endCxn id="19" idx="1"/>
+          </p:cNvCxnSpPr>
+          <p:nvPr/>
+        </p:nvCxnSpPr>
+        <p:spPr>
+          <a:xfrm>
+            <a:off x="3131840" y="1311610"/>
+            <a:ext cx="678312" cy="0"/>
+          </a:xfrm>
+          <a:prstGeom prst="line">
+            <a:avLst/>
+          </a:prstGeom>
+          <a:ln w="19050">
+            <a:solidFill>
+              <a:schemeClr val="tx1"/>
+            </a:solidFill>
+            <a:headEnd type="none" w="med" len="med"/>
+            <a:tailEnd type="arrow" w="med" len="med"/>
+          </a:ln>
+        </p:spPr>
+        <p:style>
+          <a:lnRef idx="1">
+            <a:schemeClr val="accent1"/>
+          </a:lnRef>
+          <a:fillRef idx="0">
+            <a:schemeClr val="accent1"/>
+          </a:fillRef>
+          <a:effectRef idx="0">
+            <a:schemeClr val="accent1"/>
+          </a:effectRef>
+          <a:fontRef idx="minor">
+            <a:schemeClr val="tx1"/>
+          </a:fontRef>
+        </p:style>
+      </p:cxnSp>
+      <p:cxnSp>
+        <p:nvCxnSpPr>
+          <p:cNvPr id="41" name="직선 연결선 40">
+            <a:extLst>
+              <a:ext uri="{FF2B5EF4-FFF2-40B4-BE49-F238E27FC236}">
+                <a16:creationId xmlns:a16="http://schemas.microsoft.com/office/drawing/2014/main" id="{60FD02AB-F87B-42CF-BF61-4F5FE6B2E340}"/>
+              </a:ext>
+            </a:extLst>
+          </p:cNvPr>
+          <p:cNvCxnSpPr>
+            <a:cxnSpLocks/>
+          </p:cNvCxnSpPr>
+          <p:nvPr/>
+        </p:nvCxnSpPr>
+        <p:spPr>
+          <a:xfrm>
+            <a:off x="5292078" y="1311610"/>
+            <a:ext cx="678312" cy="0"/>
+          </a:xfrm>
+          <a:prstGeom prst="line">
+            <a:avLst/>
+          </a:prstGeom>
+          <a:ln w="19050">
+            <a:solidFill>
+              <a:schemeClr val="tx1"/>
+            </a:solidFill>
+            <a:headEnd type="none" w="med" len="med"/>
+            <a:tailEnd type="arrow" w="med" len="med"/>
+          </a:ln>
+        </p:spPr>
+        <p:style>
+          <a:lnRef idx="1">
+            <a:schemeClr val="accent1"/>
+          </a:lnRef>
+          <a:fillRef idx="0">
+            <a:schemeClr val="accent1"/>
+          </a:fillRef>
+          <a:effectRef idx="0">
+            <a:schemeClr val="accent1"/>
+          </a:effectRef>
+          <a:fontRef idx="minor">
+            <a:schemeClr val="tx1"/>
+          </a:fontRef>
+        </p:style>
+      </p:cxnSp>
+      <p:sp>
+        <p:nvSpPr>
+          <p:cNvPr id="29" name="TextBox 28">
+            <a:extLst>
+              <a:ext uri="{FF2B5EF4-FFF2-40B4-BE49-F238E27FC236}">
+                <a16:creationId xmlns:a16="http://schemas.microsoft.com/office/drawing/2014/main" id="{9F236C8D-9B00-4BE5-A16E-EA4F0047427A}"/>
+              </a:ext>
+            </a:extLst>
+          </p:cNvPr>
+          <p:cNvSpPr txBox="1"/>
+          <p:nvPr/>
+        </p:nvSpPr>
+        <p:spPr>
+          <a:xfrm>
+            <a:off x="2339754" y="1034611"/>
+            <a:ext cx="1584171" cy="276999"/>
+          </a:xfrm>
+          <a:prstGeom prst="rect">
+            <a:avLst/>
+          </a:prstGeom>
+          <a:noFill/>
+        </p:spPr>
+        <p:txBody>
+          <a:bodyPr wrap="square" rtlCol="0">
+            <a:spAutoFit/>
+          </a:bodyPr>
+          <a:lstStyle/>
+          <a:p>
+            <a:pPr algn="ctr"/>
+            <a:r>
+              <a:rPr lang="en-US" altLang="ko-KR" sz="1200"/>
+              <a:t>CreateVolume</a:t>
+            </a:r>
+            <a:endParaRPr lang="ko-KR" altLang="en-US" sz="1200"/>
+          </a:p>
+        </p:txBody>
+      </p:sp>
+      <p:sp>
+        <p:nvSpPr>
+          <p:cNvPr id="42" name="TextBox 41">
+            <a:extLst>
+              <a:ext uri="{FF2B5EF4-FFF2-40B4-BE49-F238E27FC236}">
+                <a16:creationId xmlns:a16="http://schemas.microsoft.com/office/drawing/2014/main" id="{90A47B8E-1539-438E-AEEA-1B0A47B08193}"/>
+              </a:ext>
+            </a:extLst>
+          </p:cNvPr>
+          <p:cNvSpPr txBox="1"/>
+          <p:nvPr/>
+        </p:nvSpPr>
+        <p:spPr>
+          <a:xfrm>
+            <a:off x="5178304" y="1034611"/>
+            <a:ext cx="1584171" cy="276999"/>
+          </a:xfrm>
+          <a:prstGeom prst="rect">
+            <a:avLst/>
+          </a:prstGeom>
+          <a:noFill/>
+        </p:spPr>
+        <p:txBody>
+          <a:bodyPr wrap="square" rtlCol="0">
+            <a:spAutoFit/>
+          </a:bodyPr>
+          <a:lstStyle/>
+          <a:p>
+            <a:pPr algn="ctr"/>
+            <a:r>
+              <a:rPr lang="en-US" altLang="ko-KR" sz="1200"/>
+              <a:t>DeleteVolume</a:t>
+            </a:r>
+            <a:endParaRPr lang="ko-KR" altLang="en-US" sz="1200"/>
+          </a:p>
+        </p:txBody>
+      </p:sp>
+      <p:sp>
+        <p:nvSpPr>
+          <p:cNvPr id="43" name="TextBox 42">
+            <a:extLst>
+              <a:ext uri="{FF2B5EF4-FFF2-40B4-BE49-F238E27FC236}">
+                <a16:creationId xmlns:a16="http://schemas.microsoft.com/office/drawing/2014/main" id="{D27B2992-2CA6-4DD4-839E-43DD2C1D3ED8}"/>
+              </a:ext>
+            </a:extLst>
+          </p:cNvPr>
+          <p:cNvSpPr txBox="1"/>
+          <p:nvPr/>
+        </p:nvSpPr>
+        <p:spPr>
+          <a:xfrm>
+            <a:off x="3018066" y="1530600"/>
+            <a:ext cx="1584171" cy="646331"/>
+          </a:xfrm>
+          <a:prstGeom prst="rect">
+            <a:avLst/>
+          </a:prstGeom>
+          <a:noFill/>
+        </p:spPr>
+        <p:txBody>
+          <a:bodyPr wrap="square" rtlCol="0">
+            <a:spAutoFit/>
+          </a:bodyPr>
+          <a:lstStyle/>
+          <a:p>
+            <a:pPr algn="ctr"/>
+            <a:r>
+              <a:rPr lang="en-US" altLang="ko-KR" sz="1200"/>
+              <a:t>Controller</a:t>
+            </a:r>
+          </a:p>
+          <a:p>
+            <a:pPr algn="ctr"/>
+            <a:r>
+              <a:rPr lang="en-US" altLang="ko-KR" sz="1200"/>
+              <a:t>Publish</a:t>
+            </a:r>
+          </a:p>
+          <a:p>
+            <a:pPr algn="ctr"/>
+            <a:r>
+              <a:rPr lang="en-US" altLang="ko-KR" sz="1200"/>
+              <a:t>Volume</a:t>
+            </a:r>
+            <a:endParaRPr lang="ko-KR" altLang="en-US" sz="1200"/>
+          </a:p>
+        </p:txBody>
+      </p:sp>
+      <p:sp>
+        <p:nvSpPr>
+          <p:cNvPr id="44" name="TextBox 43">
+            <a:extLst>
+              <a:ext uri="{FF2B5EF4-FFF2-40B4-BE49-F238E27FC236}">
+                <a16:creationId xmlns:a16="http://schemas.microsoft.com/office/drawing/2014/main" id="{6D5805FD-7052-4A00-A4C3-8FE05429D300}"/>
+              </a:ext>
+            </a:extLst>
+          </p:cNvPr>
+          <p:cNvSpPr txBox="1"/>
+          <p:nvPr/>
+        </p:nvSpPr>
+        <p:spPr>
+          <a:xfrm>
+            <a:off x="4499992" y="1530600"/>
+            <a:ext cx="1584171" cy="646331"/>
+          </a:xfrm>
+          <a:prstGeom prst="rect">
+            <a:avLst/>
+          </a:prstGeom>
+          <a:noFill/>
+        </p:spPr>
+        <p:txBody>
+          <a:bodyPr wrap="square" rtlCol="0">
+            <a:spAutoFit/>
+          </a:bodyPr>
+          <a:lstStyle/>
+          <a:p>
+            <a:pPr algn="ctr"/>
+            <a:r>
+              <a:rPr lang="en-US" altLang="ko-KR" sz="1200"/>
+              <a:t>Controller</a:t>
+            </a:r>
+          </a:p>
+          <a:p>
+            <a:pPr algn="ctr"/>
+            <a:r>
+              <a:rPr lang="en-US" altLang="ko-KR" sz="1200"/>
+              <a:t>Unpublish</a:t>
+            </a:r>
+          </a:p>
+          <a:p>
+            <a:pPr algn="ctr"/>
+            <a:r>
+              <a:rPr lang="en-US" altLang="ko-KR" sz="1200"/>
+              <a:t>Volume</a:t>
+            </a:r>
+            <a:endParaRPr lang="ko-KR" altLang="en-US" sz="1200"/>
+          </a:p>
+        </p:txBody>
+      </p:sp>
+      <p:sp>
+        <p:nvSpPr>
+          <p:cNvPr id="45" name="TextBox 44">
+            <a:extLst>
+              <a:ext uri="{FF2B5EF4-FFF2-40B4-BE49-F238E27FC236}">
+                <a16:creationId xmlns:a16="http://schemas.microsoft.com/office/drawing/2014/main" id="{C865C9E2-821B-48D6-9C0C-D866565AF4E4}"/>
+              </a:ext>
+            </a:extLst>
+          </p:cNvPr>
+          <p:cNvSpPr txBox="1"/>
+          <p:nvPr/>
+        </p:nvSpPr>
+        <p:spPr>
+          <a:xfrm>
+            <a:off x="3018066" y="2608624"/>
+            <a:ext cx="1584171" cy="646331"/>
+          </a:xfrm>
+          <a:prstGeom prst="rect">
+            <a:avLst/>
+          </a:prstGeom>
+          <a:noFill/>
+        </p:spPr>
+        <p:txBody>
+          <a:bodyPr wrap="square" rtlCol="0">
+            <a:spAutoFit/>
+          </a:bodyPr>
+          <a:lstStyle/>
+          <a:p>
+            <a:pPr algn="ctr"/>
+            <a:r>
+              <a:rPr lang="en-US" altLang="ko-KR" sz="1200"/>
+              <a:t>Node</a:t>
+            </a:r>
+          </a:p>
+          <a:p>
+            <a:pPr algn="ctr"/>
+            <a:r>
+              <a:rPr lang="en-US" altLang="ko-KR" sz="1200"/>
+              <a:t>Stage</a:t>
+            </a:r>
+          </a:p>
+          <a:p>
+            <a:pPr algn="ctr"/>
+            <a:r>
+              <a:rPr lang="en-US" altLang="ko-KR" sz="1200"/>
+              <a:t>Volume</a:t>
+            </a:r>
+            <a:endParaRPr lang="ko-KR" altLang="en-US" sz="1200"/>
+          </a:p>
+        </p:txBody>
+      </p:sp>
+      <p:sp>
+        <p:nvSpPr>
+          <p:cNvPr id="46" name="TextBox 45">
+            <a:extLst>
+              <a:ext uri="{FF2B5EF4-FFF2-40B4-BE49-F238E27FC236}">
+                <a16:creationId xmlns:a16="http://schemas.microsoft.com/office/drawing/2014/main" id="{1B933A09-9635-47FC-AA8A-B8B2DCEEFC42}"/>
+              </a:ext>
+            </a:extLst>
+          </p:cNvPr>
+          <p:cNvSpPr txBox="1"/>
+          <p:nvPr/>
+        </p:nvSpPr>
+        <p:spPr>
+          <a:xfrm>
+            <a:off x="4499992" y="2608624"/>
+            <a:ext cx="1584171" cy="646331"/>
+          </a:xfrm>
+          <a:prstGeom prst="rect">
+            <a:avLst/>
+          </a:prstGeom>
+          <a:noFill/>
+        </p:spPr>
+        <p:txBody>
+          <a:bodyPr wrap="square" rtlCol="0">
+            <a:spAutoFit/>
+          </a:bodyPr>
+          <a:lstStyle/>
+          <a:p>
+            <a:pPr algn="ctr"/>
+            <a:r>
+              <a:rPr lang="en-US" altLang="ko-KR" sz="1200"/>
+              <a:t>Node</a:t>
+            </a:r>
+          </a:p>
+          <a:p>
+            <a:pPr algn="ctr"/>
+            <a:r>
+              <a:rPr lang="en-US" altLang="ko-KR" sz="1200"/>
+              <a:t>Unstage</a:t>
+            </a:r>
+          </a:p>
+          <a:p>
+            <a:pPr algn="ctr"/>
+            <a:r>
+              <a:rPr lang="en-US" altLang="ko-KR" sz="1200"/>
+              <a:t>Volume</a:t>
+            </a:r>
+            <a:endParaRPr lang="ko-KR" altLang="en-US" sz="1200"/>
+          </a:p>
+        </p:txBody>
+      </p:sp>
+      <p:sp>
+        <p:nvSpPr>
+          <p:cNvPr id="47" name="TextBox 46">
+            <a:extLst>
+              <a:ext uri="{FF2B5EF4-FFF2-40B4-BE49-F238E27FC236}">
+                <a16:creationId xmlns:a16="http://schemas.microsoft.com/office/drawing/2014/main" id="{DD8BA251-856E-4CEA-90EE-B99701B59455}"/>
+              </a:ext>
+            </a:extLst>
+          </p:cNvPr>
+          <p:cNvSpPr txBox="1"/>
+          <p:nvPr/>
+        </p:nvSpPr>
+        <p:spPr>
+          <a:xfrm>
+            <a:off x="3018066" y="3688744"/>
+            <a:ext cx="1584171" cy="646331"/>
+          </a:xfrm>
+          <a:prstGeom prst="rect">
+            <a:avLst/>
+          </a:prstGeom>
+          <a:noFill/>
+        </p:spPr>
+        <p:txBody>
+          <a:bodyPr wrap="square" rtlCol="0">
+            <a:spAutoFit/>
+          </a:bodyPr>
+          <a:lstStyle/>
+          <a:p>
+            <a:pPr algn="ctr"/>
+            <a:r>
+              <a:rPr lang="en-US" altLang="ko-KR" sz="1200"/>
+              <a:t>Node</a:t>
+            </a:r>
+          </a:p>
+          <a:p>
+            <a:pPr algn="ctr"/>
+            <a:r>
+              <a:rPr lang="en-US" altLang="ko-KR" sz="1200"/>
+              <a:t>Publish</a:t>
+            </a:r>
+          </a:p>
+          <a:p>
+            <a:pPr algn="ctr"/>
+            <a:r>
+              <a:rPr lang="en-US" altLang="ko-KR" sz="1200"/>
+              <a:t>Volume</a:t>
+            </a:r>
+            <a:endParaRPr lang="ko-KR" altLang="en-US" sz="1200"/>
+          </a:p>
+        </p:txBody>
+      </p:sp>
+      <p:sp>
+        <p:nvSpPr>
+          <p:cNvPr id="48" name="TextBox 47">
+            <a:extLst>
+              <a:ext uri="{FF2B5EF4-FFF2-40B4-BE49-F238E27FC236}">
+                <a16:creationId xmlns:a16="http://schemas.microsoft.com/office/drawing/2014/main" id="{F43A94D6-35F6-424D-944A-1885D60E572C}"/>
+              </a:ext>
+            </a:extLst>
+          </p:cNvPr>
+          <p:cNvSpPr txBox="1"/>
+          <p:nvPr/>
+        </p:nvSpPr>
+        <p:spPr>
+          <a:xfrm>
+            <a:off x="4499992" y="3688744"/>
+            <a:ext cx="1584171" cy="646331"/>
+          </a:xfrm>
+          <a:prstGeom prst="rect">
+            <a:avLst/>
+          </a:prstGeom>
+          <a:noFill/>
+        </p:spPr>
+        <p:txBody>
+          <a:bodyPr wrap="square" rtlCol="0">
+            <a:spAutoFit/>
+          </a:bodyPr>
+          <a:lstStyle/>
+          <a:p>
+            <a:pPr algn="ctr"/>
+            <a:r>
+              <a:rPr lang="en-US" altLang="ko-KR" sz="1200"/>
+              <a:t>Node</a:t>
+            </a:r>
+          </a:p>
+          <a:p>
+            <a:pPr algn="ctr"/>
+            <a:r>
+              <a:rPr lang="en-US" altLang="ko-KR" sz="1200"/>
+              <a:t>Unpublish</a:t>
+            </a:r>
+          </a:p>
+          <a:p>
+            <a:pPr algn="ctr"/>
+            <a:r>
+              <a:rPr lang="en-US" altLang="ko-KR" sz="1200"/>
+              <a:t>Volume</a:t>
+            </a:r>
+            <a:endParaRPr lang="ko-KR" altLang="en-US" sz="1200"/>
+          </a:p>
+        </p:txBody>
+      </p:sp>
+      <p:sp>
+        <p:nvSpPr>
+          <p:cNvPr id="23" name="TextBox 22">
+            <a:extLst>
+              <a:ext uri="{FF2B5EF4-FFF2-40B4-BE49-F238E27FC236}">
+                <a16:creationId xmlns:a16="http://schemas.microsoft.com/office/drawing/2014/main" id="{5164CFAD-B587-4D0C-BDF3-0E05FC54AB9D}"/>
+              </a:ext>
+            </a:extLst>
+          </p:cNvPr>
+          <p:cNvSpPr txBox="1"/>
+          <p:nvPr/>
+        </p:nvSpPr>
+        <p:spPr>
+          <a:xfrm>
+            <a:off x="2195735" y="781787"/>
+            <a:ext cx="1872210" cy="276999"/>
+          </a:xfrm>
+          <a:prstGeom prst="rect">
+            <a:avLst/>
+          </a:prstGeom>
+          <a:noFill/>
+        </p:spPr>
+        <p:txBody>
+          <a:bodyPr wrap="square" rtlCol="0">
+            <a:spAutoFit/>
+          </a:bodyPr>
+          <a:lstStyle/>
+          <a:p>
+            <a:pPr algn="ctr"/>
+            <a:r>
+              <a:rPr lang="en-US" altLang="ko-KR" sz="1200" b="1"/>
+              <a:t>Create Cinder Volume</a:t>
+            </a:r>
+            <a:endParaRPr lang="ko-KR" altLang="en-US" sz="1200" b="1"/>
+          </a:p>
+        </p:txBody>
+      </p:sp>
+      <p:sp>
+        <p:nvSpPr>
+          <p:cNvPr id="24" name="TextBox 23">
+            <a:extLst>
+              <a:ext uri="{FF2B5EF4-FFF2-40B4-BE49-F238E27FC236}">
+                <a16:creationId xmlns:a16="http://schemas.microsoft.com/office/drawing/2014/main" id="{1DA62931-463B-4E0F-8D00-B84F9FDAFA1A}"/>
+              </a:ext>
+            </a:extLst>
+          </p:cNvPr>
+          <p:cNvSpPr txBox="1"/>
+          <p:nvPr/>
+        </p:nvSpPr>
+        <p:spPr>
+          <a:xfrm>
+            <a:off x="5034284" y="781787"/>
+            <a:ext cx="1872210" cy="276999"/>
+          </a:xfrm>
+          <a:prstGeom prst="rect">
+            <a:avLst/>
+          </a:prstGeom>
+          <a:noFill/>
+        </p:spPr>
+        <p:txBody>
+          <a:bodyPr wrap="square" rtlCol="0">
+            <a:spAutoFit/>
+          </a:bodyPr>
+          <a:lstStyle/>
+          <a:p>
+            <a:pPr algn="ctr"/>
+            <a:r>
+              <a:rPr lang="en-US" altLang="ko-KR" sz="1200" b="1"/>
+              <a:t>Delete Cinder Volume</a:t>
+            </a:r>
+            <a:endParaRPr lang="ko-KR" altLang="en-US" sz="1200" b="1"/>
+          </a:p>
+        </p:txBody>
+      </p:sp>
+      <p:sp>
+        <p:nvSpPr>
+          <p:cNvPr id="25" name="TextBox 24">
+            <a:extLst>
+              <a:ext uri="{FF2B5EF4-FFF2-40B4-BE49-F238E27FC236}">
+                <a16:creationId xmlns:a16="http://schemas.microsoft.com/office/drawing/2014/main" id="{7B199F18-9941-46D2-9680-9EB1DCFC3620}"/>
+              </a:ext>
+            </a:extLst>
+          </p:cNvPr>
+          <p:cNvSpPr txBox="1"/>
+          <p:nvPr/>
+        </p:nvSpPr>
+        <p:spPr>
+          <a:xfrm>
+            <a:off x="2051720" y="1662358"/>
+            <a:ext cx="1440157" cy="461665"/>
+          </a:xfrm>
+          <a:prstGeom prst="rect">
+            <a:avLst/>
+          </a:prstGeom>
+          <a:noFill/>
+        </p:spPr>
+        <p:txBody>
+          <a:bodyPr wrap="square" rtlCol="0">
+            <a:spAutoFit/>
+          </a:bodyPr>
+          <a:lstStyle/>
+          <a:p>
+            <a:pPr algn="ctr"/>
+            <a:r>
+              <a:rPr lang="en-US" altLang="ko-KR" sz="1200" b="1"/>
+              <a:t>Attach Cinder Volume to Node</a:t>
+            </a:r>
+          </a:p>
+        </p:txBody>
+      </p:sp>
+      <p:sp>
+        <p:nvSpPr>
+          <p:cNvPr id="26" name="TextBox 25">
+            <a:extLst>
+              <a:ext uri="{FF2B5EF4-FFF2-40B4-BE49-F238E27FC236}">
+                <a16:creationId xmlns:a16="http://schemas.microsoft.com/office/drawing/2014/main" id="{415F4042-7B00-4C64-A16F-7BCF93B13C81}"/>
+              </a:ext>
+            </a:extLst>
+          </p:cNvPr>
+          <p:cNvSpPr txBox="1"/>
+          <p:nvPr/>
+        </p:nvSpPr>
+        <p:spPr>
+          <a:xfrm>
+            <a:off x="5519640" y="1662358"/>
+            <a:ext cx="1644648" cy="461665"/>
+          </a:xfrm>
+          <a:prstGeom prst="rect">
+            <a:avLst/>
+          </a:prstGeom>
+          <a:noFill/>
+        </p:spPr>
+        <p:txBody>
+          <a:bodyPr wrap="square" rtlCol="0">
+            <a:spAutoFit/>
+          </a:bodyPr>
+          <a:lstStyle/>
+          <a:p>
+            <a:pPr algn="ctr"/>
+            <a:r>
+              <a:rPr lang="en-US" altLang="ko-KR" sz="1200" b="1"/>
+              <a:t>Detach Cinder Volume from Node</a:t>
+            </a:r>
+          </a:p>
+        </p:txBody>
+      </p:sp>
+      <p:sp>
+        <p:nvSpPr>
+          <p:cNvPr id="27" name="TextBox 26">
+            <a:extLst>
+              <a:ext uri="{FF2B5EF4-FFF2-40B4-BE49-F238E27FC236}">
+                <a16:creationId xmlns:a16="http://schemas.microsoft.com/office/drawing/2014/main" id="{A015D005-E23F-4E90-B995-D3EEECB263A3}"/>
+              </a:ext>
+            </a:extLst>
+          </p:cNvPr>
+          <p:cNvSpPr txBox="1"/>
+          <p:nvPr/>
+        </p:nvSpPr>
+        <p:spPr>
+          <a:xfrm>
+            <a:off x="2112425" y="2697915"/>
+            <a:ext cx="1440157" cy="461665"/>
+          </a:xfrm>
+          <a:prstGeom prst="rect">
+            <a:avLst/>
+          </a:prstGeom>
+          <a:noFill/>
+        </p:spPr>
+        <p:txBody>
+          <a:bodyPr wrap="square" rtlCol="0">
+            <a:spAutoFit/>
+          </a:bodyPr>
+          <a:lstStyle/>
+          <a:p>
+            <a:pPr algn="ctr"/>
+            <a:r>
+              <a:rPr lang="en-US" altLang="ko-KR" sz="1200" b="1"/>
+              <a:t>Format &amp; Mount Cinder Volume</a:t>
+            </a:r>
+          </a:p>
+        </p:txBody>
+      </p:sp>
+      <p:sp>
+        <p:nvSpPr>
+          <p:cNvPr id="28" name="TextBox 27">
+            <a:extLst>
+              <a:ext uri="{FF2B5EF4-FFF2-40B4-BE49-F238E27FC236}">
+                <a16:creationId xmlns:a16="http://schemas.microsoft.com/office/drawing/2014/main" id="{4E11C527-9AD1-4EA1-9CC7-3636C8CF9EF1}"/>
+              </a:ext>
+            </a:extLst>
+          </p:cNvPr>
+          <p:cNvSpPr txBox="1"/>
+          <p:nvPr/>
+        </p:nvSpPr>
+        <p:spPr>
+          <a:xfrm>
+            <a:off x="5591418" y="2697915"/>
+            <a:ext cx="1440157" cy="461665"/>
+          </a:xfrm>
+          <a:prstGeom prst="rect">
+            <a:avLst/>
+          </a:prstGeom>
+          <a:noFill/>
+        </p:spPr>
+        <p:txBody>
+          <a:bodyPr wrap="square" rtlCol="0">
+            <a:spAutoFit/>
+          </a:bodyPr>
+          <a:lstStyle/>
+          <a:p>
+            <a:pPr algn="ctr"/>
+            <a:r>
+              <a:rPr lang="en-US" altLang="ko-KR" sz="1200" b="1"/>
+              <a:t>Unmount </a:t>
+            </a:r>
+          </a:p>
+          <a:p>
+            <a:pPr algn="ctr"/>
+            <a:r>
+              <a:rPr lang="en-US" altLang="ko-KR" sz="1200" b="1"/>
+              <a:t>Cinder Volume</a:t>
+            </a:r>
+          </a:p>
+        </p:txBody>
+      </p:sp>
+      <p:sp>
+        <p:nvSpPr>
+          <p:cNvPr id="30" name="TextBox 29">
+            <a:extLst>
+              <a:ext uri="{FF2B5EF4-FFF2-40B4-BE49-F238E27FC236}">
+                <a16:creationId xmlns:a16="http://schemas.microsoft.com/office/drawing/2014/main" id="{BAC6F23F-E336-47AD-97C0-72667D551C4E}"/>
+              </a:ext>
+            </a:extLst>
+          </p:cNvPr>
+          <p:cNvSpPr txBox="1"/>
+          <p:nvPr/>
+        </p:nvSpPr>
+        <p:spPr>
+          <a:xfrm>
+            <a:off x="2112425" y="3781077"/>
+            <a:ext cx="1440157" cy="461665"/>
+          </a:xfrm>
+          <a:prstGeom prst="rect">
+            <a:avLst/>
+          </a:prstGeom>
+          <a:noFill/>
+        </p:spPr>
+        <p:txBody>
+          <a:bodyPr wrap="square" rtlCol="0">
+            <a:spAutoFit/>
+          </a:bodyPr>
+          <a:lstStyle/>
+          <a:p>
+            <a:pPr algn="ctr"/>
+            <a:r>
+              <a:rPr lang="en-US" altLang="ko-KR" sz="1200" b="1"/>
+              <a:t>Format &amp; Mount Cinder Volume</a:t>
+            </a:r>
+          </a:p>
+        </p:txBody>
+      </p:sp>
+      <p:sp>
+        <p:nvSpPr>
+          <p:cNvPr id="31" name="TextBox 30">
+            <a:extLst>
+              <a:ext uri="{FF2B5EF4-FFF2-40B4-BE49-F238E27FC236}">
+                <a16:creationId xmlns:a16="http://schemas.microsoft.com/office/drawing/2014/main" id="{EA4B2AB0-F6A3-421E-A6BF-0720C7510A7A}"/>
+              </a:ext>
+            </a:extLst>
+          </p:cNvPr>
+          <p:cNvSpPr txBox="1"/>
+          <p:nvPr/>
+        </p:nvSpPr>
+        <p:spPr>
+          <a:xfrm>
+            <a:off x="5591418" y="3781077"/>
+            <a:ext cx="1440157" cy="461665"/>
+          </a:xfrm>
+          <a:prstGeom prst="rect">
+            <a:avLst/>
+          </a:prstGeom>
+          <a:noFill/>
+        </p:spPr>
+        <p:txBody>
+          <a:bodyPr wrap="square" rtlCol="0">
+            <a:spAutoFit/>
+          </a:bodyPr>
+          <a:lstStyle/>
+          <a:p>
+            <a:pPr algn="ctr"/>
+            <a:r>
+              <a:rPr lang="en-US" altLang="ko-KR" sz="1200" b="1"/>
+              <a:t>Unmount </a:t>
+            </a:r>
+          </a:p>
+          <a:p>
+            <a:pPr algn="ctr"/>
+            <a:r>
+              <a:rPr lang="en-US" altLang="ko-KR" sz="1200" b="1"/>
+              <a:t>Cinder Volume</a:t>
+            </a:r>
+          </a:p>
+        </p:txBody>
+      </p:sp>
+    </p:spTree>
+    <p:extLst>
+      <p:ext uri="{BB962C8B-B14F-4D97-AF65-F5344CB8AC3E}">
+        <p14:creationId xmlns:p14="http://schemas.microsoft.com/office/powerpoint/2010/main" val="1276381540"/>
       </p:ext>
     </p:extLst>
   </p:cSld>
